--- a/assets/slides/fa22/24-Paradigms.pptx
+++ b/assets/slides/fa22/24-Paradigms.pptx
@@ -5,33 +5,36 @@
     <p:sldMasterId id="2147483655" r:id="rId1"/>
   </p:sldMasterIdLst>
   <p:notesMasterIdLst>
-    <p:notesMasterId r:id="rId26"/>
+    <p:notesMasterId r:id="rId29"/>
   </p:notesMasterIdLst>
   <p:sldIdLst>
     <p:sldId id="256" r:id="rId2"/>
-    <p:sldId id="260" r:id="rId3"/>
-    <p:sldId id="261" r:id="rId4"/>
-    <p:sldId id="262" r:id="rId5"/>
-    <p:sldId id="263" r:id="rId6"/>
-    <p:sldId id="264" r:id="rId7"/>
-    <p:sldId id="281" r:id="rId8"/>
-    <p:sldId id="285" r:id="rId9"/>
-    <p:sldId id="268" r:id="rId10"/>
-    <p:sldId id="266" r:id="rId11"/>
-    <p:sldId id="267" r:id="rId12"/>
-    <p:sldId id="368" r:id="rId13"/>
-    <p:sldId id="269" r:id="rId14"/>
-    <p:sldId id="270" r:id="rId15"/>
-    <p:sldId id="271" r:id="rId16"/>
-    <p:sldId id="272" r:id="rId17"/>
-    <p:sldId id="273" r:id="rId18"/>
-    <p:sldId id="274" r:id="rId19"/>
-    <p:sldId id="275" r:id="rId20"/>
-    <p:sldId id="363" r:id="rId21"/>
-    <p:sldId id="364" r:id="rId22"/>
-    <p:sldId id="366" r:id="rId23"/>
-    <p:sldId id="367" r:id="rId24"/>
-    <p:sldId id="365" r:id="rId25"/>
+    <p:sldId id="371" r:id="rId3"/>
+    <p:sldId id="260" r:id="rId4"/>
+    <p:sldId id="261" r:id="rId5"/>
+    <p:sldId id="262" r:id="rId6"/>
+    <p:sldId id="263" r:id="rId7"/>
+    <p:sldId id="264" r:id="rId8"/>
+    <p:sldId id="281" r:id="rId9"/>
+    <p:sldId id="285" r:id="rId10"/>
+    <p:sldId id="268" r:id="rId11"/>
+    <p:sldId id="266" r:id="rId12"/>
+    <p:sldId id="267" r:id="rId13"/>
+    <p:sldId id="368" r:id="rId14"/>
+    <p:sldId id="269" r:id="rId15"/>
+    <p:sldId id="270" r:id="rId16"/>
+    <p:sldId id="271" r:id="rId17"/>
+    <p:sldId id="372" r:id="rId18"/>
+    <p:sldId id="272" r:id="rId19"/>
+    <p:sldId id="273" r:id="rId20"/>
+    <p:sldId id="274" r:id="rId21"/>
+    <p:sldId id="275" r:id="rId22"/>
+    <p:sldId id="369" r:id="rId23"/>
+    <p:sldId id="363" r:id="rId24"/>
+    <p:sldId id="364" r:id="rId25"/>
+    <p:sldId id="366" r:id="rId26"/>
+    <p:sldId id="367" r:id="rId27"/>
+    <p:sldId id="365" r:id="rId28"/>
   </p:sldIdLst>
   <p:sldSz cx="9144000" cy="5143500" type="screen16x9"/>
   <p:notesSz cx="6858000" cy="9144000"/>
@@ -2751,7 +2754,7 @@
           </a:ln>
           <a:extLst>
             <a:ext uri="{909E8E84-426E-40dd-AFC4-6F175D3DCCD1}">
-              <a14:hiddenFill xmlns:a14="http://schemas.microsoft.com/office/drawing/2010/main" xmlns="">
+              <a14:hiddenFill xmlns="" xmlns:a14="http://schemas.microsoft.com/office/drawing/2010/main">
                 <a:noFill/>
               </a14:hiddenFill>
             </a:ext>
@@ -2796,14 +2799,14 @@
           </a:ln>
           <a:extLst>
             <a:ext uri="{909E8E84-426E-40dd-AFC4-6F175D3DCCD1}">
-              <a14:hiddenFill xmlns:a14="http://schemas.microsoft.com/office/drawing/2010/main" xmlns="">
+              <a14:hiddenFill xmlns="" xmlns:a14="http://schemas.microsoft.com/office/drawing/2010/main">
                 <a:solidFill>
                   <a:srgbClr val="FFFFFF"/>
                 </a:solidFill>
               </a14:hiddenFill>
             </a:ext>
             <a:ext uri="{91240B29-F687-4f45-9708-019B960494DF}">
-              <a14:hiddenLine xmlns:a14="http://schemas.microsoft.com/office/drawing/2010/main" xmlns="" w="9525">
+              <a14:hiddenLine xmlns="" xmlns:a14="http://schemas.microsoft.com/office/drawing/2010/main" w="9525">
                 <a:solidFill>
                   <a:srgbClr val="000000"/>
                 </a:solidFill>
@@ -2909,14 +2912,14 @@
           </a:ln>
           <a:extLst>
             <a:ext uri="{909E8E84-426E-40dd-AFC4-6F175D3DCCD1}">
-              <a14:hiddenFill xmlns:a14="http://schemas.microsoft.com/office/drawing/2010/main" xmlns="">
+              <a14:hiddenFill xmlns="" xmlns:a14="http://schemas.microsoft.com/office/drawing/2010/main">
                 <a:solidFill>
                   <a:srgbClr val="FFFFFF"/>
                 </a:solidFill>
               </a14:hiddenFill>
             </a:ext>
             <a:ext uri="{91240B29-F687-4f45-9708-019B960494DF}">
-              <a14:hiddenLine xmlns:a14="http://schemas.microsoft.com/office/drawing/2010/main" xmlns="" w="9525">
+              <a14:hiddenLine xmlns="" xmlns:a14="http://schemas.microsoft.com/office/drawing/2010/main" w="9525">
                 <a:solidFill>
                   <a:srgbClr val="000000"/>
                 </a:solidFill>
@@ -2926,7 +2929,7 @@
               </a14:hiddenLine>
             </a:ext>
             <a:ext uri="{FAA26D3D-D897-4be2-8F04-BA451C77F1D7}">
-              <ma14:placeholderFlag xmlns:ma14="http://schemas.microsoft.com/office/mac/drawingml/2011/main" xmlns="" val="1"/>
+              <ma14:placeholderFlag xmlns="" xmlns:ma14="http://schemas.microsoft.com/office/mac/drawingml/2011/main" val="1"/>
             </a:ext>
           </a:extLst>
         </p:spPr>
@@ -3274,14 +3277,14 @@
           </a:ln>
           <a:extLst>
             <a:ext uri="{909E8E84-426E-40dd-AFC4-6F175D3DCCD1}">
-              <a14:hiddenFill xmlns:a14="http://schemas.microsoft.com/office/drawing/2010/main" xmlns="">
+              <a14:hiddenFill xmlns="" xmlns:a14="http://schemas.microsoft.com/office/drawing/2010/main">
                 <a:solidFill>
                   <a:srgbClr val="FFFFFF"/>
                 </a:solidFill>
               </a14:hiddenFill>
             </a:ext>
             <a:ext uri="{91240B29-F687-4f45-9708-019B960494DF}">
-              <a14:hiddenLine xmlns:a14="http://schemas.microsoft.com/office/drawing/2010/main" xmlns="" w="9525">
+              <a14:hiddenLine xmlns="" xmlns:a14="http://schemas.microsoft.com/office/drawing/2010/main" w="9525">
                 <a:solidFill>
                   <a:srgbClr val="000000"/>
                 </a:solidFill>
@@ -3291,7 +3294,7 @@
               </a14:hiddenLine>
             </a:ext>
             <a:ext uri="{FAA26D3D-D897-4be2-8F04-BA451C77F1D7}">
-              <ma14:placeholderFlag xmlns:ma14="http://schemas.microsoft.com/office/mac/drawingml/2011/main" xmlns="" val="1"/>
+              <ma14:placeholderFlag xmlns="" xmlns:ma14="http://schemas.microsoft.com/office/mac/drawingml/2011/main" val="1"/>
             </a:ext>
           </a:extLst>
         </p:spPr>
@@ -6517,14 +6520,14 @@
           </a:ln>
           <a:extLst>
             <a:ext uri="{909E8E84-426E-40dd-AFC4-6F175D3DCCD1}">
-              <a14:hiddenFill xmlns:a14="http://schemas.microsoft.com/office/drawing/2010/main" xmlns="">
+              <a14:hiddenFill xmlns="" xmlns:a14="http://schemas.microsoft.com/office/drawing/2010/main">
                 <a:solidFill>
                   <a:srgbClr val="FFFFFF"/>
                 </a:solidFill>
               </a14:hiddenFill>
             </a:ext>
             <a:ext uri="{91240B29-F687-4f45-9708-019B960494DF}">
-              <a14:hiddenLine xmlns:a14="http://schemas.microsoft.com/office/drawing/2010/main" xmlns="" w="9525">
+              <a14:hiddenLine xmlns="" xmlns:a14="http://schemas.microsoft.com/office/drawing/2010/main" w="9525">
                 <a:solidFill>
                   <a:srgbClr val="000000"/>
                 </a:solidFill>
@@ -6534,7 +6537,7 @@
               </a14:hiddenLine>
             </a:ext>
             <a:ext uri="{FAA26D3D-D897-4be2-8F04-BA451C77F1D7}">
-              <ma14:placeholderFlag xmlns:ma14="http://schemas.microsoft.com/office/mac/drawingml/2011/main" xmlns="" val="1"/>
+              <ma14:placeholderFlag xmlns="" xmlns:ma14="http://schemas.microsoft.com/office/mac/drawingml/2011/main" val="1"/>
             </a:ext>
           </a:extLst>
         </p:spPr>
@@ -6578,14 +6581,14 @@
           </a:ln>
           <a:extLst>
             <a:ext uri="{909E8E84-426E-40dd-AFC4-6F175D3DCCD1}">
-              <a14:hiddenFill xmlns:a14="http://schemas.microsoft.com/office/drawing/2010/main" xmlns="">
+              <a14:hiddenFill xmlns="" xmlns:a14="http://schemas.microsoft.com/office/drawing/2010/main">
                 <a:solidFill>
                   <a:srgbClr val="FFFFFF"/>
                 </a:solidFill>
               </a14:hiddenFill>
             </a:ext>
             <a:ext uri="{91240B29-F687-4f45-9708-019B960494DF}">
-              <a14:hiddenLine xmlns:a14="http://schemas.microsoft.com/office/drawing/2010/main" xmlns="" w="9525">
+              <a14:hiddenLine xmlns="" xmlns:a14="http://schemas.microsoft.com/office/drawing/2010/main" w="9525">
                 <a:solidFill>
                   <a:srgbClr val="000000"/>
                 </a:solidFill>
@@ -6595,7 +6598,7 @@
               </a14:hiddenLine>
             </a:ext>
             <a:ext uri="{FAA26D3D-D897-4be2-8F04-BA451C77F1D7}">
-              <ma14:placeholderFlag xmlns:ma14="http://schemas.microsoft.com/office/mac/drawingml/2011/main" xmlns="" val="1"/>
+              <ma14:placeholderFlag xmlns="" xmlns:ma14="http://schemas.microsoft.com/office/mac/drawingml/2011/main" val="1"/>
             </a:ext>
           </a:extLst>
         </p:spPr>
@@ -6700,7 +6703,7 @@
           </a:ln>
           <a:extLst>
             <a:ext uri="{909E8E84-426E-40dd-AFC4-6F175D3DCCD1}">
-              <a14:hiddenFill xmlns:a14="http://schemas.microsoft.com/office/drawing/2010/main" xmlns="">
+              <a14:hiddenFill xmlns="" xmlns:a14="http://schemas.microsoft.com/office/drawing/2010/main">
                 <a:noFill/>
               </a14:hiddenFill>
             </a:ext>
@@ -6745,14 +6748,14 @@
           </a:ln>
           <a:extLst>
             <a:ext uri="{909E8E84-426E-40dd-AFC4-6F175D3DCCD1}">
-              <a14:hiddenFill xmlns:a14="http://schemas.microsoft.com/office/drawing/2010/main" xmlns="">
+              <a14:hiddenFill xmlns="" xmlns:a14="http://schemas.microsoft.com/office/drawing/2010/main">
                 <a:solidFill>
                   <a:srgbClr val="FFFFFF"/>
                 </a:solidFill>
               </a14:hiddenFill>
             </a:ext>
             <a:ext uri="{91240B29-F687-4f45-9708-019B960494DF}">
-              <a14:hiddenLine xmlns:a14="http://schemas.microsoft.com/office/drawing/2010/main" xmlns="" w="9525">
+              <a14:hiddenLine xmlns="" xmlns:a14="http://schemas.microsoft.com/office/drawing/2010/main" w="9525">
                 <a:solidFill>
                   <a:srgbClr val="000000"/>
                 </a:solidFill>
@@ -6792,14 +6795,14 @@
           </a:ln>
           <a:extLst>
             <a:ext uri="{909E8E84-426E-40dd-AFC4-6F175D3DCCD1}">
-              <a14:hiddenFill xmlns:a14="http://schemas.microsoft.com/office/drawing/2010/main" xmlns="">
+              <a14:hiddenFill xmlns="" xmlns:a14="http://schemas.microsoft.com/office/drawing/2010/main">
                 <a:solidFill>
                   <a:srgbClr val="FFFFFF"/>
                 </a:solidFill>
               </a14:hiddenFill>
             </a:ext>
             <a:ext uri="{91240B29-F687-4f45-9708-019B960494DF}">
-              <a14:hiddenLine xmlns:a14="http://schemas.microsoft.com/office/drawing/2010/main" xmlns="" w="9525">
+              <a14:hiddenLine xmlns="" xmlns:a14="http://schemas.microsoft.com/office/drawing/2010/main" w="9525">
                 <a:solidFill>
                   <a:srgbClr val="000000"/>
                 </a:solidFill>
@@ -6809,7 +6812,7 @@
               </a14:hiddenLine>
             </a:ext>
             <a:ext uri="{FAA26D3D-D897-4be2-8F04-BA451C77F1D7}">
-              <ma14:placeholderFlag xmlns:ma14="http://schemas.microsoft.com/office/mac/drawingml/2011/main" xmlns="" val="1"/>
+              <ma14:placeholderFlag xmlns="" xmlns:ma14="http://schemas.microsoft.com/office/mac/drawingml/2011/main" val="1"/>
             </a:ext>
           </a:extLst>
         </p:spPr>
@@ -7586,4580 +7589,6 @@
 </file>
 
 <file path=ppt/slides/slide10.xml><?xml version="1.0" encoding="utf-8"?>
-<p:sld xmlns:a="http://schemas.openxmlformats.org/drawingml/2006/main" xmlns:r="http://schemas.openxmlformats.org/officeDocument/2006/relationships" xmlns:p="http://schemas.openxmlformats.org/presentationml/2006/main">
-  <p:cSld>
-    <p:spTree>
-      <p:nvGrpSpPr>
-        <p:cNvPr id="1" name="Shape 96"/>
-        <p:cNvGrpSpPr/>
-        <p:nvPr/>
-      </p:nvGrpSpPr>
-      <p:grpSpPr>
-        <a:xfrm>
-          <a:off x="0" y="0"/>
-          <a:ext cx="0" cy="0"/>
-          <a:chOff x="0" y="0"/>
-          <a:chExt cx="0" cy="0"/>
-        </a:xfrm>
-      </p:grpSpPr>
-      <p:sp>
-        <p:nvSpPr>
-          <p:cNvPr id="97" name="Google Shape;97;p18"/>
-          <p:cNvSpPr txBox="1">
-            <a:spLocks noGrp="1"/>
-          </p:cNvSpPr>
-          <p:nvPr>
-            <p:ph type="title"/>
-          </p:nvPr>
-        </p:nvSpPr>
-        <p:spPr/>
-        <p:txBody>
-          <a:bodyPr/>
-          <a:lstStyle/>
-          <a:p>
-            <a:pPr lvl="0"/>
-            <a:r>
-              <a:rPr lang="en-US" dirty="0"/>
-              <a:t>A Hybrid Approach</a:t>
-            </a:r>
-          </a:p>
-        </p:txBody>
-      </p:sp>
-      <p:sp>
-        <p:nvSpPr>
-          <p:cNvPr id="98" name="Google Shape;98;p18"/>
-          <p:cNvSpPr txBox="1">
-            <a:spLocks noGrp="1"/>
-          </p:cNvSpPr>
-          <p:nvPr>
-            <p:ph idx="1"/>
-          </p:nvPr>
-        </p:nvSpPr>
-        <p:spPr/>
-        <p:txBody>
-          <a:bodyPr/>
-          <a:lstStyle/>
-          <a:p>
-            <a:pPr lvl="0"/>
-            <a:r>
-              <a:rPr lang="en-US" sz="2000" dirty="0"/>
-              <a:t>These paradigms are not official rules. Just attempts to taxonomize approaches taken by humans.</a:t>
-            </a:r>
-          </a:p>
-          <a:p>
-            <a:pPr lvl="0"/>
-            <a:r>
-              <a:rPr lang="en-US" sz="2000" dirty="0"/>
-              <a:t>Code below is </a:t>
-            </a:r>
-            <a:r>
-              <a:rPr lang="en-US" sz="2000" dirty="0" err="1"/>
-              <a:t>sorta</a:t>
-            </a:r>
-            <a:r>
-              <a:rPr lang="en-US" sz="2000" dirty="0"/>
-              <a:t> functional, </a:t>
-            </a:r>
-            <a:r>
-              <a:rPr lang="en-US" sz="2000" dirty="0" err="1"/>
-              <a:t>sorta</a:t>
-            </a:r>
-            <a:r>
-              <a:rPr lang="en-US" sz="2000" dirty="0"/>
-              <a:t> imperative.</a:t>
-            </a:r>
-          </a:p>
-          <a:p>
-            <a:pPr lvl="0"/>
-            <a:r>
-              <a:rPr lang="en-US" sz="2000" dirty="0"/>
-              <a:t>Utilizes state for clarity. Many program this way. You might not.</a:t>
-            </a:r>
-          </a:p>
-        </p:txBody>
-      </p:sp>
-      <p:sp>
-        <p:nvSpPr>
-          <p:cNvPr id="4" name="TextBox 3">
-            <a:extLst>
-              <a:ext uri="{FF2B5EF4-FFF2-40B4-BE49-F238E27FC236}">
-                <a16:creationId xmlns:a16="http://schemas.microsoft.com/office/drawing/2014/main" id="{8CF7E169-682A-8765-1687-58580D54A3C4}"/>
-              </a:ext>
-            </a:extLst>
-          </p:cNvPr>
-          <p:cNvSpPr txBox="1"/>
-          <p:nvPr/>
-        </p:nvSpPr>
-        <p:spPr>
-          <a:xfrm>
-            <a:off x="771525" y="2228850"/>
-            <a:ext cx="7760651" cy="1754326"/>
-          </a:xfrm>
-          <a:prstGeom prst="rect">
-            <a:avLst/>
-          </a:prstGeom>
-          <a:noFill/>
-        </p:spPr>
-        <p:txBody>
-          <a:bodyPr wrap="square" rtlCol="0">
-            <a:spAutoFit/>
-          </a:bodyPr>
-          <a:lstStyle/>
-          <a:p>
-            <a:r>
-              <a:rPr lang="en-US" sz="1800" b="0" dirty="0">
-                <a:solidFill>
-                  <a:schemeClr val="tx1"/>
-                </a:solidFill>
-                <a:effectLst/>
-                <a:latin typeface="SourceCodePro-Light" panose="020B0509030403020204" pitchFamily="49" charset="77"/>
-              </a:rPr>
-              <a:t>def </a:t>
-            </a:r>
-            <a:r>
-              <a:rPr lang="en-US" sz="1800" b="0" dirty="0" err="1">
-                <a:solidFill>
-                  <a:schemeClr val="tx1"/>
-                </a:solidFill>
-                <a:effectLst/>
-                <a:latin typeface="SourceCodePro-Light" panose="020B0509030403020204" pitchFamily="49" charset="77"/>
-              </a:rPr>
-              <a:t>acronym_h</a:t>
-            </a:r>
-            <a:r>
-              <a:rPr lang="en-US" sz="1800" b="0" dirty="0">
-                <a:solidFill>
-                  <a:schemeClr val="tx1"/>
-                </a:solidFill>
-                <a:effectLst/>
-                <a:latin typeface="SourceCodePro-Light" panose="020B0509030403020204" pitchFamily="49" charset="77"/>
-              </a:rPr>
-              <a:t>(words):</a:t>
-            </a:r>
-          </a:p>
-          <a:p>
-            <a:r>
-              <a:rPr lang="en-US" sz="1800" b="0" dirty="0">
-                <a:solidFill>
-                  <a:schemeClr val="tx1"/>
-                </a:solidFill>
-                <a:effectLst/>
-                <a:latin typeface="SourceCodePro-Light" panose="020B0509030403020204" pitchFamily="49" charset="77"/>
-              </a:rPr>
-              <a:t>    words = </a:t>
-            </a:r>
-            <a:r>
-              <a:rPr lang="en-US" sz="1800" b="0" dirty="0" err="1">
-                <a:solidFill>
-                  <a:schemeClr val="tx1"/>
-                </a:solidFill>
-                <a:effectLst/>
-                <a:latin typeface="SourceCodePro-Light" panose="020B0509030403020204" pitchFamily="49" charset="77"/>
-              </a:rPr>
-              <a:t>words.split</a:t>
-            </a:r>
-            <a:r>
-              <a:rPr lang="en-US" sz="1800" b="0" dirty="0">
-                <a:solidFill>
-                  <a:schemeClr val="tx1"/>
-                </a:solidFill>
-                <a:effectLst/>
-                <a:latin typeface="SourceCodePro-Light" panose="020B0509030403020204" pitchFamily="49" charset="77"/>
-              </a:rPr>
-              <a:t>(' ')</a:t>
-            </a:r>
-          </a:p>
-          <a:p>
-            <a:r>
-              <a:rPr lang="en-US" sz="1800" b="0" dirty="0">
-                <a:solidFill>
-                  <a:schemeClr val="tx1"/>
-                </a:solidFill>
-                <a:effectLst/>
-                <a:latin typeface="SourceCodePro-Light" panose="020B0509030403020204" pitchFamily="49" charset="77"/>
-              </a:rPr>
-              <a:t>    long = filter(lambda w: </a:t>
-            </a:r>
-            <a:r>
-              <a:rPr lang="en-US" sz="1800" b="0" dirty="0" err="1">
-                <a:solidFill>
-                  <a:schemeClr val="tx1"/>
-                </a:solidFill>
-                <a:effectLst/>
-                <a:latin typeface="SourceCodePro-Light" panose="020B0509030403020204" pitchFamily="49" charset="77"/>
-              </a:rPr>
-              <a:t>len</a:t>
-            </a:r>
-            <a:r>
-              <a:rPr lang="en-US" sz="1800" b="0" dirty="0">
-                <a:solidFill>
-                  <a:schemeClr val="tx1"/>
-                </a:solidFill>
-                <a:effectLst/>
-                <a:latin typeface="SourceCodePro-Light" panose="020B0509030403020204" pitchFamily="49" charset="77"/>
-              </a:rPr>
-              <a:t>(w) &gt; 4, words)</a:t>
-            </a:r>
-          </a:p>
-          <a:p>
-            <a:r>
-              <a:rPr lang="en-US" sz="1800" b="0" dirty="0">
-                <a:solidFill>
-                  <a:schemeClr val="tx1"/>
-                </a:solidFill>
-                <a:effectLst/>
-                <a:latin typeface="SourceCodePro-Light" panose="020B0509030403020204" pitchFamily="49" charset="77"/>
-              </a:rPr>
-              <a:t>    letters = maps(lambda w: w[0], long)</a:t>
-            </a:r>
-          </a:p>
-          <a:p>
-            <a:r>
-              <a:rPr lang="en-US" sz="1800" b="0" dirty="0">
-                <a:solidFill>
-                  <a:schemeClr val="tx1"/>
-                </a:solidFill>
-                <a:effectLst/>
-                <a:latin typeface="SourceCodePro-Light" panose="020B0509030403020204" pitchFamily="49" charset="77"/>
-              </a:rPr>
-              <a:t>    return ''.join(letters)</a:t>
-            </a:r>
-          </a:p>
-          <a:p>
-            <a:endParaRPr lang="en-US" sz="1800" dirty="0">
-              <a:solidFill>
-                <a:schemeClr val="tx1"/>
-              </a:solidFill>
-            </a:endParaRPr>
-          </a:p>
-        </p:txBody>
-      </p:sp>
-    </p:spTree>
-  </p:cSld>
-  <p:clrMapOvr>
-    <a:masterClrMapping/>
-  </p:clrMapOvr>
-</p:sld>
-</file>
-
-<file path=ppt/slides/slide11.xml><?xml version="1.0" encoding="utf-8"?>
-<p:sld xmlns:a="http://schemas.openxmlformats.org/drawingml/2006/main" xmlns:r="http://schemas.openxmlformats.org/officeDocument/2006/relationships" xmlns:p="http://schemas.openxmlformats.org/presentationml/2006/main">
-  <p:cSld>
-    <p:spTree>
-      <p:nvGrpSpPr>
-        <p:cNvPr id="1" name="Shape 105"/>
-        <p:cNvGrpSpPr/>
-        <p:nvPr/>
-      </p:nvGrpSpPr>
-      <p:grpSpPr>
-        <a:xfrm>
-          <a:off x="0" y="0"/>
-          <a:ext cx="0" cy="0"/>
-          <a:chOff x="0" y="0"/>
-          <a:chExt cx="0" cy="0"/>
-        </a:xfrm>
-      </p:grpSpPr>
-      <p:sp>
-        <p:nvSpPr>
-          <p:cNvPr id="106" name="Google Shape;106;p19"/>
-          <p:cNvSpPr txBox="1">
-            <a:spLocks noGrp="1"/>
-          </p:cNvSpPr>
-          <p:nvPr>
-            <p:ph type="title"/>
-          </p:nvPr>
-        </p:nvSpPr>
-        <p:spPr/>
-        <p:txBody>
-          <a:bodyPr/>
-          <a:lstStyle/>
-          <a:p>
-            <a:pPr lvl="0"/>
-            <a:r>
-              <a:rPr lang="en-US"/>
-              <a:t>Discussion and Debate</a:t>
-            </a:r>
-          </a:p>
-        </p:txBody>
-      </p:sp>
-      <p:sp>
-        <p:nvSpPr>
-          <p:cNvPr id="107" name="Google Shape;107;p19"/>
-          <p:cNvSpPr txBox="1">
-            <a:spLocks noGrp="1"/>
-          </p:cNvSpPr>
-          <p:nvPr>
-            <p:ph idx="1"/>
-          </p:nvPr>
-        </p:nvSpPr>
-        <p:spPr/>
-        <p:txBody>
-          <a:bodyPr/>
-          <a:lstStyle/>
-          <a:p>
-            <a:pPr lvl="0"/>
-            <a:r>
-              <a:rPr lang="en-US" dirty="0"/>
-              <a:t>Which of these do you like best?</a:t>
-            </a:r>
-          </a:p>
-        </p:txBody>
-      </p:sp>
-      <p:sp>
-        <p:nvSpPr>
-          <p:cNvPr id="111" name="Google Shape;111;p19"/>
-          <p:cNvSpPr txBox="1"/>
-          <p:nvPr/>
-        </p:nvSpPr>
-        <p:spPr>
-          <a:xfrm>
-            <a:off x="6901275" y="3146025"/>
-            <a:ext cx="1877700" cy="615600"/>
-          </a:xfrm>
-          <a:prstGeom prst="rect">
-            <a:avLst/>
-          </a:prstGeom>
-          <a:noFill/>
-          <a:ln>
-            <a:noFill/>
-          </a:ln>
-        </p:spPr>
-        <p:txBody>
-          <a:bodyPr spcFirstLastPara="1" wrap="square" lIns="91425" tIns="91425" rIns="91425" bIns="91425" anchor="t" anchorCtr="0">
-            <a:spAutoFit/>
-          </a:bodyPr>
-          <a:lstStyle/>
-          <a:p>
-            <a:pPr marL="0" lvl="0" indent="0" algn="l" rtl="0">
-              <a:spcBef>
-                <a:spcPts val="0"/>
-              </a:spcBef>
-              <a:spcAft>
-                <a:spcPts val="0"/>
-              </a:spcAft>
-              <a:buNone/>
-            </a:pPr>
-            <a:r>
-              <a:rPr lang="en"/>
-              <a:t>Easy to come back and read it later.</a:t>
-            </a:r>
-            <a:endParaRPr/>
-          </a:p>
-        </p:txBody>
-      </p:sp>
-      <p:sp>
-        <p:nvSpPr>
-          <p:cNvPr id="112" name="Google Shape;112;p19"/>
-          <p:cNvSpPr txBox="1"/>
-          <p:nvPr/>
-        </p:nvSpPr>
-        <p:spPr>
-          <a:xfrm>
-            <a:off x="7018725" y="806575"/>
-            <a:ext cx="1877700" cy="400200"/>
-          </a:xfrm>
-          <a:prstGeom prst="rect">
-            <a:avLst/>
-          </a:prstGeom>
-          <a:noFill/>
-          <a:ln>
-            <a:noFill/>
-          </a:ln>
-        </p:spPr>
-        <p:txBody>
-          <a:bodyPr spcFirstLastPara="1" wrap="square" lIns="91425" tIns="91425" rIns="91425" bIns="91425" anchor="t" anchorCtr="0">
-            <a:spAutoFit/>
-          </a:bodyPr>
-          <a:lstStyle/>
-          <a:p>
-            <a:pPr marL="0" lvl="0" indent="0" algn="l" rtl="0">
-              <a:spcBef>
-                <a:spcPts val="0"/>
-              </a:spcBef>
-              <a:spcAft>
-                <a:spcPts val="0"/>
-              </a:spcAft>
-              <a:buNone/>
-            </a:pPr>
-            <a:r>
-              <a:rPr lang="en"/>
-              <a:t>Less to keep track of.</a:t>
-            </a:r>
-            <a:endParaRPr/>
-          </a:p>
-        </p:txBody>
-      </p:sp>
-      <p:sp>
-        <p:nvSpPr>
-          <p:cNvPr id="113" name="Google Shape;113;p19"/>
-          <p:cNvSpPr txBox="1"/>
-          <p:nvPr/>
-        </p:nvSpPr>
-        <p:spPr>
-          <a:xfrm>
-            <a:off x="166800" y="2852902"/>
-            <a:ext cx="1877700" cy="1046410"/>
-          </a:xfrm>
-          <a:prstGeom prst="rect">
-            <a:avLst/>
-          </a:prstGeom>
-          <a:noFill/>
-          <a:ln>
-            <a:noFill/>
-          </a:ln>
-        </p:spPr>
-        <p:txBody>
-          <a:bodyPr spcFirstLastPara="1" wrap="square" lIns="91425" tIns="91425" rIns="91425" bIns="91425" anchor="t" anchorCtr="0">
-            <a:spAutoFit/>
-          </a:bodyPr>
-          <a:lstStyle/>
-          <a:p>
-            <a:pPr marL="0" lvl="0" indent="0" algn="l" rtl="0">
-              <a:spcBef>
-                <a:spcPts val="0"/>
-              </a:spcBef>
-              <a:spcAft>
-                <a:spcPts val="0"/>
-              </a:spcAft>
-              <a:buNone/>
-            </a:pPr>
-            <a:r>
-              <a:rPr lang="en" dirty="0"/>
-              <a:t>Very small steps to reason about. Seems "natural", but lots of code</a:t>
-            </a:r>
-            <a:endParaRPr dirty="0"/>
-          </a:p>
-        </p:txBody>
-      </p:sp>
-      <p:sp>
-        <p:nvSpPr>
-          <p:cNvPr id="15" name="TextBox 14">
-            <a:extLst>
-              <a:ext uri="{FF2B5EF4-FFF2-40B4-BE49-F238E27FC236}">
-                <a16:creationId xmlns:a16="http://schemas.microsoft.com/office/drawing/2014/main" id="{36294FD1-953A-46D8-617A-F546009334F8}"/>
-              </a:ext>
-            </a:extLst>
-          </p:cNvPr>
-          <p:cNvSpPr txBox="1"/>
-          <p:nvPr/>
-        </p:nvSpPr>
-        <p:spPr>
-          <a:xfrm>
-            <a:off x="4615275" y="3538882"/>
-            <a:ext cx="4572000" cy="1384995"/>
-          </a:xfrm>
-          <a:prstGeom prst="rect">
-            <a:avLst/>
-          </a:prstGeom>
-          <a:noFill/>
-        </p:spPr>
-        <p:txBody>
-          <a:bodyPr wrap="square">
-            <a:spAutoFit/>
-          </a:bodyPr>
-          <a:lstStyle/>
-          <a:p>
-            <a:r>
-              <a:rPr lang="en-US" b="0" dirty="0">
-                <a:solidFill>
-                  <a:schemeClr val="tx1"/>
-                </a:solidFill>
-                <a:effectLst/>
-                <a:latin typeface="SourceCodePro-Light" panose="020B0509030403020204" pitchFamily="49" charset="77"/>
-              </a:rPr>
-              <a:t>def </a:t>
-            </a:r>
-            <a:r>
-              <a:rPr lang="en-US" b="0" dirty="0" err="1">
-                <a:solidFill>
-                  <a:schemeClr val="tx1"/>
-                </a:solidFill>
-                <a:effectLst/>
-                <a:latin typeface="SourceCodePro-Light" panose="020B0509030403020204" pitchFamily="49" charset="77"/>
-              </a:rPr>
-              <a:t>acronym_h</a:t>
-            </a:r>
-            <a:r>
-              <a:rPr lang="en-US" b="0" dirty="0">
-                <a:solidFill>
-                  <a:schemeClr val="tx1"/>
-                </a:solidFill>
-                <a:effectLst/>
-                <a:latin typeface="SourceCodePro-Light" panose="020B0509030403020204" pitchFamily="49" charset="77"/>
-              </a:rPr>
-              <a:t>(words):</a:t>
-            </a:r>
-          </a:p>
-          <a:p>
-            <a:r>
-              <a:rPr lang="en-US" b="0" dirty="0">
-                <a:solidFill>
-                  <a:schemeClr val="tx1"/>
-                </a:solidFill>
-                <a:effectLst/>
-                <a:latin typeface="SourceCodePro-Light" panose="020B0509030403020204" pitchFamily="49" charset="77"/>
-              </a:rPr>
-              <a:t>    words = </a:t>
-            </a:r>
-            <a:r>
-              <a:rPr lang="en-US" b="0" dirty="0" err="1">
-                <a:solidFill>
-                  <a:schemeClr val="tx1"/>
-                </a:solidFill>
-                <a:effectLst/>
-                <a:latin typeface="SourceCodePro-Light" panose="020B0509030403020204" pitchFamily="49" charset="77"/>
-              </a:rPr>
-              <a:t>words.split</a:t>
-            </a:r>
-            <a:r>
-              <a:rPr lang="en-US" b="0" dirty="0">
-                <a:solidFill>
-                  <a:schemeClr val="tx1"/>
-                </a:solidFill>
-                <a:effectLst/>
-                <a:latin typeface="SourceCodePro-Light" panose="020B0509030403020204" pitchFamily="49" charset="77"/>
-              </a:rPr>
-              <a:t>(' ')</a:t>
-            </a:r>
-          </a:p>
-          <a:p>
-            <a:r>
-              <a:rPr lang="en-US" b="0" dirty="0">
-                <a:solidFill>
-                  <a:schemeClr val="tx1"/>
-                </a:solidFill>
-                <a:effectLst/>
-                <a:latin typeface="SourceCodePro-Light" panose="020B0509030403020204" pitchFamily="49" charset="77"/>
-              </a:rPr>
-              <a:t>   long = filter(lambda w: </a:t>
-            </a:r>
-            <a:r>
-              <a:rPr lang="en-US" b="0" dirty="0" err="1">
-                <a:solidFill>
-                  <a:schemeClr val="tx1"/>
-                </a:solidFill>
-                <a:effectLst/>
-                <a:latin typeface="SourceCodePro-Light" panose="020B0509030403020204" pitchFamily="49" charset="77"/>
-              </a:rPr>
-              <a:t>len</a:t>
-            </a:r>
-            <a:r>
-              <a:rPr lang="en-US" b="0" dirty="0">
-                <a:solidFill>
-                  <a:schemeClr val="tx1"/>
-                </a:solidFill>
-                <a:effectLst/>
-                <a:latin typeface="SourceCodePro-Light" panose="020B0509030403020204" pitchFamily="49" charset="77"/>
-              </a:rPr>
-              <a:t>(w) &gt; 4, words)</a:t>
-            </a:r>
-          </a:p>
-          <a:p>
-            <a:r>
-              <a:rPr lang="en-US" b="0" dirty="0">
-                <a:solidFill>
-                  <a:schemeClr val="tx1"/>
-                </a:solidFill>
-                <a:effectLst/>
-                <a:latin typeface="SourceCodePro-Light" panose="020B0509030403020204" pitchFamily="49" charset="77"/>
-              </a:rPr>
-              <a:t>    letters = maps(lambda w: w[0], long)</a:t>
-            </a:r>
-          </a:p>
-          <a:p>
-            <a:r>
-              <a:rPr lang="en-US" b="0" dirty="0">
-                <a:solidFill>
-                  <a:schemeClr val="tx1"/>
-                </a:solidFill>
-                <a:effectLst/>
-                <a:latin typeface="SourceCodePro-Light" panose="020B0509030403020204" pitchFamily="49" charset="77"/>
-              </a:rPr>
-              <a:t>    return ''.join(letters)</a:t>
-            </a:r>
-          </a:p>
-        </p:txBody>
-      </p:sp>
-      <p:sp>
-        <p:nvSpPr>
-          <p:cNvPr id="16" name="TextBox 15">
-            <a:extLst>
-              <a:ext uri="{FF2B5EF4-FFF2-40B4-BE49-F238E27FC236}">
-                <a16:creationId xmlns:a16="http://schemas.microsoft.com/office/drawing/2014/main" id="{AC9CFC26-64A8-B808-1055-167E6FD24D89}"/>
-              </a:ext>
-            </a:extLst>
-          </p:cNvPr>
-          <p:cNvSpPr txBox="1"/>
-          <p:nvPr/>
-        </p:nvSpPr>
-        <p:spPr>
-          <a:xfrm>
-            <a:off x="4439831" y="999012"/>
-            <a:ext cx="4704169" cy="1169551"/>
-          </a:xfrm>
-          <a:prstGeom prst="rect">
-            <a:avLst/>
-          </a:prstGeom>
-          <a:noFill/>
-        </p:spPr>
-        <p:txBody>
-          <a:bodyPr wrap="square" rtlCol="0">
-            <a:spAutoFit/>
-          </a:bodyPr>
-          <a:lstStyle/>
-          <a:p>
-            <a:r>
-              <a:rPr lang="en-US" b="0" dirty="0">
-                <a:solidFill>
-                  <a:schemeClr val="tx1"/>
-                </a:solidFill>
-                <a:effectLst/>
-                <a:latin typeface="SourceCodePro-Light" panose="020B0509030403020204" pitchFamily="49" charset="77"/>
-              </a:rPr>
-              <a:t>def </a:t>
-            </a:r>
-            <a:r>
-              <a:rPr lang="en-US" b="0" dirty="0" err="1">
-                <a:solidFill>
-                  <a:schemeClr val="tx1"/>
-                </a:solidFill>
-                <a:effectLst/>
-                <a:latin typeface="SourceCodePro-Light" panose="020B0509030403020204" pitchFamily="49" charset="77"/>
-              </a:rPr>
-              <a:t>acronym_f</a:t>
-            </a:r>
-            <a:r>
-              <a:rPr lang="en-US" b="0" dirty="0">
-                <a:solidFill>
-                  <a:schemeClr val="tx1"/>
-                </a:solidFill>
-                <a:effectLst/>
-                <a:latin typeface="SourceCodePro-Light" panose="020B0509030403020204" pitchFamily="49" charset="77"/>
-              </a:rPr>
-              <a:t>(words):</a:t>
-            </a:r>
-          </a:p>
-          <a:p>
-            <a:r>
-              <a:rPr lang="en-US" b="0" dirty="0">
-                <a:solidFill>
-                  <a:schemeClr val="tx1"/>
-                </a:solidFill>
-                <a:effectLst/>
-                <a:latin typeface="SourceCodePro-Light" panose="020B0509030403020204" pitchFamily="49" charset="77"/>
-              </a:rPr>
-              <a:t>   return reduce(add,</a:t>
-            </a:r>
-          </a:p>
-          <a:p>
-            <a:r>
-              <a:rPr lang="en-US" b="0" dirty="0">
-                <a:solidFill>
-                  <a:schemeClr val="tx1"/>
-                </a:solidFill>
-                <a:effectLst/>
-                <a:latin typeface="SourceCodePro-Light" panose="020B0509030403020204" pitchFamily="49" charset="77"/>
-              </a:rPr>
-              <a:t>           map(lambda w: w[0],</a:t>
-            </a:r>
-          </a:p>
-          <a:p>
-            <a:r>
-              <a:rPr lang="en-US" b="0" dirty="0">
-                <a:solidFill>
-                  <a:schemeClr val="tx1"/>
-                </a:solidFill>
-                <a:effectLst/>
-                <a:latin typeface="SourceCodePro-Light" panose="020B0509030403020204" pitchFamily="49" charset="77"/>
-              </a:rPr>
-              <a:t>           filter(lambda w: </a:t>
-            </a:r>
-            <a:r>
-              <a:rPr lang="en-US" b="0" dirty="0" err="1">
-                <a:solidFill>
-                  <a:schemeClr val="tx1"/>
-                </a:solidFill>
-                <a:effectLst/>
-                <a:latin typeface="SourceCodePro-Light" panose="020B0509030403020204" pitchFamily="49" charset="77"/>
-              </a:rPr>
-              <a:t>len</a:t>
-            </a:r>
-            <a:r>
-              <a:rPr lang="en-US" b="0" dirty="0">
-                <a:solidFill>
-                  <a:schemeClr val="tx1"/>
-                </a:solidFill>
-                <a:effectLst/>
-                <a:latin typeface="SourceCodePro-Light" panose="020B0509030403020204" pitchFamily="49" charset="77"/>
-              </a:rPr>
-              <a:t>(w) &gt; 3,</a:t>
-            </a:r>
-          </a:p>
-          <a:p>
-            <a:r>
-              <a:rPr lang="en-US" b="0" dirty="0">
-                <a:solidFill>
-                  <a:schemeClr val="tx1"/>
-                </a:solidFill>
-                <a:effectLst/>
-                <a:latin typeface="SourceCodePro-Light" panose="020B0509030403020204" pitchFamily="49" charset="77"/>
-              </a:rPr>
-              <a:t>                       </a:t>
-            </a:r>
-            <a:r>
-              <a:rPr lang="en-US" b="0" dirty="0" err="1">
-                <a:solidFill>
-                  <a:schemeClr val="tx1"/>
-                </a:solidFill>
-                <a:effectLst/>
-                <a:latin typeface="SourceCodePro-Light" panose="020B0509030403020204" pitchFamily="49" charset="77"/>
-              </a:rPr>
-              <a:t>words.split</a:t>
-            </a:r>
-            <a:r>
-              <a:rPr lang="en-US" b="0" dirty="0">
-                <a:solidFill>
-                  <a:schemeClr val="tx1"/>
-                </a:solidFill>
-                <a:effectLst/>
-                <a:latin typeface="SourceCodePro-Light" panose="020B0509030403020204" pitchFamily="49" charset="77"/>
-              </a:rPr>
-              <a:t>(' '))))</a:t>
-            </a:r>
-          </a:p>
-        </p:txBody>
-      </p:sp>
-      <p:sp>
-        <p:nvSpPr>
-          <p:cNvPr id="17" name="TextBox 16">
-            <a:extLst>
-              <a:ext uri="{FF2B5EF4-FFF2-40B4-BE49-F238E27FC236}">
-                <a16:creationId xmlns:a16="http://schemas.microsoft.com/office/drawing/2014/main" id="{CD78A436-7BA5-9AD4-7E31-881B1E0BDDD3}"/>
-              </a:ext>
-            </a:extLst>
-          </p:cNvPr>
-          <p:cNvSpPr txBox="1"/>
-          <p:nvPr/>
-        </p:nvSpPr>
-        <p:spPr>
-          <a:xfrm>
-            <a:off x="280293" y="1368344"/>
-            <a:ext cx="3716213" cy="1600438"/>
-          </a:xfrm>
-          <a:prstGeom prst="rect">
-            <a:avLst/>
-          </a:prstGeom>
-          <a:noFill/>
-        </p:spPr>
-        <p:txBody>
-          <a:bodyPr wrap="square">
-            <a:spAutoFit/>
-          </a:bodyPr>
-          <a:lstStyle/>
-          <a:p>
-            <a:r>
-              <a:rPr lang="en-US" b="0" dirty="0">
-                <a:solidFill>
-                  <a:schemeClr val="tx1"/>
-                </a:solidFill>
-                <a:effectLst/>
-                <a:latin typeface="SourceCodePro-Light" panose="020B0509030403020204" pitchFamily="49" charset="77"/>
-              </a:rPr>
-              <a:t>def </a:t>
-            </a:r>
-            <a:r>
-              <a:rPr lang="en-US" b="0" dirty="0" err="1">
-                <a:solidFill>
-                  <a:schemeClr val="tx1"/>
-                </a:solidFill>
-                <a:effectLst/>
-                <a:latin typeface="SourceCodePro-Light" panose="020B0509030403020204" pitchFamily="49" charset="77"/>
-              </a:rPr>
-              <a:t>acronym_i</a:t>
-            </a:r>
-            <a:r>
-              <a:rPr lang="en-US" b="0" dirty="0">
-                <a:solidFill>
-                  <a:schemeClr val="tx1"/>
-                </a:solidFill>
-                <a:effectLst/>
-                <a:latin typeface="SourceCodePro-Light" panose="020B0509030403020204" pitchFamily="49" charset="77"/>
-              </a:rPr>
-              <a:t>(words):</a:t>
-            </a:r>
-          </a:p>
-          <a:p>
-            <a:r>
-              <a:rPr lang="en-US" b="0" dirty="0">
-                <a:solidFill>
-                  <a:schemeClr val="tx1"/>
-                </a:solidFill>
-                <a:effectLst/>
-                <a:latin typeface="SourceCodePro-Light" panose="020B0509030403020204" pitchFamily="49" charset="77"/>
-              </a:rPr>
-              <a:t>    result = ''</a:t>
-            </a:r>
-          </a:p>
-          <a:p>
-            <a:r>
-              <a:rPr lang="en-US" b="0" dirty="0">
-                <a:solidFill>
-                  <a:schemeClr val="tx1"/>
-                </a:solidFill>
-                <a:effectLst/>
-                <a:latin typeface="SourceCodePro-Light" panose="020B0509030403020204" pitchFamily="49" charset="77"/>
-              </a:rPr>
-              <a:t>    words = </a:t>
-            </a:r>
-            <a:r>
-              <a:rPr lang="en-US" b="0" dirty="0" err="1">
-                <a:solidFill>
-                  <a:schemeClr val="tx1"/>
-                </a:solidFill>
-                <a:effectLst/>
-                <a:latin typeface="SourceCodePro-Light" panose="020B0509030403020204" pitchFamily="49" charset="77"/>
-              </a:rPr>
-              <a:t>words.split</a:t>
-            </a:r>
-            <a:r>
-              <a:rPr lang="en-US" b="0" dirty="0">
-                <a:solidFill>
-                  <a:schemeClr val="tx1"/>
-                </a:solidFill>
-                <a:effectLst/>
-                <a:latin typeface="SourceCodePro-Light" panose="020B0509030403020204" pitchFamily="49" charset="77"/>
-              </a:rPr>
-              <a:t>(' ')</a:t>
-            </a:r>
-          </a:p>
-          <a:p>
-            <a:r>
-              <a:rPr lang="en-US" b="0" dirty="0">
-                <a:solidFill>
-                  <a:schemeClr val="tx1"/>
-                </a:solidFill>
-                <a:effectLst/>
-                <a:latin typeface="SourceCodePro-Light" panose="020B0509030403020204" pitchFamily="49" charset="77"/>
-              </a:rPr>
-              <a:t>    for word in words:</a:t>
-            </a:r>
-          </a:p>
-          <a:p>
-            <a:r>
-              <a:rPr lang="en-US" b="0" dirty="0">
-                <a:solidFill>
-                  <a:schemeClr val="tx1"/>
-                </a:solidFill>
-                <a:effectLst/>
-                <a:latin typeface="SourceCodePro-Light" panose="020B0509030403020204" pitchFamily="49" charset="77"/>
-              </a:rPr>
-              <a:t>        if </a:t>
-            </a:r>
-            <a:r>
-              <a:rPr lang="en-US" b="0" dirty="0" err="1">
-                <a:solidFill>
-                  <a:schemeClr val="tx1"/>
-                </a:solidFill>
-                <a:effectLst/>
-                <a:latin typeface="SourceCodePro-Light" panose="020B0509030403020204" pitchFamily="49" charset="77"/>
-              </a:rPr>
-              <a:t>len</a:t>
-            </a:r>
-            <a:r>
-              <a:rPr lang="en-US" b="0" dirty="0">
-                <a:solidFill>
-                  <a:schemeClr val="tx1"/>
-                </a:solidFill>
-                <a:effectLst/>
-                <a:latin typeface="SourceCodePro-Light" panose="020B0509030403020204" pitchFamily="49" charset="77"/>
-              </a:rPr>
-              <a:t>(word) &gt; 4:</a:t>
-            </a:r>
-          </a:p>
-          <a:p>
-            <a:r>
-              <a:rPr lang="en-US" b="0" dirty="0">
-                <a:solidFill>
-                  <a:schemeClr val="tx1"/>
-                </a:solidFill>
-                <a:effectLst/>
-                <a:latin typeface="SourceCodePro-Light" panose="020B0509030403020204" pitchFamily="49" charset="77"/>
-              </a:rPr>
-              <a:t>             result += word[0]</a:t>
-            </a:r>
-          </a:p>
-          <a:p>
-            <a:r>
-              <a:rPr lang="en-US" b="0" dirty="0">
-                <a:solidFill>
-                  <a:schemeClr val="tx1"/>
-                </a:solidFill>
-                <a:effectLst/>
-                <a:latin typeface="SourceCodePro-Light" panose="020B0509030403020204" pitchFamily="49" charset="77"/>
-              </a:rPr>
-              <a:t>    return result</a:t>
-            </a:r>
-          </a:p>
-        </p:txBody>
-      </p:sp>
-    </p:spTree>
-  </p:cSld>
-  <p:clrMapOvr>
-    <a:masterClrMapping/>
-  </p:clrMapOvr>
-</p:sld>
-</file>
-
-<file path=ppt/slides/slide12.xml><?xml version="1.0" encoding="utf-8"?>
-<p:sld xmlns:a="http://schemas.openxmlformats.org/drawingml/2006/main" xmlns:r="http://schemas.openxmlformats.org/officeDocument/2006/relationships" xmlns:p="http://schemas.openxmlformats.org/presentationml/2006/main">
-  <p:cSld>
-    <p:spTree>
-      <p:nvGrpSpPr>
-        <p:cNvPr id="1" name=""/>
-        <p:cNvGrpSpPr/>
-        <p:nvPr/>
-      </p:nvGrpSpPr>
-      <p:grpSpPr>
-        <a:xfrm>
-          <a:off x="0" y="0"/>
-          <a:ext cx="0" cy="0"/>
-          <a:chOff x="0" y="0"/>
-          <a:chExt cx="0" cy="0"/>
-        </a:xfrm>
-      </p:grpSpPr>
-      <p:sp>
-        <p:nvSpPr>
-          <p:cNvPr id="2" name="Title 1">
-            <a:extLst>
-              <a:ext uri="{FF2B5EF4-FFF2-40B4-BE49-F238E27FC236}">
-                <a16:creationId xmlns:a16="http://schemas.microsoft.com/office/drawing/2014/main" id="{CB7663FA-4D4B-F98D-499F-7D7D5911ECF9}"/>
-              </a:ext>
-            </a:extLst>
-          </p:cNvPr>
-          <p:cNvSpPr>
-            <a:spLocks noGrp="1"/>
-          </p:cNvSpPr>
-          <p:nvPr>
-            <p:ph type="title"/>
-          </p:nvPr>
-        </p:nvSpPr>
-        <p:spPr/>
-        <p:txBody>
-          <a:bodyPr/>
-          <a:lstStyle/>
-          <a:p>
-            <a:r>
-              <a:rPr lang="en-US" dirty="0"/>
-              <a:t>Array-Based Programming!</a:t>
-            </a:r>
-          </a:p>
-        </p:txBody>
-      </p:sp>
-      <p:sp>
-        <p:nvSpPr>
-          <p:cNvPr id="3" name="Content Placeholder 2">
-            <a:extLst>
-              <a:ext uri="{FF2B5EF4-FFF2-40B4-BE49-F238E27FC236}">
-                <a16:creationId xmlns:a16="http://schemas.microsoft.com/office/drawing/2014/main" id="{DE4FAF5A-F986-D4DF-F582-C6F677334573}"/>
-              </a:ext>
-            </a:extLst>
-          </p:cNvPr>
-          <p:cNvSpPr>
-            <a:spLocks noGrp="1"/>
-          </p:cNvSpPr>
-          <p:nvPr>
-            <p:ph idx="1"/>
-          </p:nvPr>
-        </p:nvSpPr>
-        <p:spPr/>
-        <p:txBody>
-          <a:bodyPr/>
-          <a:lstStyle/>
-          <a:p>
-            <a:r>
-              <a:rPr lang="en-US" dirty="0"/>
-              <a:t> Unfortunately not something we can easily demo in Python.</a:t>
-            </a:r>
-          </a:p>
-          <a:p>
-            <a:r>
-              <a:rPr lang="en-US" dirty="0"/>
-              <a:t> Treats arrays a "first class" objects – not just containers:</a:t>
-            </a:r>
-          </a:p>
-          <a:p>
-            <a:pPr lvl="1"/>
-            <a:r>
-              <a:rPr lang="en-US" dirty="0"/>
-              <a:t> Mathematical Operations correspond to "Pairwise" computations: (These are not Python!)</a:t>
-            </a:r>
-          </a:p>
-          <a:p>
-            <a:pPr marL="289322" lvl="2" indent="0">
-              <a:buNone/>
-            </a:pPr>
-            <a:r>
-              <a:rPr lang="en-US" dirty="0"/>
-              <a:t> </a:t>
-            </a:r>
-            <a:r>
-              <a:rPr lang="en-US" dirty="0">
-                <a:latin typeface="Source Code Pro" panose="020B0509030403020204" pitchFamily="49" charset="77"/>
-              </a:rPr>
-              <a:t>[1, 2, 3] * [1, 2, 3] == [1, 4, 9]</a:t>
-            </a:r>
-          </a:p>
-          <a:p>
-            <a:pPr marL="144661" lvl="1" indent="0">
-              <a:buNone/>
-            </a:pPr>
-            <a:r>
-              <a:rPr lang="en-US" dirty="0">
-                <a:latin typeface="Source Code Pro" panose="020B0509030403020204" pitchFamily="49" charset="77"/>
-              </a:rPr>
-              <a:t> [1, 2, 3] + [1, 2, 3] == [2, 4, 6]</a:t>
-            </a:r>
-          </a:p>
-          <a:p>
-            <a:r>
-              <a:rPr lang="en-US" dirty="0">
-                <a:latin typeface="Source Code Pro" panose="020B0509030403020204" pitchFamily="49" charset="77"/>
-              </a:rPr>
-              <a:t> </a:t>
-            </a:r>
-            <a:r>
-              <a:rPr lang="en-US" dirty="0">
-                <a:latin typeface="Open Sans" panose="020B0606030504020204" pitchFamily="34" charset="0"/>
-              </a:rPr>
-              <a:t>Very common in data science, engineering!</a:t>
-            </a:r>
-          </a:p>
-          <a:p>
-            <a:pPr lvl="1"/>
-            <a:r>
-              <a:rPr lang="en-US" dirty="0">
-                <a:latin typeface="Open Sans" panose="020B0606030504020204" pitchFamily="34" charset="0"/>
-              </a:rPr>
-              <a:t> R (STAT 134), MATALAB, Julia, APL</a:t>
-            </a:r>
-          </a:p>
-        </p:txBody>
-      </p:sp>
-    </p:spTree>
-    <p:extLst>
-      <p:ext uri="{BB962C8B-B14F-4D97-AF65-F5344CB8AC3E}">
-        <p14:creationId xmlns:p14="http://schemas.microsoft.com/office/powerpoint/2010/main" val="2548640809"/>
-      </p:ext>
-    </p:extLst>
-  </p:cSld>
-  <p:clrMapOvr>
-    <a:masterClrMapping/>
-  </p:clrMapOvr>
-</p:sld>
-</file>
-
-<file path=ppt/slides/slide13.xml><?xml version="1.0" encoding="utf-8"?>
-<p:sld xmlns:a="http://schemas.openxmlformats.org/drawingml/2006/main" xmlns:r="http://schemas.openxmlformats.org/officeDocument/2006/relationships" xmlns:p="http://schemas.openxmlformats.org/presentationml/2006/main">
-  <p:cSld>
-    <p:spTree>
-      <p:nvGrpSpPr>
-        <p:cNvPr id="1" name="Shape 123"/>
-        <p:cNvGrpSpPr/>
-        <p:nvPr/>
-      </p:nvGrpSpPr>
-      <p:grpSpPr>
-        <a:xfrm>
-          <a:off x="0" y="0"/>
-          <a:ext cx="0" cy="0"/>
-          <a:chOff x="0" y="0"/>
-          <a:chExt cx="0" cy="0"/>
-        </a:xfrm>
-      </p:grpSpPr>
-      <p:sp>
-        <p:nvSpPr>
-          <p:cNvPr id="124" name="Google Shape;124;p21"/>
-          <p:cNvSpPr txBox="1">
-            <a:spLocks noGrp="1"/>
-          </p:cNvSpPr>
-          <p:nvPr>
-            <p:ph type="title"/>
-          </p:nvPr>
-        </p:nvSpPr>
-        <p:spPr/>
-        <p:txBody>
-          <a:bodyPr/>
-          <a:lstStyle/>
-          <a:p>
-            <a:pPr lvl="0"/>
-            <a:r>
-              <a:rPr lang="en-US"/>
-              <a:t>The Object Based Programming Paradigm</a:t>
-            </a:r>
-          </a:p>
-        </p:txBody>
-      </p:sp>
-      <p:sp>
-        <p:nvSpPr>
-          <p:cNvPr id="125" name="Google Shape;125;p21"/>
-          <p:cNvSpPr txBox="1">
-            <a:spLocks noGrp="1"/>
-          </p:cNvSpPr>
-          <p:nvPr>
-            <p:ph idx="1"/>
-          </p:nvPr>
-        </p:nvSpPr>
-        <p:spPr/>
-        <p:txBody>
-          <a:bodyPr/>
-          <a:lstStyle/>
-          <a:p>
-            <a:pPr lvl="0"/>
-            <a:r>
-              <a:rPr lang="en-US" dirty="0"/>
-              <a:t>In object programming, we organize our thinking around objects, each containing its own data, and each with its own procedures that can be invoked.</a:t>
-            </a:r>
-          </a:p>
-          <a:p>
-            <a:pPr lvl="0"/>
-            <a:endParaRPr lang="en-US" dirty="0"/>
-          </a:p>
-          <a:p>
-            <a:pPr lvl="0"/>
-            <a:r>
-              <a:rPr lang="en-US" dirty="0"/>
-              <a:t> We've had plenty of practice here!</a:t>
-            </a:r>
-          </a:p>
-          <a:p>
-            <a:pPr lvl="0"/>
-            <a:r>
-              <a:rPr lang="en-US" dirty="0"/>
-              <a:t> OOP provides many tools!</a:t>
-            </a:r>
-          </a:p>
-          <a:p>
-            <a:pPr lvl="0"/>
-            <a:r>
-              <a:rPr lang="en-US" dirty="0"/>
-              <a:t> But also leaves many import questions open:</a:t>
-            </a:r>
-          </a:p>
-          <a:p>
-            <a:pPr lvl="1"/>
-            <a:r>
-              <a:rPr lang="en-US" dirty="0"/>
-              <a:t> Should functions be </a:t>
-            </a:r>
-            <a:r>
-              <a:rPr lang="en-US" dirty="0" err="1"/>
-              <a:t>mutalbe</a:t>
-            </a:r>
-            <a:r>
-              <a:rPr lang="en-US" dirty="0"/>
-              <a:t> or immutable?</a:t>
-            </a:r>
-          </a:p>
-          <a:p>
-            <a:pPr lvl="0"/>
-            <a:endParaRPr lang="en-US" dirty="0"/>
-          </a:p>
-          <a:p>
-            <a:pPr lvl="0"/>
-            <a:endParaRPr lang="en-US" dirty="0"/>
-          </a:p>
-        </p:txBody>
-      </p:sp>
-    </p:spTree>
-  </p:cSld>
-  <p:clrMapOvr>
-    <a:masterClrMapping/>
-  </p:clrMapOvr>
-</p:sld>
-</file>
-
-<file path=ppt/slides/slide14.xml><?xml version="1.0" encoding="utf-8"?>
-<p:sld xmlns:a="http://schemas.openxmlformats.org/drawingml/2006/main" xmlns:r="http://schemas.openxmlformats.org/officeDocument/2006/relationships" xmlns:p="http://schemas.openxmlformats.org/presentationml/2006/main">
-  <p:cSld>
-    <p:spTree>
-      <p:nvGrpSpPr>
-        <p:cNvPr id="1" name="Shape 133"/>
-        <p:cNvGrpSpPr/>
-        <p:nvPr/>
-      </p:nvGrpSpPr>
-      <p:grpSpPr>
-        <a:xfrm>
-          <a:off x="0" y="0"/>
-          <a:ext cx="0" cy="0"/>
-          <a:chOff x="0" y="0"/>
-          <a:chExt cx="0" cy="0"/>
-        </a:xfrm>
-      </p:grpSpPr>
-      <p:sp>
-        <p:nvSpPr>
-          <p:cNvPr id="134" name="Google Shape;134;p22"/>
-          <p:cNvSpPr txBox="1">
-            <a:spLocks noGrp="1"/>
-          </p:cNvSpPr>
-          <p:nvPr>
-            <p:ph type="title"/>
-          </p:nvPr>
-        </p:nvSpPr>
-        <p:spPr/>
-        <p:txBody>
-          <a:bodyPr/>
-          <a:lstStyle/>
-          <a:p>
-            <a:pPr lvl="0"/>
-            <a:r>
-              <a:rPr lang="en-US" dirty="0"/>
-              <a:t>Object Based Programming</a:t>
-            </a:r>
-          </a:p>
-        </p:txBody>
-      </p:sp>
-      <p:sp>
-        <p:nvSpPr>
-          <p:cNvPr id="135" name="Google Shape;135;p22"/>
-          <p:cNvSpPr txBox="1">
-            <a:spLocks noGrp="1"/>
-          </p:cNvSpPr>
-          <p:nvPr>
-            <p:ph idx="1"/>
-          </p:nvPr>
-        </p:nvSpPr>
-        <p:spPr/>
-        <p:txBody>
-          <a:bodyPr/>
-          <a:lstStyle/>
-          <a:p>
-            <a:pPr lvl="0"/>
-            <a:r>
-              <a:rPr lang="en-US" dirty="0"/>
-              <a:t> There is a LOT more than what we see in CS88</a:t>
-            </a:r>
-          </a:p>
-          <a:p>
-            <a:pPr lvl="1"/>
-            <a:r>
-              <a:rPr lang="en-US" dirty="0"/>
-              <a:t> Rich model for composing classes together</a:t>
-            </a:r>
-          </a:p>
-          <a:p>
-            <a:pPr lvl="1"/>
-            <a:r>
-              <a:rPr lang="en-US" dirty="0"/>
-              <a:t> Can </a:t>
-            </a:r>
-            <a:r>
-              <a:rPr lang="en-US" i="1" dirty="0"/>
-              <a:t>easily</a:t>
-            </a:r>
-            <a:r>
-              <a:rPr lang="en-US" dirty="0"/>
-              <a:t> be overused. </a:t>
-            </a:r>
-          </a:p>
-          <a:p>
-            <a:pPr lvl="0"/>
-            <a:r>
-              <a:rPr lang="en-US" dirty="0"/>
-              <a:t> In Python "everything is an object"</a:t>
-            </a:r>
-          </a:p>
-          <a:p>
-            <a:pPr lvl="1"/>
-            <a:r>
-              <a:rPr lang="en-US" dirty="0"/>
-              <a:t> Global functions like </a:t>
-            </a:r>
-            <a:r>
-              <a:rPr lang="en-US" dirty="0" err="1"/>
-              <a:t>len</a:t>
-            </a:r>
-            <a:r>
-              <a:rPr lang="en-US" dirty="0"/>
-              <a:t>() correspond to "magic" methods on objects, e.g.</a:t>
-            </a:r>
-            <a:r>
-              <a:rPr lang="en-US" dirty="0">
-                <a:latin typeface="Source Code Pro" panose="020B0509030403020204" pitchFamily="49" charset="77"/>
-              </a:rPr>
-              <a:t> __</a:t>
-            </a:r>
-            <a:r>
-              <a:rPr lang="en-US" dirty="0" err="1">
-                <a:latin typeface="Source Code Pro" panose="020B0509030403020204" pitchFamily="49" charset="77"/>
-              </a:rPr>
-              <a:t>len</a:t>
-            </a:r>
-            <a:r>
-              <a:rPr lang="en-US" dirty="0">
-                <a:latin typeface="Source Code Pro" panose="020B0509030403020204" pitchFamily="49" charset="77"/>
-              </a:rPr>
-              <a:t>__</a:t>
-            </a:r>
-          </a:p>
-          <a:p>
-            <a:pPr marL="0" indent="0">
-              <a:buNone/>
-            </a:pPr>
-            <a:endParaRPr lang="en-US" dirty="0">
-              <a:latin typeface="Source Code Pro" panose="020B0509030403020204" pitchFamily="49" charset="77"/>
-            </a:endParaRPr>
-          </a:p>
-        </p:txBody>
-      </p:sp>
-    </p:spTree>
-  </p:cSld>
-  <p:clrMapOvr>
-    <a:masterClrMapping/>
-  </p:clrMapOvr>
-</p:sld>
-</file>
-
-<file path=ppt/slides/slide15.xml><?xml version="1.0" encoding="utf-8"?>
-<p:sld xmlns:a="http://schemas.openxmlformats.org/drawingml/2006/main" xmlns:r="http://schemas.openxmlformats.org/officeDocument/2006/relationships" xmlns:p="http://schemas.openxmlformats.org/presentationml/2006/main">
-  <p:cSld>
-    <p:spTree>
-      <p:nvGrpSpPr>
-        <p:cNvPr id="1" name="Shape 139"/>
-        <p:cNvGrpSpPr/>
-        <p:nvPr/>
-      </p:nvGrpSpPr>
-      <p:grpSpPr>
-        <a:xfrm>
-          <a:off x="0" y="0"/>
-          <a:ext cx="0" cy="0"/>
-          <a:chOff x="0" y="0"/>
-          <a:chExt cx="0" cy="0"/>
-        </a:xfrm>
-      </p:grpSpPr>
-      <p:sp>
-        <p:nvSpPr>
-          <p:cNvPr id="140" name="Google Shape;140;p23"/>
-          <p:cNvSpPr txBox="1">
-            <a:spLocks noGrp="1"/>
-          </p:cNvSpPr>
-          <p:nvPr>
-            <p:ph type="title"/>
-          </p:nvPr>
-        </p:nvSpPr>
-        <p:spPr/>
-        <p:txBody>
-          <a:bodyPr/>
-          <a:lstStyle/>
-          <a:p>
-            <a:pPr lvl="0"/>
-            <a:r>
-              <a:rPr lang="en-US"/>
-              <a:t>Declarative Programming</a:t>
-            </a:r>
-          </a:p>
-        </p:txBody>
-      </p:sp>
-      <p:sp>
-        <p:nvSpPr>
-          <p:cNvPr id="141" name="Google Shape;141;p23"/>
-          <p:cNvSpPr txBox="1">
-            <a:spLocks noGrp="1"/>
-          </p:cNvSpPr>
-          <p:nvPr>
-            <p:ph idx="1"/>
-          </p:nvPr>
-        </p:nvSpPr>
-        <p:spPr/>
-        <p:txBody>
-          <a:bodyPr/>
-          <a:lstStyle/>
-          <a:p>
-            <a:pPr lvl="0"/>
-            <a:r>
-              <a:rPr lang="en-US" dirty="0"/>
-              <a:t> In declarative programming, we express what we want, without specifying how. A program is simply a description of the result we want.</a:t>
-            </a:r>
-          </a:p>
-        </p:txBody>
-      </p:sp>
-    </p:spTree>
-  </p:cSld>
-  <p:clrMapOvr>
-    <a:masterClrMapping/>
-  </p:clrMapOvr>
-</p:sld>
-</file>
-
-<file path=ppt/slides/slide16.xml><?xml version="1.0" encoding="utf-8"?>
-<p:sld xmlns:a="http://schemas.openxmlformats.org/drawingml/2006/main" xmlns:r="http://schemas.openxmlformats.org/officeDocument/2006/relationships" xmlns:p="http://schemas.openxmlformats.org/presentationml/2006/main">
-  <p:cSld>
-    <p:spTree>
-      <p:nvGrpSpPr>
-        <p:cNvPr id="1" name="Shape 145"/>
-        <p:cNvGrpSpPr/>
-        <p:nvPr/>
-      </p:nvGrpSpPr>
-      <p:grpSpPr>
-        <a:xfrm>
-          <a:off x="0" y="0"/>
-          <a:ext cx="0" cy="0"/>
-          <a:chOff x="0" y="0"/>
-          <a:chExt cx="0" cy="0"/>
-        </a:xfrm>
-      </p:grpSpPr>
-      <p:sp>
-        <p:nvSpPr>
-          <p:cNvPr id="146" name="Google Shape;146;p24"/>
-          <p:cNvSpPr txBox="1">
-            <a:spLocks noGrp="1"/>
-          </p:cNvSpPr>
-          <p:nvPr>
-            <p:ph type="title"/>
-          </p:nvPr>
-        </p:nvSpPr>
-        <p:spPr/>
-        <p:txBody>
-          <a:bodyPr/>
-          <a:lstStyle/>
-          <a:p>
-            <a:pPr lvl="0"/>
-            <a:r>
-              <a:rPr lang="en-US"/>
-              <a:t>Declarative Programming</a:t>
-            </a:r>
-          </a:p>
-        </p:txBody>
-      </p:sp>
-      <p:sp>
-        <p:nvSpPr>
-          <p:cNvPr id="147" name="Google Shape;147;p24"/>
-          <p:cNvSpPr txBox="1">
-            <a:spLocks noGrp="1"/>
-          </p:cNvSpPr>
-          <p:nvPr>
-            <p:ph idx="1"/>
-          </p:nvPr>
-        </p:nvSpPr>
-        <p:spPr/>
-        <p:txBody>
-          <a:bodyPr/>
-          <a:lstStyle/>
-          <a:p>
-            <a:pPr lvl="0"/>
-            <a:r>
-              <a:rPr lang="en-US"/>
-              <a:t>In declarative programming, we express what we want, without specifying how. A program is simply a description of the result we want.</a:t>
-            </a:r>
-          </a:p>
-          <a:p>
-            <a:pPr lvl="0"/>
-            <a:endParaRPr lang="en-US"/>
-          </a:p>
-          <a:p>
-            <a:pPr lvl="0"/>
-            <a:r>
-              <a:rPr lang="en-US"/>
-              <a:t>Example: </a:t>
-            </a:r>
-            <a:r>
-              <a:rPr lang="en-US">
-                <a:hlinkClick r:id="rId3"/>
-              </a:rPr>
-              <a:t>coloring a map of Germany using the Prolog language</a:t>
-            </a:r>
-            <a:r>
-              <a:rPr lang="en-US"/>
-              <a:t>:</a:t>
-            </a:r>
-            <a:br>
-              <a:rPr lang="en-US"/>
-            </a:br>
-            <a:endParaRPr lang="en-US"/>
-          </a:p>
-        </p:txBody>
-      </p:sp>
-      <p:pic>
-        <p:nvPicPr>
-          <p:cNvPr id="148" name="Google Shape;148;p24"/>
-          <p:cNvPicPr preferRelativeResize="0"/>
-          <p:nvPr/>
-        </p:nvPicPr>
-        <p:blipFill>
-          <a:blip r:embed="rId4">
-            <a:alphaModFix/>
-          </a:blip>
-          <a:stretch>
-            <a:fillRect/>
-          </a:stretch>
-        </p:blipFill>
-        <p:spPr>
-          <a:xfrm>
-            <a:off x="1540950" y="2260550"/>
-            <a:ext cx="5664725" cy="2745025"/>
-          </a:xfrm>
-          <a:prstGeom prst="rect">
-            <a:avLst/>
-          </a:prstGeom>
-          <a:noFill/>
-          <a:ln>
-            <a:noFill/>
-          </a:ln>
-        </p:spPr>
-      </p:pic>
-    </p:spTree>
-  </p:cSld>
-  <p:clrMapOvr>
-    <a:masterClrMapping/>
-  </p:clrMapOvr>
-</p:sld>
-</file>
-
-<file path=ppt/slides/slide17.xml><?xml version="1.0" encoding="utf-8"?>
-<p:sld xmlns:a="http://schemas.openxmlformats.org/drawingml/2006/main" xmlns:r="http://schemas.openxmlformats.org/officeDocument/2006/relationships" xmlns:p="http://schemas.openxmlformats.org/presentationml/2006/main">
-  <p:cSld>
-    <p:spTree>
-      <p:nvGrpSpPr>
-        <p:cNvPr id="1" name="Shape 152"/>
-        <p:cNvGrpSpPr/>
-        <p:nvPr/>
-      </p:nvGrpSpPr>
-      <p:grpSpPr>
-        <a:xfrm>
-          <a:off x="0" y="0"/>
-          <a:ext cx="0" cy="0"/>
-          <a:chOff x="0" y="0"/>
-          <a:chExt cx="0" cy="0"/>
-        </a:xfrm>
-      </p:grpSpPr>
-      <p:sp>
-        <p:nvSpPr>
-          <p:cNvPr id="153" name="Google Shape;153;p25"/>
-          <p:cNvSpPr txBox="1">
-            <a:spLocks noGrp="1"/>
-          </p:cNvSpPr>
-          <p:nvPr>
-            <p:ph type="title"/>
-          </p:nvPr>
-        </p:nvSpPr>
-        <p:spPr/>
-        <p:txBody>
-          <a:bodyPr/>
-          <a:lstStyle/>
-          <a:p>
-            <a:pPr lvl="0"/>
-            <a:r>
-              <a:rPr lang="en-US"/>
-              <a:t>Prolog Example (From </a:t>
-            </a:r>
-            <a:r>
-              <a:rPr lang="en-US">
-                <a:hlinkClick r:id="rId3"/>
-              </a:rPr>
-              <a:t>Bernardo Pires</a:t>
-            </a:r>
-            <a:r>
-              <a:rPr lang="en-US"/>
-              <a:t>)</a:t>
-            </a:r>
-          </a:p>
-        </p:txBody>
-      </p:sp>
-      <p:sp>
-        <p:nvSpPr>
-          <p:cNvPr id="154" name="Google Shape;154;p25"/>
-          <p:cNvSpPr txBox="1">
-            <a:spLocks noGrp="1"/>
-          </p:cNvSpPr>
-          <p:nvPr>
-            <p:ph idx="1"/>
-          </p:nvPr>
-        </p:nvSpPr>
-        <p:spPr/>
-        <p:txBody>
-          <a:bodyPr/>
-          <a:lstStyle/>
-          <a:p>
-            <a:pPr lvl="0"/>
-            <a:r>
-              <a:rPr lang="en-US"/>
-              <a:t>Tell Prolog that colors exist:         Tell Prolog that same colors can’t touch:</a:t>
-            </a:r>
-          </a:p>
-          <a:p>
-            <a:pPr lvl="0"/>
-            <a:endParaRPr lang="en-US"/>
-          </a:p>
-          <a:p>
-            <a:pPr lvl="0"/>
-            <a:endParaRPr lang="en-US"/>
-          </a:p>
-          <a:p>
-            <a:pPr lvl="0"/>
-            <a:endParaRPr lang="en-US"/>
-          </a:p>
-          <a:p>
-            <a:pPr lvl="0"/>
-            <a:r>
-              <a:rPr lang="en-US"/>
-              <a:t>                                                                                </a:t>
-            </a:r>
-          </a:p>
-          <a:p>
-            <a:pPr lvl="0"/>
-            <a:endParaRPr lang="en-US"/>
-          </a:p>
-        </p:txBody>
-      </p:sp>
-      <p:pic>
-        <p:nvPicPr>
-          <p:cNvPr id="155" name="Google Shape;155;p25"/>
-          <p:cNvPicPr preferRelativeResize="0"/>
-          <p:nvPr/>
-        </p:nvPicPr>
-        <p:blipFill>
-          <a:blip r:embed="rId4">
-            <a:alphaModFix/>
-          </a:blip>
-          <a:stretch>
-            <a:fillRect/>
-          </a:stretch>
-        </p:blipFill>
-        <p:spPr>
-          <a:xfrm>
-            <a:off x="1429338" y="1116739"/>
-            <a:ext cx="1171575" cy="695325"/>
-          </a:xfrm>
-          <a:prstGeom prst="rect">
-            <a:avLst/>
-          </a:prstGeom>
-          <a:noFill/>
-          <a:ln>
-            <a:noFill/>
-          </a:ln>
-        </p:spPr>
-      </p:pic>
-      <p:pic>
-        <p:nvPicPr>
-          <p:cNvPr id="156" name="Google Shape;156;p25"/>
-          <p:cNvPicPr preferRelativeResize="0"/>
-          <p:nvPr/>
-        </p:nvPicPr>
-        <p:blipFill>
-          <a:blip r:embed="rId5">
-            <a:alphaModFix/>
-          </a:blip>
-          <a:stretch>
-            <a:fillRect/>
-          </a:stretch>
-        </p:blipFill>
-        <p:spPr>
-          <a:xfrm>
-            <a:off x="3657638" y="1104213"/>
-            <a:ext cx="4829175" cy="657225"/>
-          </a:xfrm>
-          <a:prstGeom prst="rect">
-            <a:avLst/>
-          </a:prstGeom>
-          <a:noFill/>
-          <a:ln>
-            <a:noFill/>
-          </a:ln>
-        </p:spPr>
-      </p:pic>
-      <p:pic>
-        <p:nvPicPr>
-          <p:cNvPr id="157" name="Google Shape;157;p25"/>
-          <p:cNvPicPr preferRelativeResize="0"/>
-          <p:nvPr/>
-        </p:nvPicPr>
-        <p:blipFill>
-          <a:blip r:embed="rId6">
-            <a:alphaModFix/>
-          </a:blip>
-          <a:stretch>
-            <a:fillRect/>
-          </a:stretch>
-        </p:blipFill>
-        <p:spPr>
-          <a:xfrm>
-            <a:off x="-9527" y="2388769"/>
-            <a:ext cx="5581650" cy="2314575"/>
-          </a:xfrm>
-          <a:prstGeom prst="rect">
-            <a:avLst/>
-          </a:prstGeom>
-          <a:noFill/>
-          <a:ln>
-            <a:noFill/>
-          </a:ln>
-        </p:spPr>
-      </p:pic>
-      <p:pic>
-        <p:nvPicPr>
-          <p:cNvPr id="158" name="Google Shape;158;p25"/>
-          <p:cNvPicPr preferRelativeResize="0"/>
-          <p:nvPr/>
-        </p:nvPicPr>
-        <p:blipFill>
-          <a:blip r:embed="rId7">
-            <a:alphaModFix/>
-          </a:blip>
-          <a:stretch>
-            <a:fillRect/>
-          </a:stretch>
-        </p:blipFill>
-        <p:spPr>
-          <a:xfrm>
-            <a:off x="3740763" y="4703344"/>
-            <a:ext cx="5324475" cy="314325"/>
-          </a:xfrm>
-          <a:prstGeom prst="rect">
-            <a:avLst/>
-          </a:prstGeom>
-          <a:noFill/>
-          <a:ln>
-            <a:noFill/>
-          </a:ln>
-        </p:spPr>
-      </p:pic>
-      <p:sp>
-        <p:nvSpPr>
-          <p:cNvPr id="159" name="Google Shape;159;p25"/>
-          <p:cNvSpPr txBox="1"/>
-          <p:nvPr/>
-        </p:nvSpPr>
-        <p:spPr>
-          <a:xfrm>
-            <a:off x="6" y="1929727"/>
-            <a:ext cx="3000000" cy="495300"/>
-          </a:xfrm>
-          <a:prstGeom prst="rect">
-            <a:avLst/>
-          </a:prstGeom>
-          <a:noFill/>
-          <a:ln>
-            <a:noFill/>
-          </a:ln>
-        </p:spPr>
-        <p:txBody>
-          <a:bodyPr spcFirstLastPara="1" wrap="square" lIns="91425" tIns="91425" rIns="91425" bIns="91425" anchor="ctr" anchorCtr="0">
-            <a:noAutofit/>
-          </a:bodyPr>
-          <a:lstStyle/>
-          <a:p>
-            <a:pPr marL="0" lvl="0" indent="0" algn="l" rtl="0">
-              <a:spcBef>
-                <a:spcPts val="600"/>
-              </a:spcBef>
-              <a:spcAft>
-                <a:spcPts val="0"/>
-              </a:spcAft>
-              <a:buNone/>
-            </a:pPr>
-            <a:r>
-              <a:rPr lang="en" sz="2000">
-                <a:solidFill>
-                  <a:schemeClr val="dk1"/>
-                </a:solidFill>
-                <a:latin typeface="Calibri"/>
-                <a:ea typeface="Calibri"/>
-                <a:cs typeface="Calibri"/>
-                <a:sym typeface="Calibri"/>
-              </a:rPr>
-              <a:t>Tell Prolog all the borders: </a:t>
-            </a:r>
-            <a:endParaRPr/>
-          </a:p>
-        </p:txBody>
-      </p:sp>
-      <p:sp>
-        <p:nvSpPr>
-          <p:cNvPr id="160" name="Google Shape;160;p25"/>
-          <p:cNvSpPr txBox="1"/>
-          <p:nvPr/>
-        </p:nvSpPr>
-        <p:spPr>
-          <a:xfrm>
-            <a:off x="6072644" y="4104492"/>
-            <a:ext cx="3000000" cy="911700"/>
-          </a:xfrm>
-          <a:prstGeom prst="rect">
-            <a:avLst/>
-          </a:prstGeom>
-          <a:noFill/>
-          <a:ln>
-            <a:noFill/>
-          </a:ln>
-        </p:spPr>
-        <p:txBody>
-          <a:bodyPr spcFirstLastPara="1" wrap="square" lIns="91425" tIns="91425" rIns="91425" bIns="91425" anchor="ctr" anchorCtr="0">
-            <a:noAutofit/>
-          </a:bodyPr>
-          <a:lstStyle/>
-          <a:p>
-            <a:pPr marL="0" lvl="0" indent="0" algn="l" rtl="0">
-              <a:spcBef>
-                <a:spcPts val="600"/>
-              </a:spcBef>
-              <a:spcAft>
-                <a:spcPts val="0"/>
-              </a:spcAft>
-              <a:buNone/>
-            </a:pPr>
-            <a:r>
-              <a:rPr lang="en" sz="2000">
-                <a:solidFill>
-                  <a:schemeClr val="dk1"/>
-                </a:solidFill>
-                <a:latin typeface="Calibri"/>
-                <a:ea typeface="Calibri"/>
-                <a:cs typeface="Calibri"/>
-                <a:sym typeface="Calibri"/>
-              </a:rPr>
-              <a:t>Ask Prolog for answer:</a:t>
-            </a:r>
-            <a:endParaRPr/>
-          </a:p>
-        </p:txBody>
-      </p:sp>
-    </p:spTree>
-  </p:cSld>
-  <p:clrMapOvr>
-    <a:masterClrMapping/>
-  </p:clrMapOvr>
-</p:sld>
-</file>
-
-<file path=ppt/slides/slide18.xml><?xml version="1.0" encoding="utf-8"?>
-<p:sld xmlns:a="http://schemas.openxmlformats.org/drawingml/2006/main" xmlns:r="http://schemas.openxmlformats.org/officeDocument/2006/relationships" xmlns:p="http://schemas.openxmlformats.org/presentationml/2006/main">
-  <p:cSld>
-    <p:spTree>
-      <p:nvGrpSpPr>
-        <p:cNvPr id="1" name="Shape 164"/>
-        <p:cNvGrpSpPr/>
-        <p:nvPr/>
-      </p:nvGrpSpPr>
-      <p:grpSpPr>
-        <a:xfrm>
-          <a:off x="0" y="0"/>
-          <a:ext cx="0" cy="0"/>
-          <a:chOff x="0" y="0"/>
-          <a:chExt cx="0" cy="0"/>
-        </a:xfrm>
-      </p:grpSpPr>
-      <p:sp>
-        <p:nvSpPr>
-          <p:cNvPr id="165" name="Google Shape;165;p26"/>
-          <p:cNvSpPr txBox="1">
-            <a:spLocks noGrp="1"/>
-          </p:cNvSpPr>
-          <p:nvPr>
-            <p:ph type="title"/>
-          </p:nvPr>
-        </p:nvSpPr>
-        <p:spPr/>
-        <p:txBody>
-          <a:bodyPr/>
-          <a:lstStyle/>
-          <a:p>
-            <a:pPr lvl="0"/>
-            <a:r>
-              <a:rPr lang="en-US"/>
-              <a:t>Declarative Programming</a:t>
-            </a:r>
-          </a:p>
-        </p:txBody>
-      </p:sp>
-      <p:sp>
-        <p:nvSpPr>
-          <p:cNvPr id="166" name="Google Shape;166;p26"/>
-          <p:cNvSpPr txBox="1">
-            <a:spLocks noGrp="1"/>
-          </p:cNvSpPr>
-          <p:nvPr>
-            <p:ph idx="1"/>
-          </p:nvPr>
-        </p:nvSpPr>
-        <p:spPr/>
-        <p:txBody>
-          <a:bodyPr/>
-          <a:lstStyle/>
-          <a:p>
-            <a:pPr lvl="0"/>
-            <a:r>
-              <a:rPr lang="en-US" dirty="0"/>
-              <a:t>In declarative programming, we express what we want, without specifying how. A program is simply a description of the </a:t>
-            </a:r>
-            <a:r>
-              <a:rPr lang="en-US" b="1" dirty="0"/>
-              <a:t>result</a:t>
-            </a:r>
-            <a:r>
-              <a:rPr lang="en-US" dirty="0"/>
-              <a:t> we want.</a:t>
-            </a:r>
-          </a:p>
-          <a:p>
-            <a:pPr lvl="0"/>
-            <a:r>
-              <a:rPr lang="en-US" dirty="0"/>
-              <a:t>Another example, </a:t>
-            </a:r>
-            <a:r>
-              <a:rPr lang="en-US" dirty="0">
-                <a:hlinkClick r:id="rId3"/>
-              </a:rPr>
-              <a:t>coloring a map of Germany using the Prolog language</a:t>
-            </a:r>
-            <a:r>
-              <a:rPr lang="en-US" dirty="0"/>
-              <a:t>:</a:t>
-            </a:r>
-            <a:br>
-              <a:rPr lang="en-US" dirty="0"/>
-            </a:br>
-            <a:endParaRPr lang="en-US" dirty="0"/>
-          </a:p>
-        </p:txBody>
-      </p:sp>
-      <p:pic>
-        <p:nvPicPr>
-          <p:cNvPr id="167" name="Google Shape;167;p26"/>
-          <p:cNvPicPr preferRelativeResize="0"/>
-          <p:nvPr/>
-        </p:nvPicPr>
-        <p:blipFill>
-          <a:blip r:embed="rId4">
-            <a:alphaModFix/>
-          </a:blip>
-          <a:stretch>
-            <a:fillRect/>
-          </a:stretch>
-        </p:blipFill>
-        <p:spPr>
-          <a:xfrm>
-            <a:off x="4879427" y="2446434"/>
-            <a:ext cx="3689964" cy="1788091"/>
-          </a:xfrm>
-          <a:prstGeom prst="rect">
-            <a:avLst/>
-          </a:prstGeom>
-          <a:noFill/>
-          <a:ln>
-            <a:noFill/>
-          </a:ln>
-        </p:spPr>
-      </p:pic>
-      <p:pic>
-        <p:nvPicPr>
-          <p:cNvPr id="168" name="Google Shape;168;p26"/>
-          <p:cNvPicPr preferRelativeResize="0"/>
-          <p:nvPr/>
-        </p:nvPicPr>
-        <p:blipFill>
-          <a:blip r:embed="rId5">
-            <a:alphaModFix/>
-          </a:blip>
-          <a:stretch>
-            <a:fillRect/>
-          </a:stretch>
-        </p:blipFill>
-        <p:spPr>
-          <a:xfrm>
-            <a:off x="400050" y="3128311"/>
-            <a:ext cx="4295775" cy="762000"/>
-          </a:xfrm>
-          <a:prstGeom prst="rect">
-            <a:avLst/>
-          </a:prstGeom>
-          <a:noFill/>
-          <a:ln>
-            <a:noFill/>
-          </a:ln>
-        </p:spPr>
-      </p:pic>
-    </p:spTree>
-  </p:cSld>
-  <p:clrMapOvr>
-    <a:masterClrMapping/>
-  </p:clrMapOvr>
-</p:sld>
-</file>
-
-<file path=ppt/slides/slide19.xml><?xml version="1.0" encoding="utf-8"?>
-<p:sld xmlns:a="http://schemas.openxmlformats.org/drawingml/2006/main" xmlns:r="http://schemas.openxmlformats.org/officeDocument/2006/relationships" xmlns:p="http://schemas.openxmlformats.org/presentationml/2006/main">
-  <p:cSld>
-    <p:spTree>
-      <p:nvGrpSpPr>
-        <p:cNvPr id="1" name="Shape 172"/>
-        <p:cNvGrpSpPr/>
-        <p:nvPr/>
-      </p:nvGrpSpPr>
-      <p:grpSpPr>
-        <a:xfrm>
-          <a:off x="0" y="0"/>
-          <a:ext cx="0" cy="0"/>
-          <a:chOff x="0" y="0"/>
-          <a:chExt cx="0" cy="0"/>
-        </a:xfrm>
-      </p:grpSpPr>
-      <p:sp>
-        <p:nvSpPr>
-          <p:cNvPr id="173" name="Google Shape;173;p27"/>
-          <p:cNvSpPr txBox="1">
-            <a:spLocks noGrp="1"/>
-          </p:cNvSpPr>
-          <p:nvPr>
-            <p:ph type="title"/>
-          </p:nvPr>
-        </p:nvSpPr>
-        <p:spPr/>
-        <p:txBody>
-          <a:bodyPr/>
-          <a:lstStyle/>
-          <a:p>
-            <a:pPr lvl="0"/>
-            <a:r>
-              <a:rPr lang="en-US"/>
-              <a:t>Declarative Programming</a:t>
-            </a:r>
-          </a:p>
-        </p:txBody>
-      </p:sp>
-      <p:sp>
-        <p:nvSpPr>
-          <p:cNvPr id="174" name="Google Shape;174;p27"/>
-          <p:cNvSpPr txBox="1">
-            <a:spLocks noGrp="1"/>
-          </p:cNvSpPr>
-          <p:nvPr>
-            <p:ph idx="1"/>
-          </p:nvPr>
-        </p:nvSpPr>
-        <p:spPr/>
-        <p:txBody>
-          <a:bodyPr/>
-          <a:lstStyle/>
-          <a:p>
-            <a:pPr lvl="0"/>
-            <a:r>
-              <a:rPr lang="en-US" dirty="0"/>
-              <a:t>Each declarative language has only a limited number of tasks for which you can specify “what”, and not “how”, e.g.</a:t>
-            </a:r>
-          </a:p>
-          <a:p>
-            <a:pPr lvl="0"/>
-            <a:r>
-              <a:rPr lang="en-US" dirty="0"/>
-              <a:t> Prolog: Logic.</a:t>
-            </a:r>
-          </a:p>
-          <a:p>
-            <a:pPr lvl="0"/>
-            <a:r>
-              <a:rPr lang="en-US" dirty="0"/>
-              <a:t> SQL: Queries from a database.</a:t>
-            </a:r>
-          </a:p>
-          <a:p>
-            <a:pPr lvl="0"/>
-            <a:r>
-              <a:rPr lang="en-US" dirty="0"/>
-              <a:t> Pandas: Data manipulation operations like aggregation, filtering, joining, etc.</a:t>
-            </a:r>
-          </a:p>
-          <a:p>
-            <a:pPr lvl="1"/>
-            <a:r>
-              <a:rPr lang="en-US" dirty="0"/>
-              <a:t>Very common operations in Data 8 and Data 100.</a:t>
-            </a:r>
-          </a:p>
-          <a:p>
-            <a:pPr lvl="1"/>
-            <a:r>
-              <a:rPr lang="en-US" dirty="0"/>
-              <a:t>Pandas is a library for Python. You'll use it in Data 100!</a:t>
-            </a:r>
-          </a:p>
-        </p:txBody>
-      </p:sp>
-    </p:spTree>
-  </p:cSld>
-  <p:clrMapOvr>
-    <a:masterClrMapping/>
-  </p:clrMapOvr>
-</p:sld>
-</file>
-
-<file path=ppt/slides/slide2.xml><?xml version="1.0" encoding="utf-8"?>
-<p:sld xmlns:a="http://schemas.openxmlformats.org/drawingml/2006/main" xmlns:r="http://schemas.openxmlformats.org/officeDocument/2006/relationships" xmlns:p="http://schemas.openxmlformats.org/presentationml/2006/main">
-  <p:cSld>
-    <p:spTree>
-      <p:nvGrpSpPr>
-        <p:cNvPr id="1" name="Shape 52"/>
-        <p:cNvGrpSpPr/>
-        <p:nvPr/>
-      </p:nvGrpSpPr>
-      <p:grpSpPr>
-        <a:xfrm>
-          <a:off x="0" y="0"/>
-          <a:ext cx="0" cy="0"/>
-          <a:chOff x="0" y="0"/>
-          <a:chExt cx="0" cy="0"/>
-        </a:xfrm>
-      </p:grpSpPr>
-      <p:sp>
-        <p:nvSpPr>
-          <p:cNvPr id="53" name="Google Shape;53;p12"/>
-          <p:cNvSpPr txBox="1">
-            <a:spLocks noGrp="1"/>
-          </p:cNvSpPr>
-          <p:nvPr>
-            <p:ph type="title"/>
-          </p:nvPr>
-        </p:nvSpPr>
-        <p:spPr/>
-        <p:txBody>
-          <a:bodyPr/>
-          <a:lstStyle/>
-          <a:p>
-            <a:pPr lvl="0"/>
-            <a:r>
-              <a:rPr lang="en-US"/>
-              <a:t>Programming Paradigms</a:t>
-            </a:r>
-          </a:p>
-        </p:txBody>
-      </p:sp>
-      <p:sp>
-        <p:nvSpPr>
-          <p:cNvPr id="54" name="Google Shape;54;p12"/>
-          <p:cNvSpPr txBox="1">
-            <a:spLocks noGrp="1"/>
-          </p:cNvSpPr>
-          <p:nvPr>
-            <p:ph idx="1"/>
-          </p:nvPr>
-        </p:nvSpPr>
-        <p:spPr/>
-        <p:txBody>
-          <a:bodyPr/>
-          <a:lstStyle/>
-          <a:p>
-            <a:pPr lvl="0"/>
-            <a:r>
-              <a:rPr lang="en-US" sz="2200" b="1" dirty="0"/>
-              <a:t> Paradigm</a:t>
-            </a:r>
-            <a:r>
-              <a:rPr lang="en-US" sz="2200" dirty="0"/>
-              <a:t> (Merriam Webster): a typical example or pattern of something; a model. Example: "there is a new paradigm for public art in this country"</a:t>
-            </a:r>
-          </a:p>
-          <a:p>
-            <a:pPr lvl="0"/>
-            <a:r>
-              <a:rPr lang="en-US" sz="2200" dirty="0"/>
-              <a:t> Programming Paradigm (</a:t>
-            </a:r>
-            <a:r>
-              <a:rPr lang="en-US" sz="2200" dirty="0">
-                <a:hlinkClick r:id="rId3"/>
-              </a:rPr>
-              <a:t>Joe Turner, Clemson University</a:t>
-            </a:r>
-            <a:r>
-              <a:rPr lang="en-US" sz="2200" dirty="0"/>
-              <a:t>): “A programming paradigm is a general approach, orientation, or philosophy of programming that can be used when implementing a program.” </a:t>
-            </a:r>
-            <a:r>
-              <a:rPr lang="en-US" sz="2200" i="1" dirty="0"/>
-              <a:t>You might call this a "style"</a:t>
-            </a:r>
-            <a:endParaRPr lang="en-US" sz="2200" dirty="0"/>
-          </a:p>
-          <a:p>
-            <a:pPr lvl="0"/>
-            <a:r>
-              <a:rPr lang="en-US" sz="2200" dirty="0"/>
-              <a:t>Example, three very different approaches to squaring list:</a:t>
-            </a:r>
-          </a:p>
-          <a:p>
-            <a:pPr marL="0" lvl="0" indent="0">
-              <a:buNone/>
-            </a:pPr>
-            <a:r>
-              <a:rPr lang="en-US" sz="2200" dirty="0">
-                <a:latin typeface="Source Code Pro" panose="020B0509030403020204" pitchFamily="49" charset="77"/>
-              </a:rPr>
-              <a:t>	map(lambda x: x*x, range(5))</a:t>
-            </a:r>
-          </a:p>
-          <a:p>
-            <a:pPr marL="0" lvl="0" indent="0">
-              <a:buNone/>
-            </a:pPr>
-            <a:r>
-              <a:rPr lang="en-US" sz="2200" dirty="0">
-                <a:latin typeface="Source Code Pro" panose="020B0509030403020204" pitchFamily="49" charset="77"/>
-              </a:rPr>
-              <a:t>	[ x * x for x in range(5) ]</a:t>
-            </a:r>
-          </a:p>
-          <a:p>
-            <a:pPr marL="0" lvl="0" indent="0">
-              <a:buNone/>
-            </a:pPr>
-            <a:r>
-              <a:rPr lang="en-US" sz="2200" dirty="0">
-                <a:latin typeface="Source Code Pro" panose="020B0509030403020204" pitchFamily="49" charset="77"/>
-              </a:rPr>
-              <a:t>	range(5).</a:t>
-            </a:r>
-            <a:r>
-              <a:rPr lang="en-US" sz="2200" dirty="0" err="1">
-                <a:latin typeface="Source Code Pro" panose="020B0509030403020204" pitchFamily="49" charset="77"/>
-              </a:rPr>
-              <a:t>square_nums</a:t>
-            </a:r>
-            <a:r>
-              <a:rPr lang="en-US" sz="2200" dirty="0">
-                <a:latin typeface="Source Code Pro" panose="020B0509030403020204" pitchFamily="49" charset="77"/>
-              </a:rPr>
-              <a:t>() # Only theoretically</a:t>
-            </a:r>
-          </a:p>
-        </p:txBody>
-      </p:sp>
-    </p:spTree>
-  </p:cSld>
-  <p:clrMapOvr>
-    <a:masterClrMapping/>
-  </p:clrMapOvr>
-</p:sld>
-</file>
-
-<file path=ppt/slides/slide20.xml><?xml version="1.0" encoding="utf-8"?>
-<p:sld xmlns:a="http://schemas.openxmlformats.org/drawingml/2006/main" xmlns:r="http://schemas.openxmlformats.org/officeDocument/2006/relationships" xmlns:p="http://schemas.openxmlformats.org/presentationml/2006/main">
-  <p:cSld>
-    <p:spTree>
-      <p:nvGrpSpPr>
-        <p:cNvPr id="1" name=""/>
-        <p:cNvGrpSpPr/>
-        <p:nvPr/>
-      </p:nvGrpSpPr>
-      <p:grpSpPr>
-        <a:xfrm>
-          <a:off x="0" y="0"/>
-          <a:ext cx="0" cy="0"/>
-          <a:chOff x="0" y="0"/>
-          <a:chExt cx="0" cy="0"/>
-        </a:xfrm>
-      </p:grpSpPr>
-      <p:sp>
-        <p:nvSpPr>
-          <p:cNvPr id="2" name="Title 1">
-            <a:extLst>
-              <a:ext uri="{FF2B5EF4-FFF2-40B4-BE49-F238E27FC236}">
-                <a16:creationId xmlns:a16="http://schemas.microsoft.com/office/drawing/2014/main" id="{05DC5CD3-4D73-6B44-A7F9-B698A45F1D75}"/>
-              </a:ext>
-            </a:extLst>
-          </p:cNvPr>
-          <p:cNvSpPr>
-            <a:spLocks noGrp="1"/>
-          </p:cNvSpPr>
-          <p:nvPr>
-            <p:ph type="title"/>
-          </p:nvPr>
-        </p:nvSpPr>
-        <p:spPr/>
-        <p:txBody>
-          <a:bodyPr/>
-          <a:lstStyle/>
-          <a:p>
-            <a:r>
-              <a:rPr lang="en-US" dirty="0"/>
-              <a:t>Why SQL?</a:t>
-            </a:r>
-          </a:p>
-        </p:txBody>
-      </p:sp>
-      <p:sp>
-        <p:nvSpPr>
-          <p:cNvPr id="3" name="Text Placeholder 2">
-            <a:extLst>
-              <a:ext uri="{FF2B5EF4-FFF2-40B4-BE49-F238E27FC236}">
-                <a16:creationId xmlns:a16="http://schemas.microsoft.com/office/drawing/2014/main" id="{DEF2DD4A-6365-F849-AB88-65DBF08D35F7}"/>
-              </a:ext>
-            </a:extLst>
-          </p:cNvPr>
-          <p:cNvSpPr>
-            <a:spLocks noGrp="1"/>
-          </p:cNvSpPr>
-          <p:nvPr>
-            <p:ph idx="1"/>
-          </p:nvPr>
-        </p:nvSpPr>
-        <p:spPr/>
-        <p:txBody>
-          <a:bodyPr/>
-          <a:lstStyle/>
-          <a:p>
-            <a:r>
-              <a:rPr lang="en-US" dirty="0"/>
-              <a:t>SQL is a </a:t>
-            </a:r>
-            <a:r>
-              <a:rPr lang="en-US" b="1" i="1" dirty="0"/>
-              <a:t>declarative</a:t>
-            </a:r>
-            <a:r>
-              <a:rPr lang="en-US" b="1" dirty="0"/>
-              <a:t> programming language </a:t>
-            </a:r>
-            <a:r>
-              <a:rPr lang="en-US" dirty="0"/>
-              <a:t>for accessing and modifying data in a relational database.</a:t>
-            </a:r>
-          </a:p>
-          <a:p>
-            <a:r>
-              <a:rPr lang="en-US" dirty="0"/>
-              <a:t>It is an entirely new way of thinking (“new” in 1970, and new to you now!) that specifies </a:t>
-            </a:r>
-            <a:r>
-              <a:rPr lang="en-US" i="1" dirty="0"/>
-              <a:t>what </a:t>
-            </a:r>
-            <a:r>
-              <a:rPr lang="en-US" dirty="0"/>
-              <a:t>should happen, but not </a:t>
-            </a:r>
-            <a:r>
-              <a:rPr lang="en-US" i="1" dirty="0"/>
-              <a:t>how</a:t>
-            </a:r>
-            <a:r>
-              <a:rPr lang="en-US" dirty="0"/>
-              <a:t> it should happen.</a:t>
-            </a:r>
-          </a:p>
-          <a:p>
-            <a:r>
-              <a:rPr lang="en-US" dirty="0"/>
-              <a:t> Python is a multi-paradigm language, but we haven't yet tried declarative programming. </a:t>
-            </a:r>
-          </a:p>
-          <a:p>
-            <a:pPr lvl="1"/>
-            <a:endParaRPr lang="en-US" dirty="0"/>
-          </a:p>
-        </p:txBody>
-      </p:sp>
-      <p:sp>
-        <p:nvSpPr>
-          <p:cNvPr id="4" name="Slide Number Placeholder 3">
-            <a:extLst>
-              <a:ext uri="{FF2B5EF4-FFF2-40B4-BE49-F238E27FC236}">
-                <a16:creationId xmlns:a16="http://schemas.microsoft.com/office/drawing/2014/main" id="{4DBDF8CF-688E-1944-91ED-D9A5A5A3D04D}"/>
-              </a:ext>
-            </a:extLst>
-          </p:cNvPr>
-          <p:cNvSpPr>
-            <a:spLocks noGrp="1"/>
-          </p:cNvSpPr>
-          <p:nvPr>
-            <p:ph type="sldNum" idx="4294967295"/>
-          </p:nvPr>
-        </p:nvSpPr>
-        <p:spPr>
-          <a:xfrm>
-            <a:off x="8610600" y="4914900"/>
-            <a:ext cx="533400" cy="228600"/>
-          </a:xfrm>
-          <a:prstGeom prst="rect">
-            <a:avLst/>
-          </a:prstGeom>
-        </p:spPr>
-        <p:txBody>
-          <a:bodyPr/>
-          <a:lstStyle/>
-          <a:p>
-            <a:fld id="{00000000-1234-1234-1234-123412341234}" type="slidenum">
-              <a:rPr lang="en-US" smtClean="0"/>
-              <a:pPr/>
-              <a:t>20</a:t>
-            </a:fld>
-            <a:endParaRPr lang="en-US" b="0"/>
-          </a:p>
-        </p:txBody>
-      </p:sp>
-    </p:spTree>
-    <p:extLst>
-      <p:ext uri="{BB962C8B-B14F-4D97-AF65-F5344CB8AC3E}">
-        <p14:creationId xmlns:p14="http://schemas.microsoft.com/office/powerpoint/2010/main" val="2571801121"/>
-      </p:ext>
-    </p:extLst>
-  </p:cSld>
-  <p:clrMapOvr>
-    <a:masterClrMapping/>
-  </p:clrMapOvr>
-</p:sld>
-</file>
-
-<file path=ppt/slides/slide21.xml><?xml version="1.0" encoding="utf-8"?>
-<p:sld xmlns:a="http://schemas.openxmlformats.org/drawingml/2006/main" xmlns:r="http://schemas.openxmlformats.org/officeDocument/2006/relationships" xmlns:p="http://schemas.openxmlformats.org/presentationml/2006/main">
-  <p:cSld>
-    <p:spTree>
-      <p:nvGrpSpPr>
-        <p:cNvPr id="1" name="Shape 262"/>
-        <p:cNvGrpSpPr/>
-        <p:nvPr/>
-      </p:nvGrpSpPr>
-      <p:grpSpPr>
-        <a:xfrm>
-          <a:off x="0" y="0"/>
-          <a:ext cx="0" cy="0"/>
-          <a:chOff x="0" y="0"/>
-          <a:chExt cx="0" cy="0"/>
-        </a:xfrm>
-      </p:grpSpPr>
-      <p:sp>
-        <p:nvSpPr>
-          <p:cNvPr id="263" name="Google Shape;263;p18"/>
-          <p:cNvSpPr txBox="1">
-            <a:spLocks noGrp="1"/>
-          </p:cNvSpPr>
-          <p:nvPr>
-            <p:ph type="title"/>
-          </p:nvPr>
-        </p:nvSpPr>
-        <p:spPr>
-          <a:xfrm>
-            <a:off x="425670" y="171450"/>
-            <a:ext cx="7003831" cy="552450"/>
-          </a:xfrm>
-          <a:prstGeom prst="rect">
-            <a:avLst/>
-          </a:prstGeom>
-          <a:noFill/>
-          <a:ln>
-            <a:noFill/>
-          </a:ln>
-        </p:spPr>
-        <p:txBody>
-          <a:bodyPr spcFirstLastPara="1" vert="horz" wrap="square" lIns="69056" tIns="34519" rIns="69056" bIns="34519" numCol="1" anchor="ctr" anchorCtr="0" compatLnSpc="1">
-            <a:prstTxWarp prst="textNoShape">
-              <a:avLst/>
-            </a:prstTxWarp>
-            <a:noAutofit/>
-          </a:bodyPr>
-          <a:lstStyle/>
-          <a:p>
-            <a:r>
-              <a:rPr lang="en-US" dirty="0"/>
-              <a:t>What is SQL?</a:t>
-            </a:r>
-            <a:endParaRPr dirty="0"/>
-          </a:p>
-        </p:txBody>
-      </p:sp>
-      <p:sp>
-        <p:nvSpPr>
-          <p:cNvPr id="264" name="Google Shape;264;p18"/>
-          <p:cNvSpPr txBox="1">
-            <a:spLocks noGrp="1"/>
-          </p:cNvSpPr>
-          <p:nvPr>
-            <p:ph idx="1"/>
-          </p:nvPr>
-        </p:nvSpPr>
-        <p:spPr>
-          <a:xfrm>
-            <a:off x="425670" y="800100"/>
-            <a:ext cx="8718331" cy="3943350"/>
-          </a:xfrm>
-          <a:prstGeom prst="rect">
-            <a:avLst/>
-          </a:prstGeom>
-          <a:noFill/>
-          <a:ln>
-            <a:noFill/>
-          </a:ln>
-        </p:spPr>
-        <p:txBody>
-          <a:bodyPr spcFirstLastPara="1" vert="horz" wrap="square" lIns="69056" tIns="34519" rIns="69056" bIns="34519" numCol="1" anchor="t" anchorCtr="0" compatLnSpc="1">
-            <a:prstTxWarp prst="textNoShape">
-              <a:avLst/>
-            </a:prstTxWarp>
-            <a:noAutofit/>
-          </a:bodyPr>
-          <a:lstStyle/>
-          <a:p>
-            <a:pPr marL="214313" indent="-214313">
-              <a:spcBef>
-                <a:spcPts val="0"/>
-              </a:spcBef>
-              <a:buSzPts val="2400"/>
-            </a:pPr>
-            <a:r>
-              <a:rPr lang="en-US" sz="2000" dirty="0"/>
-              <a:t>A declarative language</a:t>
-            </a:r>
-            <a:endParaRPr sz="2000" dirty="0"/>
-          </a:p>
-          <a:p>
-            <a:pPr marL="514350" lvl="1" indent="-171450"/>
-            <a:r>
-              <a:rPr lang="en-US" sz="2000" dirty="0"/>
-              <a:t>Described </a:t>
-            </a:r>
-            <a:r>
-              <a:rPr lang="en-US" sz="2000" i="1" dirty="0"/>
-              <a:t>what</a:t>
-            </a:r>
-            <a:r>
-              <a:rPr lang="en-US" sz="2000" dirty="0"/>
-              <a:t> to compute</a:t>
-            </a:r>
-            <a:endParaRPr sz="2000" dirty="0"/>
-          </a:p>
-          <a:p>
-            <a:pPr marL="514350" lvl="1" indent="-171450"/>
-            <a:r>
-              <a:rPr lang="en-US" sz="2000" dirty="0"/>
-              <a:t>Query processor (interpreter) chooses which of many equivalent query plans to execute to perform the SQL statements</a:t>
-            </a:r>
-            <a:endParaRPr sz="2000" dirty="0"/>
-          </a:p>
-          <a:p>
-            <a:pPr marL="214313" indent="-214313">
-              <a:spcBef>
-                <a:spcPts val="540"/>
-              </a:spcBef>
-              <a:buSzPts val="2400"/>
-            </a:pPr>
-            <a:r>
-              <a:rPr lang="en-US" sz="2000" dirty="0"/>
-              <a:t>ANSI and ISO standard, but many variants</a:t>
-            </a:r>
-          </a:p>
-          <a:p>
-            <a:pPr marL="557213" lvl="1" indent="-214313">
-              <a:spcBef>
-                <a:spcPts val="540"/>
-              </a:spcBef>
-              <a:buSzPts val="2400"/>
-              <a:buFont typeface="Arial"/>
-              <a:buChar char="•"/>
-            </a:pPr>
-            <a:r>
-              <a:rPr lang="en-US" sz="2000" dirty="0"/>
-              <a:t>CS88's SQL will work on nearly all relational databases—databases that use tables. [We'll revisit next lecture!]</a:t>
-            </a:r>
-            <a:endParaRPr sz="2000" dirty="0"/>
-          </a:p>
-          <a:p>
-            <a:pPr marL="214313" indent="-214313">
-              <a:spcBef>
-                <a:spcPts val="540"/>
-              </a:spcBef>
-              <a:buSzPts val="2400"/>
-              <a:buFont typeface="Courier"/>
-              <a:buChar char="•"/>
-            </a:pPr>
-            <a:r>
-              <a:rPr lang="en-US" sz="2000" dirty="0">
-                <a:latin typeface="Courier"/>
-                <a:ea typeface="Courier"/>
-                <a:cs typeface="Courier"/>
-                <a:sym typeface="Courier"/>
-              </a:rPr>
-              <a:t>SELECT</a:t>
-            </a:r>
-            <a:r>
-              <a:rPr lang="en-US" sz="2000" dirty="0"/>
-              <a:t> statement creates a new table, either from scratch or by projecting a table</a:t>
-            </a:r>
-            <a:endParaRPr sz="2000" dirty="0"/>
-          </a:p>
-          <a:p>
-            <a:pPr marL="214313" indent="-214313">
-              <a:spcBef>
-                <a:spcPts val="540"/>
-              </a:spcBef>
-              <a:buSzPts val="2400"/>
-              <a:buFont typeface="Courier"/>
-              <a:buChar char="•"/>
-            </a:pPr>
-            <a:r>
-              <a:rPr lang="en-US" sz="2000" dirty="0">
-                <a:latin typeface="Courier"/>
-                <a:ea typeface="Courier"/>
-                <a:cs typeface="Courier"/>
-                <a:sym typeface="Courier"/>
-              </a:rPr>
-              <a:t>CREATE TABLE </a:t>
-            </a:r>
-            <a:r>
-              <a:rPr lang="en-US" sz="2000" dirty="0"/>
-              <a:t>statement gives a global name to a table</a:t>
-            </a:r>
-            <a:endParaRPr sz="2000" dirty="0"/>
-          </a:p>
-          <a:p>
-            <a:pPr marL="214313" indent="-214313">
-              <a:spcBef>
-                <a:spcPts val="540"/>
-              </a:spcBef>
-              <a:buSzPts val="2400"/>
-            </a:pPr>
-            <a:r>
-              <a:rPr lang="en-US" sz="2000" dirty="0"/>
-              <a:t>Lots of other statements</a:t>
-            </a:r>
-            <a:endParaRPr sz="2000" dirty="0"/>
-          </a:p>
-          <a:p>
-            <a:pPr marL="514350" lvl="1" indent="-171450">
-              <a:buFont typeface="Courier"/>
-              <a:buChar char="–"/>
-            </a:pPr>
-            <a:r>
-              <a:rPr lang="en-US" sz="2000" dirty="0">
-                <a:latin typeface="Courier"/>
-                <a:ea typeface="Courier"/>
-                <a:cs typeface="Courier"/>
-                <a:sym typeface="Courier"/>
-              </a:rPr>
-              <a:t>analyze, delete, explain, insert, replace, update, …</a:t>
-            </a:r>
-            <a:endParaRPr sz="2000" dirty="0"/>
-          </a:p>
-        </p:txBody>
-      </p:sp>
-    </p:spTree>
-  </p:cSld>
-  <p:clrMapOvr>
-    <a:masterClrMapping/>
-  </p:clrMapOvr>
-  <p:timing>
-    <p:tnLst>
-      <p:par>
-        <p:cTn id="1" dur="indefinite" restart="never" nodeType="tmRoot">
-          <p:childTnLst>
-            <p:seq concurrent="1" nextAc="seek">
-              <p:cTn id="2" dur="indefinite" nodeType="mainSeq">
-                <p:childTnLst>
-                  <p:par>
-                    <p:cTn id="3" fill="hold">
-                      <p:stCondLst>
-                        <p:cond delay="indefinite"/>
-                      </p:stCondLst>
-                      <p:childTnLst>
-                        <p:par>
-                          <p:cTn id="4" fill="hold">
-                            <p:stCondLst>
-                              <p:cond delay="0"/>
-                            </p:stCondLst>
-                            <p:childTnLst>
-                              <p:par>
-                                <p:cTn id="5" presetID="1" presetClass="entr" presetSubtype="0" fill="hold" nodeType="clickEffect">
-                                  <p:stCondLst>
-                                    <p:cond delay="0"/>
-                                  </p:stCondLst>
-                                  <p:childTnLst>
-                                    <p:set>
-                                      <p:cBhvr>
-                                        <p:cTn id="6" dur="1" fill="hold">
-                                          <p:stCondLst>
-                                            <p:cond delay="0"/>
-                                          </p:stCondLst>
-                                        </p:cTn>
-                                        <p:tgtEl>
-                                          <p:spTgt spid="264">
-                                            <p:txEl>
-                                              <p:pRg st="0" end="0"/>
-                                            </p:txEl>
-                                          </p:spTgt>
-                                        </p:tgtEl>
-                                        <p:attrNameLst>
-                                          <p:attrName>style.visibility</p:attrName>
-                                        </p:attrNameLst>
-                                      </p:cBhvr>
-                                      <p:to>
-                                        <p:strVal val="visible"/>
-                                      </p:to>
-                                    </p:set>
-                                  </p:childTnLst>
-                                </p:cTn>
-                              </p:par>
-                            </p:childTnLst>
-                          </p:cTn>
-                        </p:par>
-                      </p:childTnLst>
-                    </p:cTn>
-                  </p:par>
-                  <p:par>
-                    <p:cTn id="7" fill="hold">
-                      <p:stCondLst>
-                        <p:cond delay="indefinite"/>
-                      </p:stCondLst>
-                      <p:childTnLst>
-                        <p:par>
-                          <p:cTn id="8" fill="hold">
-                            <p:stCondLst>
-                              <p:cond delay="0"/>
-                            </p:stCondLst>
-                            <p:childTnLst>
-                              <p:par>
-                                <p:cTn id="9" presetID="1" presetClass="entr" presetSubtype="0" fill="hold" nodeType="clickEffect">
-                                  <p:stCondLst>
-                                    <p:cond delay="0"/>
-                                  </p:stCondLst>
-                                  <p:childTnLst>
-                                    <p:set>
-                                      <p:cBhvr>
-                                        <p:cTn id="10" dur="1" fill="hold">
-                                          <p:stCondLst>
-                                            <p:cond delay="0"/>
-                                          </p:stCondLst>
-                                        </p:cTn>
-                                        <p:tgtEl>
-                                          <p:spTgt spid="264">
-                                            <p:txEl>
-                                              <p:pRg st="1" end="1"/>
-                                            </p:txEl>
-                                          </p:spTgt>
-                                        </p:tgtEl>
-                                        <p:attrNameLst>
-                                          <p:attrName>style.visibility</p:attrName>
-                                        </p:attrNameLst>
-                                      </p:cBhvr>
-                                      <p:to>
-                                        <p:strVal val="visible"/>
-                                      </p:to>
-                                    </p:set>
-                                  </p:childTnLst>
-                                </p:cTn>
-                              </p:par>
-                            </p:childTnLst>
-                          </p:cTn>
-                        </p:par>
-                      </p:childTnLst>
-                    </p:cTn>
-                  </p:par>
-                  <p:par>
-                    <p:cTn id="11" fill="hold">
-                      <p:stCondLst>
-                        <p:cond delay="indefinite"/>
-                      </p:stCondLst>
-                      <p:childTnLst>
-                        <p:par>
-                          <p:cTn id="12" fill="hold">
-                            <p:stCondLst>
-                              <p:cond delay="0"/>
-                            </p:stCondLst>
-                            <p:childTnLst>
-                              <p:par>
-                                <p:cTn id="13" presetID="1" presetClass="entr" presetSubtype="0" fill="hold" nodeType="clickEffect">
-                                  <p:stCondLst>
-                                    <p:cond delay="0"/>
-                                  </p:stCondLst>
-                                  <p:childTnLst>
-                                    <p:set>
-                                      <p:cBhvr>
-                                        <p:cTn id="14" dur="1" fill="hold">
-                                          <p:stCondLst>
-                                            <p:cond delay="0"/>
-                                          </p:stCondLst>
-                                        </p:cTn>
-                                        <p:tgtEl>
-                                          <p:spTgt spid="264">
-                                            <p:txEl>
-                                              <p:pRg st="2" end="2"/>
-                                            </p:txEl>
-                                          </p:spTgt>
-                                        </p:tgtEl>
-                                        <p:attrNameLst>
-                                          <p:attrName>style.visibility</p:attrName>
-                                        </p:attrNameLst>
-                                      </p:cBhvr>
-                                      <p:to>
-                                        <p:strVal val="visible"/>
-                                      </p:to>
-                                    </p:set>
-                                  </p:childTnLst>
-                                </p:cTn>
-                              </p:par>
-                            </p:childTnLst>
-                          </p:cTn>
-                        </p:par>
-                      </p:childTnLst>
-                    </p:cTn>
-                  </p:par>
-                  <p:par>
-                    <p:cTn id="15" fill="hold">
-                      <p:stCondLst>
-                        <p:cond delay="indefinite"/>
-                      </p:stCondLst>
-                      <p:childTnLst>
-                        <p:par>
-                          <p:cTn id="16" fill="hold">
-                            <p:stCondLst>
-                              <p:cond delay="0"/>
-                            </p:stCondLst>
-                            <p:childTnLst>
-                              <p:par>
-                                <p:cTn id="17" presetID="1" presetClass="entr" presetSubtype="0" fill="hold" nodeType="clickEffect">
-                                  <p:stCondLst>
-                                    <p:cond delay="0"/>
-                                  </p:stCondLst>
-                                  <p:childTnLst>
-                                    <p:set>
-                                      <p:cBhvr>
-                                        <p:cTn id="18" dur="1" fill="hold">
-                                          <p:stCondLst>
-                                            <p:cond delay="0"/>
-                                          </p:stCondLst>
-                                        </p:cTn>
-                                        <p:tgtEl>
-                                          <p:spTgt spid="264">
-                                            <p:txEl>
-                                              <p:pRg st="3" end="3"/>
-                                            </p:txEl>
-                                          </p:spTgt>
-                                        </p:tgtEl>
-                                        <p:attrNameLst>
-                                          <p:attrName>style.visibility</p:attrName>
-                                        </p:attrNameLst>
-                                      </p:cBhvr>
-                                      <p:to>
-                                        <p:strVal val="visible"/>
-                                      </p:to>
-                                    </p:set>
-                                  </p:childTnLst>
-                                </p:cTn>
-                              </p:par>
-                            </p:childTnLst>
-                          </p:cTn>
-                        </p:par>
-                      </p:childTnLst>
-                    </p:cTn>
-                  </p:par>
-                  <p:par>
-                    <p:cTn id="19" fill="hold">
-                      <p:stCondLst>
-                        <p:cond delay="indefinite"/>
-                      </p:stCondLst>
-                      <p:childTnLst>
-                        <p:par>
-                          <p:cTn id="20" fill="hold">
-                            <p:stCondLst>
-                              <p:cond delay="0"/>
-                            </p:stCondLst>
-                            <p:childTnLst>
-                              <p:par>
-                                <p:cTn id="21" presetID="1" presetClass="entr" presetSubtype="0" fill="hold" nodeType="clickEffect">
-                                  <p:stCondLst>
-                                    <p:cond delay="0"/>
-                                  </p:stCondLst>
-                                  <p:childTnLst>
-                                    <p:set>
-                                      <p:cBhvr>
-                                        <p:cTn id="22" dur="1" fill="hold">
-                                          <p:stCondLst>
-                                            <p:cond delay="0"/>
-                                          </p:stCondLst>
-                                        </p:cTn>
-                                        <p:tgtEl>
-                                          <p:spTgt spid="264">
-                                            <p:txEl>
-                                              <p:pRg st="4" end="4"/>
-                                            </p:txEl>
-                                          </p:spTgt>
-                                        </p:tgtEl>
-                                        <p:attrNameLst>
-                                          <p:attrName>style.visibility</p:attrName>
-                                        </p:attrNameLst>
-                                      </p:cBhvr>
-                                      <p:to>
-                                        <p:strVal val="visible"/>
-                                      </p:to>
-                                    </p:set>
-                                  </p:childTnLst>
-                                </p:cTn>
-                              </p:par>
-                            </p:childTnLst>
-                          </p:cTn>
-                        </p:par>
-                      </p:childTnLst>
-                    </p:cTn>
-                  </p:par>
-                  <p:par>
-                    <p:cTn id="23" fill="hold">
-                      <p:stCondLst>
-                        <p:cond delay="indefinite"/>
-                      </p:stCondLst>
-                      <p:childTnLst>
-                        <p:par>
-                          <p:cTn id="24" fill="hold">
-                            <p:stCondLst>
-                              <p:cond delay="0"/>
-                            </p:stCondLst>
-                            <p:childTnLst>
-                              <p:par>
-                                <p:cTn id="25" presetID="1" presetClass="entr" presetSubtype="0" fill="hold" nodeType="clickEffect">
-                                  <p:stCondLst>
-                                    <p:cond delay="0"/>
-                                  </p:stCondLst>
-                                  <p:childTnLst>
-                                    <p:set>
-                                      <p:cBhvr>
-                                        <p:cTn id="26" dur="1" fill="hold">
-                                          <p:stCondLst>
-                                            <p:cond delay="0"/>
-                                          </p:stCondLst>
-                                        </p:cTn>
-                                        <p:tgtEl>
-                                          <p:spTgt spid="264">
-                                            <p:txEl>
-                                              <p:pRg st="5" end="5"/>
-                                            </p:txEl>
-                                          </p:spTgt>
-                                        </p:tgtEl>
-                                        <p:attrNameLst>
-                                          <p:attrName>style.visibility</p:attrName>
-                                        </p:attrNameLst>
-                                      </p:cBhvr>
-                                      <p:to>
-                                        <p:strVal val="visible"/>
-                                      </p:to>
-                                    </p:set>
-                                  </p:childTnLst>
-                                </p:cTn>
-                              </p:par>
-                            </p:childTnLst>
-                          </p:cTn>
-                        </p:par>
-                      </p:childTnLst>
-                    </p:cTn>
-                  </p:par>
-                  <p:par>
-                    <p:cTn id="27" fill="hold">
-                      <p:stCondLst>
-                        <p:cond delay="indefinite"/>
-                      </p:stCondLst>
-                      <p:childTnLst>
-                        <p:par>
-                          <p:cTn id="28" fill="hold">
-                            <p:stCondLst>
-                              <p:cond delay="0"/>
-                            </p:stCondLst>
-                            <p:childTnLst>
-                              <p:par>
-                                <p:cTn id="29" presetID="1" presetClass="entr" presetSubtype="0" fill="hold" nodeType="clickEffect">
-                                  <p:stCondLst>
-                                    <p:cond delay="0"/>
-                                  </p:stCondLst>
-                                  <p:childTnLst>
-                                    <p:set>
-                                      <p:cBhvr>
-                                        <p:cTn id="30" dur="1" fill="hold">
-                                          <p:stCondLst>
-                                            <p:cond delay="0"/>
-                                          </p:stCondLst>
-                                        </p:cTn>
-                                        <p:tgtEl>
-                                          <p:spTgt spid="264">
-                                            <p:txEl>
-                                              <p:pRg st="6" end="6"/>
-                                            </p:txEl>
-                                          </p:spTgt>
-                                        </p:tgtEl>
-                                        <p:attrNameLst>
-                                          <p:attrName>style.visibility</p:attrName>
-                                        </p:attrNameLst>
-                                      </p:cBhvr>
-                                      <p:to>
-                                        <p:strVal val="visible"/>
-                                      </p:to>
-                                    </p:set>
-                                  </p:childTnLst>
-                                </p:cTn>
-                              </p:par>
-                            </p:childTnLst>
-                          </p:cTn>
-                        </p:par>
-                      </p:childTnLst>
-                    </p:cTn>
-                  </p:par>
-                  <p:par>
-                    <p:cTn id="31" fill="hold">
-                      <p:stCondLst>
-                        <p:cond delay="indefinite"/>
-                      </p:stCondLst>
-                      <p:childTnLst>
-                        <p:par>
-                          <p:cTn id="32" fill="hold">
-                            <p:stCondLst>
-                              <p:cond delay="0"/>
-                            </p:stCondLst>
-                            <p:childTnLst>
-                              <p:par>
-                                <p:cTn id="33" presetID="1" presetClass="entr" presetSubtype="0" fill="hold" nodeType="clickEffect">
-                                  <p:stCondLst>
-                                    <p:cond delay="0"/>
-                                  </p:stCondLst>
-                                  <p:childTnLst>
-                                    <p:set>
-                                      <p:cBhvr>
-                                        <p:cTn id="34" dur="1" fill="hold">
-                                          <p:stCondLst>
-                                            <p:cond delay="0"/>
-                                          </p:stCondLst>
-                                        </p:cTn>
-                                        <p:tgtEl>
-                                          <p:spTgt spid="264">
-                                            <p:txEl>
-                                              <p:pRg st="7" end="7"/>
-                                            </p:txEl>
-                                          </p:spTgt>
-                                        </p:tgtEl>
-                                        <p:attrNameLst>
-                                          <p:attrName>style.visibility</p:attrName>
-                                        </p:attrNameLst>
-                                      </p:cBhvr>
-                                      <p:to>
-                                        <p:strVal val="visible"/>
-                                      </p:to>
-                                    </p:set>
-                                  </p:childTnLst>
-                                </p:cTn>
-                              </p:par>
-                            </p:childTnLst>
-                          </p:cTn>
-                        </p:par>
-                      </p:childTnLst>
-                    </p:cTn>
-                  </p:par>
-                  <p:par>
-                    <p:cTn id="35" fill="hold">
-                      <p:stCondLst>
-                        <p:cond delay="indefinite"/>
-                      </p:stCondLst>
-                      <p:childTnLst>
-                        <p:par>
-                          <p:cTn id="36" fill="hold">
-                            <p:stCondLst>
-                              <p:cond delay="0"/>
-                            </p:stCondLst>
-                            <p:childTnLst>
-                              <p:par>
-                                <p:cTn id="37" presetID="1" presetClass="entr" presetSubtype="0" fill="hold" nodeType="clickEffect">
-                                  <p:stCondLst>
-                                    <p:cond delay="0"/>
-                                  </p:stCondLst>
-                                  <p:childTnLst>
-                                    <p:set>
-                                      <p:cBhvr>
-                                        <p:cTn id="38" dur="1" fill="hold">
-                                          <p:stCondLst>
-                                            <p:cond delay="0"/>
-                                          </p:stCondLst>
-                                        </p:cTn>
-                                        <p:tgtEl>
-                                          <p:spTgt spid="264">
-                                            <p:txEl>
-                                              <p:pRg st="8" end="8"/>
-                                            </p:txEl>
-                                          </p:spTgt>
-                                        </p:tgtEl>
-                                        <p:attrNameLst>
-                                          <p:attrName>style.visibility</p:attrName>
-                                        </p:attrNameLst>
-                                      </p:cBhvr>
-                                      <p:to>
-                                        <p:strVal val="visible"/>
-                                      </p:to>
-                                    </p:set>
-                                  </p:childTnLst>
-                                </p:cTn>
-                              </p:par>
-                            </p:childTnLst>
-                          </p:cTn>
-                        </p:par>
-                      </p:childTnLst>
-                    </p:cTn>
-                  </p:par>
-                </p:childTnLst>
-              </p:cTn>
-              <p:prevCondLst>
-                <p:cond evt="onPrev" delay="0">
-                  <p:tgtEl>
-                    <p:sldTgt/>
-                  </p:tgtEl>
-                </p:cond>
-              </p:prevCondLst>
-              <p:nextCondLst>
-                <p:cond evt="onNext" delay="0">
-                  <p:tgtEl>
-                    <p:sldTgt/>
-                  </p:tgtEl>
-                </p:cond>
-              </p:nextCondLst>
-            </p:seq>
-          </p:childTnLst>
-        </p:cTn>
-      </p:par>
-    </p:tnLst>
-  </p:timing>
-</p:sld>
-</file>
-
-<file path=ppt/slides/slide22.xml><?xml version="1.0" encoding="utf-8"?>
-<p:sld xmlns:a="http://schemas.openxmlformats.org/drawingml/2006/main" xmlns:r="http://schemas.openxmlformats.org/officeDocument/2006/relationships" xmlns:p="http://schemas.openxmlformats.org/presentationml/2006/main">
-  <p:cSld>
-    <p:spTree>
-      <p:nvGrpSpPr>
-        <p:cNvPr id="1" name=""/>
-        <p:cNvGrpSpPr/>
-        <p:nvPr/>
-      </p:nvGrpSpPr>
-      <p:grpSpPr>
-        <a:xfrm>
-          <a:off x="0" y="0"/>
-          <a:ext cx="0" cy="0"/>
-          <a:chOff x="0" y="0"/>
-          <a:chExt cx="0" cy="0"/>
-        </a:xfrm>
-      </p:grpSpPr>
-      <p:sp>
-        <p:nvSpPr>
-          <p:cNvPr id="2" name="Title 1">
-            <a:extLst>
-              <a:ext uri="{FF2B5EF4-FFF2-40B4-BE49-F238E27FC236}">
-                <a16:creationId xmlns:a16="http://schemas.microsoft.com/office/drawing/2014/main" id="{94A73AEC-6B80-6828-0DB8-67B7018FE95F}"/>
-              </a:ext>
-            </a:extLst>
-          </p:cNvPr>
-          <p:cNvSpPr>
-            <a:spLocks noGrp="1"/>
-          </p:cNvSpPr>
-          <p:nvPr>
-            <p:ph type="title"/>
-          </p:nvPr>
-        </p:nvSpPr>
-        <p:spPr/>
-        <p:txBody>
-          <a:bodyPr/>
-          <a:lstStyle/>
-          <a:p>
-            <a:r>
-              <a:rPr lang="en-US" dirty="0"/>
-              <a:t>SQL: Describe The Shape of the result!</a:t>
-            </a:r>
-          </a:p>
-        </p:txBody>
-      </p:sp>
-      <p:pic>
-        <p:nvPicPr>
-          <p:cNvPr id="4" name="Google Shape;286;p20">
-            <a:extLst>
-              <a:ext uri="{FF2B5EF4-FFF2-40B4-BE49-F238E27FC236}">
-                <a16:creationId xmlns:a16="http://schemas.microsoft.com/office/drawing/2014/main" id="{CC61378C-E92B-43AD-90E0-14645E0EFA1F}"/>
-              </a:ext>
-            </a:extLst>
-          </p:cNvPr>
-          <p:cNvPicPr preferRelativeResize="0">
-            <a:picLocks noGrp="1"/>
-          </p:cNvPicPr>
-          <p:nvPr>
-            <p:ph idx="1"/>
-          </p:nvPr>
-        </p:nvPicPr>
-        <p:blipFill rotWithShape="1">
-          <a:blip r:embed="rId2">
-            <a:alphaModFix/>
-          </a:blip>
-          <a:srcRect/>
-          <a:stretch/>
-        </p:blipFill>
-        <p:spPr>
-          <a:xfrm>
-            <a:off x="1576277" y="800100"/>
-            <a:ext cx="5991446" cy="3943350"/>
-          </a:xfrm>
-          <a:prstGeom prst="rect">
-            <a:avLst/>
-          </a:prstGeom>
-          <a:noFill/>
-          <a:ln>
-            <a:noFill/>
-          </a:ln>
-        </p:spPr>
-      </p:pic>
-    </p:spTree>
-    <p:extLst>
-      <p:ext uri="{BB962C8B-B14F-4D97-AF65-F5344CB8AC3E}">
-        <p14:creationId xmlns:p14="http://schemas.microsoft.com/office/powerpoint/2010/main" val="1025862944"/>
-      </p:ext>
-    </p:extLst>
-  </p:cSld>
-  <p:clrMapOvr>
-    <a:masterClrMapping/>
-  </p:clrMapOvr>
-</p:sld>
-</file>
-
-<file path=ppt/slides/slide23.xml><?xml version="1.0" encoding="utf-8"?>
-<p:sld xmlns:a="http://schemas.openxmlformats.org/drawingml/2006/main" xmlns:r="http://schemas.openxmlformats.org/officeDocument/2006/relationships" xmlns:p="http://schemas.openxmlformats.org/presentationml/2006/main">
-  <p:cSld>
-    <p:spTree>
-      <p:nvGrpSpPr>
-        <p:cNvPr id="1" name=""/>
-        <p:cNvGrpSpPr/>
-        <p:nvPr/>
-      </p:nvGrpSpPr>
-      <p:grpSpPr>
-        <a:xfrm>
-          <a:off x="0" y="0"/>
-          <a:ext cx="0" cy="0"/>
-          <a:chOff x="0" y="0"/>
-          <a:chExt cx="0" cy="0"/>
-        </a:xfrm>
-      </p:grpSpPr>
-      <p:sp>
-        <p:nvSpPr>
-          <p:cNvPr id="2" name="Title 1">
-            <a:extLst>
-              <a:ext uri="{FF2B5EF4-FFF2-40B4-BE49-F238E27FC236}">
-                <a16:creationId xmlns:a16="http://schemas.microsoft.com/office/drawing/2014/main" id="{B47401C5-144F-28EE-D5DB-D3878A9B33D1}"/>
-              </a:ext>
-            </a:extLst>
-          </p:cNvPr>
-          <p:cNvSpPr>
-            <a:spLocks noGrp="1"/>
-          </p:cNvSpPr>
-          <p:nvPr>
-            <p:ph type="title"/>
-          </p:nvPr>
-        </p:nvSpPr>
-        <p:spPr/>
-        <p:txBody>
-          <a:bodyPr/>
-          <a:lstStyle/>
-          <a:p>
-            <a:r>
-              <a:rPr lang="en-US" dirty="0"/>
-              <a:t>What if I want a table with just a few rows?</a:t>
-            </a:r>
-          </a:p>
-        </p:txBody>
-      </p:sp>
-      <p:sp>
-        <p:nvSpPr>
-          <p:cNvPr id="3" name="Content Placeholder 2">
-            <a:extLst>
-              <a:ext uri="{FF2B5EF4-FFF2-40B4-BE49-F238E27FC236}">
-                <a16:creationId xmlns:a16="http://schemas.microsoft.com/office/drawing/2014/main" id="{1E250CE5-3F67-8E07-88DB-608F62881622}"/>
-              </a:ext>
-            </a:extLst>
-          </p:cNvPr>
-          <p:cNvSpPr>
-            <a:spLocks noGrp="1"/>
-          </p:cNvSpPr>
-          <p:nvPr>
-            <p:ph idx="1"/>
-          </p:nvPr>
-        </p:nvSpPr>
-        <p:spPr/>
-        <p:txBody>
-          <a:bodyPr/>
-          <a:lstStyle/>
-          <a:p>
-            <a:r>
-              <a:rPr lang="en-US" dirty="0"/>
-              <a:t> Here the `where()` in Python is using the </a:t>
-            </a:r>
-            <a:r>
-              <a:rPr lang="en-US" dirty="0" err="1"/>
-              <a:t>datascience</a:t>
-            </a:r>
-            <a:r>
-              <a:rPr lang="en-US" dirty="0"/>
-              <a:t> module.</a:t>
-            </a:r>
-          </a:p>
-        </p:txBody>
-      </p:sp>
-      <p:pic>
-        <p:nvPicPr>
-          <p:cNvPr id="4" name="Google Shape;375;p28">
-            <a:extLst>
-              <a:ext uri="{FF2B5EF4-FFF2-40B4-BE49-F238E27FC236}">
-                <a16:creationId xmlns:a16="http://schemas.microsoft.com/office/drawing/2014/main" id="{1841B6CC-B049-99D3-C318-4C23CFAEA6D9}"/>
-              </a:ext>
-            </a:extLst>
-          </p:cNvPr>
-          <p:cNvPicPr preferRelativeResize="0"/>
-          <p:nvPr/>
-        </p:nvPicPr>
-        <p:blipFill rotWithShape="1">
-          <a:blip r:embed="rId2">
-            <a:alphaModFix/>
-          </a:blip>
-          <a:srcRect/>
-          <a:stretch/>
-        </p:blipFill>
-        <p:spPr>
-          <a:xfrm>
-            <a:off x="180938" y="2771775"/>
-            <a:ext cx="4422197" cy="1163669"/>
-          </a:xfrm>
-          <a:prstGeom prst="rect">
-            <a:avLst/>
-          </a:prstGeom>
-          <a:noFill/>
-          <a:ln w="9525" cap="flat" cmpd="sng">
-            <a:solidFill>
-              <a:srgbClr val="0A51FB"/>
-            </a:solidFill>
-            <a:prstDash val="solid"/>
-            <a:round/>
-            <a:headEnd type="none" w="sm" len="sm"/>
-            <a:tailEnd type="none" w="sm" len="sm"/>
-          </a:ln>
-        </p:spPr>
-      </p:pic>
-      <p:pic>
-        <p:nvPicPr>
-          <p:cNvPr id="5" name="Google Shape;376;p28">
-            <a:extLst>
-              <a:ext uri="{FF2B5EF4-FFF2-40B4-BE49-F238E27FC236}">
-                <a16:creationId xmlns:a16="http://schemas.microsoft.com/office/drawing/2014/main" id="{407E40E5-E8C7-3C42-9A8E-D2706028FB8B}"/>
-              </a:ext>
-            </a:extLst>
-          </p:cNvPr>
-          <p:cNvPicPr preferRelativeResize="0"/>
-          <p:nvPr/>
-        </p:nvPicPr>
-        <p:blipFill rotWithShape="1">
-          <a:blip r:embed="rId3">
-            <a:alphaModFix/>
-          </a:blip>
-          <a:srcRect/>
-          <a:stretch/>
-        </p:blipFill>
-        <p:spPr>
-          <a:xfrm>
-            <a:off x="4603135" y="1448011"/>
-            <a:ext cx="4540865" cy="3371639"/>
-          </a:xfrm>
-          <a:prstGeom prst="rect">
-            <a:avLst/>
-          </a:prstGeom>
-          <a:noFill/>
-          <a:ln w="9525" cap="flat" cmpd="sng">
-            <a:solidFill>
-              <a:srgbClr val="0A51FB"/>
-            </a:solidFill>
-            <a:prstDash val="solid"/>
-            <a:round/>
-            <a:headEnd type="none" w="sm" len="sm"/>
-            <a:tailEnd type="none" w="sm" len="sm"/>
-          </a:ln>
-        </p:spPr>
-      </p:pic>
-    </p:spTree>
-    <p:extLst>
-      <p:ext uri="{BB962C8B-B14F-4D97-AF65-F5344CB8AC3E}">
-        <p14:creationId xmlns:p14="http://schemas.microsoft.com/office/powerpoint/2010/main" val="1506146154"/>
-      </p:ext>
-    </p:extLst>
-  </p:cSld>
-  <p:clrMapOvr>
-    <a:masterClrMapping/>
-  </p:clrMapOvr>
-</p:sld>
-</file>
-
-<file path=ppt/slides/slide24.xml><?xml version="1.0" encoding="utf-8"?>
-<p:sld xmlns:a="http://schemas.openxmlformats.org/drawingml/2006/main" xmlns:r="http://schemas.openxmlformats.org/officeDocument/2006/relationships" xmlns:p="http://schemas.openxmlformats.org/presentationml/2006/main">
-  <p:cSld>
-    <p:spTree>
-      <p:nvGrpSpPr>
-        <p:cNvPr id="1" name=""/>
-        <p:cNvGrpSpPr/>
-        <p:nvPr/>
-      </p:nvGrpSpPr>
-      <p:grpSpPr>
-        <a:xfrm>
-          <a:off x="0" y="0"/>
-          <a:ext cx="0" cy="0"/>
-          <a:chOff x="0" y="0"/>
-          <a:chExt cx="0" cy="0"/>
-        </a:xfrm>
-      </p:grpSpPr>
-      <p:sp>
-        <p:nvSpPr>
-          <p:cNvPr id="2" name="Title 1">
-            <a:extLst>
-              <a:ext uri="{FF2B5EF4-FFF2-40B4-BE49-F238E27FC236}">
-                <a16:creationId xmlns:a16="http://schemas.microsoft.com/office/drawing/2014/main" id="{BC8F04D6-F312-9E6C-7619-0E439ECB6F42}"/>
-              </a:ext>
-            </a:extLst>
-          </p:cNvPr>
-          <p:cNvSpPr>
-            <a:spLocks noGrp="1"/>
-          </p:cNvSpPr>
-          <p:nvPr>
-            <p:ph type="title"/>
-          </p:nvPr>
-        </p:nvSpPr>
-        <p:spPr/>
-        <p:txBody>
-          <a:bodyPr/>
-          <a:lstStyle/>
-          <a:p>
-            <a:r>
-              <a:rPr lang="en-US" dirty="0"/>
-              <a:t>Summary</a:t>
-            </a:r>
-          </a:p>
-        </p:txBody>
-      </p:sp>
-      <p:sp>
-        <p:nvSpPr>
-          <p:cNvPr id="3" name="Content Placeholder 2">
-            <a:extLst>
-              <a:ext uri="{FF2B5EF4-FFF2-40B4-BE49-F238E27FC236}">
-                <a16:creationId xmlns:a16="http://schemas.microsoft.com/office/drawing/2014/main" id="{DE036FB0-FB4F-615B-FFCC-25C5AF8C7416}"/>
-              </a:ext>
-            </a:extLst>
-          </p:cNvPr>
-          <p:cNvSpPr>
-            <a:spLocks noGrp="1"/>
-          </p:cNvSpPr>
-          <p:nvPr>
-            <p:ph idx="1"/>
-          </p:nvPr>
-        </p:nvSpPr>
-        <p:spPr/>
-        <p:txBody>
-          <a:bodyPr/>
-          <a:lstStyle/>
-          <a:p>
-            <a:r>
-              <a:rPr lang="en-US" dirty="0"/>
-              <a:t> Paradigms are styles, guidelines for how to approach a program</a:t>
-            </a:r>
-          </a:p>
-          <a:p>
-            <a:r>
-              <a:rPr lang="en-US" dirty="0"/>
-              <a:t> Each is equally capable, but some are suited best to particular tasks.</a:t>
-            </a:r>
-          </a:p>
-          <a:p>
-            <a:r>
-              <a:rPr lang="en-US" dirty="0"/>
-              <a:t> Declarative programming gets us to think about the </a:t>
-            </a:r>
-            <a:r>
-              <a:rPr lang="en-US" i="1" dirty="0"/>
-              <a:t>what</a:t>
-            </a:r>
-            <a:r>
-              <a:rPr lang="en-US" dirty="0"/>
-              <a:t> rather than the </a:t>
-            </a:r>
-            <a:r>
-              <a:rPr lang="en-US" i="1" dirty="0"/>
-              <a:t>how.</a:t>
-            </a:r>
-            <a:endParaRPr lang="en-US" dirty="0"/>
-          </a:p>
-        </p:txBody>
-      </p:sp>
-    </p:spTree>
-    <p:extLst>
-      <p:ext uri="{BB962C8B-B14F-4D97-AF65-F5344CB8AC3E}">
-        <p14:creationId xmlns:p14="http://schemas.microsoft.com/office/powerpoint/2010/main" val="2273196154"/>
-      </p:ext>
-    </p:extLst>
-  </p:cSld>
-  <p:clrMapOvr>
-    <a:masterClrMapping/>
-  </p:clrMapOvr>
-</p:sld>
-</file>
-
-<file path=ppt/slides/slide3.xml><?xml version="1.0" encoding="utf-8"?>
-<p:sld xmlns:a="http://schemas.openxmlformats.org/drawingml/2006/main" xmlns:r="http://schemas.openxmlformats.org/officeDocument/2006/relationships" xmlns:p="http://schemas.openxmlformats.org/presentationml/2006/main">
-  <p:cSld>
-    <p:spTree>
-      <p:nvGrpSpPr>
-        <p:cNvPr id="1" name="Shape 61"/>
-        <p:cNvGrpSpPr/>
-        <p:nvPr/>
-      </p:nvGrpSpPr>
-      <p:grpSpPr>
-        <a:xfrm>
-          <a:off x="0" y="0"/>
-          <a:ext cx="0" cy="0"/>
-          <a:chOff x="0" y="0"/>
-          <a:chExt cx="0" cy="0"/>
-        </a:xfrm>
-      </p:grpSpPr>
-      <p:sp>
-        <p:nvSpPr>
-          <p:cNvPr id="62" name="Google Shape;62;p13"/>
-          <p:cNvSpPr txBox="1">
-            <a:spLocks noGrp="1"/>
-          </p:cNvSpPr>
-          <p:nvPr>
-            <p:ph type="title"/>
-          </p:nvPr>
-        </p:nvSpPr>
-        <p:spPr/>
-        <p:txBody>
-          <a:bodyPr/>
-          <a:lstStyle/>
-          <a:p>
-            <a:pPr lvl="0"/>
-            <a:r>
-              <a:rPr lang="en-US"/>
-              <a:t>Why?</a:t>
-            </a:r>
-          </a:p>
-        </p:txBody>
-      </p:sp>
-      <p:sp>
-        <p:nvSpPr>
-          <p:cNvPr id="63" name="Google Shape;63;p13"/>
-          <p:cNvSpPr txBox="1">
-            <a:spLocks noGrp="1"/>
-          </p:cNvSpPr>
-          <p:nvPr>
-            <p:ph idx="1"/>
-          </p:nvPr>
-        </p:nvSpPr>
-        <p:spPr/>
-        <p:txBody>
-          <a:bodyPr/>
-          <a:lstStyle/>
-          <a:p>
-            <a:pPr lvl="0"/>
-            <a:r>
-              <a:rPr lang="en-US" dirty="0"/>
-              <a:t> Understanding the paradigm helps you understand the intent  of the programmer</a:t>
-            </a:r>
-          </a:p>
-          <a:p>
-            <a:pPr lvl="0"/>
-            <a:r>
-              <a:rPr lang="en-US" dirty="0"/>
-              <a:t> Pick the right tool for the job!</a:t>
-            </a:r>
-          </a:p>
-          <a:p>
-            <a:pPr lvl="0"/>
-            <a:r>
-              <a:rPr lang="en-US" dirty="0"/>
-              <a:t> Most programs written today are multi-paradigm</a:t>
-            </a:r>
-          </a:p>
-          <a:p>
-            <a:pPr lvl="1"/>
-            <a:r>
-              <a:rPr lang="en-US" dirty="0"/>
-              <a:t>They mix and match the style</a:t>
-            </a:r>
-          </a:p>
-        </p:txBody>
-      </p:sp>
-    </p:spTree>
-  </p:cSld>
-  <p:clrMapOvr>
-    <a:masterClrMapping/>
-  </p:clrMapOvr>
-</p:sld>
-</file>
-
-<file path=ppt/slides/slide4.xml><?xml version="1.0" encoding="utf-8"?>
-<p:sld xmlns:a="http://schemas.openxmlformats.org/drawingml/2006/main" xmlns:r="http://schemas.openxmlformats.org/officeDocument/2006/relationships" xmlns:p="http://schemas.openxmlformats.org/presentationml/2006/main">
-  <p:cSld>
-    <p:spTree>
-      <p:nvGrpSpPr>
-        <p:cNvPr id="1" name="Shape 67"/>
-        <p:cNvGrpSpPr/>
-        <p:nvPr/>
-      </p:nvGrpSpPr>
-      <p:grpSpPr>
-        <a:xfrm>
-          <a:off x="0" y="0"/>
-          <a:ext cx="0" cy="0"/>
-          <a:chOff x="0" y="0"/>
-          <a:chExt cx="0" cy="0"/>
-        </a:xfrm>
-      </p:grpSpPr>
-      <p:sp>
-        <p:nvSpPr>
-          <p:cNvPr id="68" name="Google Shape;68;p14"/>
-          <p:cNvSpPr txBox="1">
-            <a:spLocks noGrp="1"/>
-          </p:cNvSpPr>
-          <p:nvPr>
-            <p:ph type="title"/>
-          </p:nvPr>
-        </p:nvSpPr>
-        <p:spPr/>
-        <p:txBody>
-          <a:bodyPr/>
-          <a:lstStyle/>
-          <a:p>
-            <a:pPr lvl="0"/>
-            <a:r>
-              <a:rPr lang="en-US"/>
-              <a:t>Word of Warning</a:t>
-            </a:r>
-          </a:p>
-        </p:txBody>
-      </p:sp>
-      <p:sp>
-        <p:nvSpPr>
-          <p:cNvPr id="69" name="Google Shape;69;p14"/>
-          <p:cNvSpPr txBox="1">
-            <a:spLocks noGrp="1"/>
-          </p:cNvSpPr>
-          <p:nvPr>
-            <p:ph idx="1"/>
-          </p:nvPr>
-        </p:nvSpPr>
-        <p:spPr/>
-        <p:txBody>
-          <a:bodyPr/>
-          <a:lstStyle/>
-          <a:p>
-            <a:pPr lvl="0"/>
-            <a:r>
-              <a:rPr lang="en-US" sz="2000" dirty="0"/>
-              <a:t>There is no universally agreed upon taxonomy of human programming styles.</a:t>
-            </a:r>
-          </a:p>
-          <a:p>
-            <a:pPr lvl="0"/>
-            <a:endParaRPr lang="en-US" sz="2000" dirty="0"/>
-          </a:p>
-          <a:p>
-            <a:pPr marL="0" lvl="0" indent="0">
-              <a:buNone/>
-            </a:pPr>
-            <a:r>
-              <a:rPr lang="en-US" sz="2000" dirty="0"/>
-              <a:t>One possible list:</a:t>
-            </a:r>
-          </a:p>
-          <a:p>
-            <a:pPr lvl="0"/>
-            <a:r>
-              <a:rPr lang="en-US" sz="2000" dirty="0"/>
-              <a:t> Imperative</a:t>
-            </a:r>
-          </a:p>
-          <a:p>
-            <a:pPr lvl="0"/>
-            <a:r>
-              <a:rPr lang="en-US" sz="2000" dirty="0"/>
-              <a:t> Functional</a:t>
-            </a:r>
-          </a:p>
-          <a:p>
-            <a:pPr lvl="0"/>
-            <a:r>
-              <a:rPr lang="en-US" sz="2000" dirty="0"/>
-              <a:t> Array-based</a:t>
-            </a:r>
-          </a:p>
-          <a:p>
-            <a:pPr lvl="0"/>
-            <a:r>
-              <a:rPr lang="en-US" sz="2000" dirty="0"/>
-              <a:t> Object oriented</a:t>
-            </a:r>
-          </a:p>
-          <a:p>
-            <a:pPr lvl="0"/>
-            <a:r>
-              <a:rPr lang="en-US" sz="2000" dirty="0"/>
-              <a:t> Declarative</a:t>
-            </a:r>
-          </a:p>
-          <a:p>
-            <a:pPr marL="0" lvl="0" indent="0">
-              <a:buNone/>
-            </a:pPr>
-            <a:r>
-              <a:rPr lang="en-US" sz="2000" dirty="0"/>
-              <a:t>These terms are a bit fluid, and as you’ll see if you </a:t>
-            </a:r>
-            <a:r>
-              <a:rPr lang="en-US" sz="2000" dirty="0">
-                <a:hlinkClick r:id="rId3"/>
-              </a:rPr>
-              <a:t>read more on wikipedia</a:t>
-            </a:r>
-            <a:r>
-              <a:rPr lang="en-US" sz="2000" dirty="0"/>
-              <a:t>, there is substantial disagreement about these terms.</a:t>
-            </a:r>
-            <a:br>
-              <a:rPr lang="en-US" sz="2000" dirty="0"/>
-            </a:br>
-            <a:endParaRPr lang="en-US" sz="2000" dirty="0"/>
-          </a:p>
-        </p:txBody>
-      </p:sp>
-    </p:spTree>
-  </p:cSld>
-  <p:clrMapOvr>
-    <a:masterClrMapping/>
-  </p:clrMapOvr>
-</p:sld>
-</file>
-
-<file path=ppt/slides/slide5.xml><?xml version="1.0" encoding="utf-8"?>
-<p:sld xmlns:a="http://schemas.openxmlformats.org/drawingml/2006/main" xmlns:r="http://schemas.openxmlformats.org/officeDocument/2006/relationships" xmlns:p="http://schemas.openxmlformats.org/presentationml/2006/main">
-  <p:cSld>
-    <p:spTree>
-      <p:nvGrpSpPr>
-        <p:cNvPr id="1" name="Shape 73"/>
-        <p:cNvGrpSpPr/>
-        <p:nvPr/>
-      </p:nvGrpSpPr>
-      <p:grpSpPr>
-        <a:xfrm>
-          <a:off x="0" y="0"/>
-          <a:ext cx="0" cy="0"/>
-          <a:chOff x="0" y="0"/>
-          <a:chExt cx="0" cy="0"/>
-        </a:xfrm>
-      </p:grpSpPr>
-      <p:sp>
-        <p:nvSpPr>
-          <p:cNvPr id="74" name="Google Shape;74;p15"/>
-          <p:cNvSpPr txBox="1">
-            <a:spLocks noGrp="1"/>
-          </p:cNvSpPr>
-          <p:nvPr>
-            <p:ph type="title"/>
-          </p:nvPr>
-        </p:nvSpPr>
-        <p:spPr/>
-        <p:txBody>
-          <a:bodyPr/>
-          <a:lstStyle/>
-          <a:p>
-            <a:pPr lvl="0"/>
-            <a:r>
-              <a:rPr lang="en-US"/>
-              <a:t>Programming Paradigms</a:t>
-            </a:r>
-          </a:p>
-        </p:txBody>
-      </p:sp>
-      <p:sp>
-        <p:nvSpPr>
-          <p:cNvPr id="75" name="Google Shape;75;p15"/>
-          <p:cNvSpPr txBox="1">
-            <a:spLocks noGrp="1"/>
-          </p:cNvSpPr>
-          <p:nvPr>
-            <p:ph idx="1"/>
-          </p:nvPr>
-        </p:nvSpPr>
-        <p:spPr/>
-        <p:txBody>
-          <a:bodyPr/>
-          <a:lstStyle/>
-          <a:p>
-            <a:pPr lvl="0"/>
-            <a:r>
-              <a:rPr lang="en-US" sz="2000" dirty="0"/>
-              <a:t>Example, three very different approaches to squaring list:</a:t>
-            </a:r>
-          </a:p>
-          <a:p>
-            <a:pPr lvl="0"/>
-            <a:r>
-              <a:rPr lang="en-US" sz="2000" dirty="0"/>
-              <a:t>Functional: map(lambda x: x*x, [1, 2, 3])</a:t>
-            </a:r>
-          </a:p>
-          <a:p>
-            <a:pPr lvl="0"/>
-            <a:endParaRPr lang="en-US" sz="2000" dirty="0"/>
-          </a:p>
-          <a:p>
-            <a:pPr lvl="0"/>
-            <a:r>
-              <a:rPr lang="en-US" sz="2000" dirty="0"/>
-              <a:t>Array-based:  [1, 2, 3] * [1, 2, 3] → [1, 4, 9] # Not Python!</a:t>
-            </a:r>
-          </a:p>
-          <a:p>
-            <a:pPr lvl="0"/>
-            <a:endParaRPr lang="en-US" sz="2000" dirty="0"/>
-          </a:p>
-          <a:p>
-            <a:pPr lvl="0"/>
-            <a:r>
-              <a:rPr lang="en-US" sz="2000" dirty="0"/>
-              <a:t>Imperative:</a:t>
-            </a:r>
-          </a:p>
-          <a:p>
-            <a:pPr marL="0" lvl="0" indent="0">
-              <a:buNone/>
-            </a:pPr>
-            <a:r>
-              <a:rPr lang="en-US" sz="2000" dirty="0">
-                <a:latin typeface="Source Code Pro" panose="020B0509030403020204" pitchFamily="49" charset="77"/>
-              </a:rPr>
-              <a:t> def square(</a:t>
-            </a:r>
-            <a:r>
-              <a:rPr lang="en-US" sz="2000" dirty="0" err="1">
-                <a:latin typeface="Source Code Pro" panose="020B0509030403020204" pitchFamily="49" charset="77"/>
-              </a:rPr>
-              <a:t>nums</a:t>
-            </a:r>
-            <a:r>
-              <a:rPr lang="en-US" sz="2000" dirty="0">
-                <a:latin typeface="Source Code Pro" panose="020B0509030403020204" pitchFamily="49" charset="77"/>
-              </a:rPr>
-              <a:t>):</a:t>
-            </a:r>
-          </a:p>
-          <a:p>
-            <a:pPr marL="0" lvl="0" indent="0">
-              <a:buNone/>
-            </a:pPr>
-            <a:r>
-              <a:rPr lang="en-US" sz="2000" dirty="0">
-                <a:latin typeface="Source Code Pro" panose="020B0509030403020204" pitchFamily="49" charset="77"/>
-              </a:rPr>
-              <a:t>     result = []</a:t>
-            </a:r>
-          </a:p>
-          <a:p>
-            <a:pPr marL="0" lvl="0" indent="0">
-              <a:buNone/>
-            </a:pPr>
-            <a:r>
-              <a:rPr lang="en-US" sz="2000" dirty="0">
-                <a:latin typeface="Source Code Pro" panose="020B0509030403020204" pitchFamily="49" charset="77"/>
-              </a:rPr>
-              <a:t>     for num in </a:t>
-            </a:r>
-            <a:r>
-              <a:rPr lang="en-US" sz="2000" dirty="0" err="1">
-                <a:latin typeface="Source Code Pro" panose="020B0509030403020204" pitchFamily="49" charset="77"/>
-              </a:rPr>
-              <a:t>nums</a:t>
-            </a:r>
-            <a:r>
-              <a:rPr lang="en-US" sz="2000" dirty="0">
-                <a:latin typeface="Source Code Pro" panose="020B0509030403020204" pitchFamily="49" charset="77"/>
-              </a:rPr>
-              <a:t>:</a:t>
-            </a:r>
-          </a:p>
-          <a:p>
-            <a:pPr marL="0" lvl="0" indent="0">
-              <a:buNone/>
-            </a:pPr>
-            <a:r>
-              <a:rPr lang="en-US" sz="2000" dirty="0">
-                <a:latin typeface="Source Code Pro" panose="020B0509030403020204" pitchFamily="49" charset="77"/>
-              </a:rPr>
-              <a:t>          </a:t>
-            </a:r>
-            <a:r>
-              <a:rPr lang="en-US" sz="2000" dirty="0" err="1">
-                <a:latin typeface="Source Code Pro" panose="020B0509030403020204" pitchFamily="49" charset="77"/>
-              </a:rPr>
-              <a:t>result.append</a:t>
-            </a:r>
-            <a:r>
-              <a:rPr lang="en-US" sz="2000" dirty="0">
-                <a:latin typeface="Source Code Pro" panose="020B0509030403020204" pitchFamily="49" charset="77"/>
-              </a:rPr>
-              <a:t>(num * num)</a:t>
-            </a:r>
-          </a:p>
-          <a:p>
-            <a:pPr marL="0" lvl="0" indent="0">
-              <a:buNone/>
-            </a:pPr>
-            <a:r>
-              <a:rPr lang="en-US" sz="2000" dirty="0">
-                <a:latin typeface="Source Code Pro" panose="020B0509030403020204" pitchFamily="49" charset="77"/>
-              </a:rPr>
-              <a:t>    return result</a:t>
-            </a:r>
-          </a:p>
-        </p:txBody>
-      </p:sp>
-    </p:spTree>
-  </p:cSld>
-  <p:clrMapOvr>
-    <a:masterClrMapping/>
-  </p:clrMapOvr>
-</p:sld>
-</file>
-
-<file path=ppt/slides/slide6.xml><?xml version="1.0" encoding="utf-8"?>
-<p:sld xmlns:a="http://schemas.openxmlformats.org/drawingml/2006/main" xmlns:r="http://schemas.openxmlformats.org/officeDocument/2006/relationships" xmlns:p="http://schemas.openxmlformats.org/presentationml/2006/main">
-  <p:cSld>
-    <p:spTree>
-      <p:nvGrpSpPr>
-        <p:cNvPr id="1" name="Shape 82"/>
-        <p:cNvGrpSpPr/>
-        <p:nvPr/>
-      </p:nvGrpSpPr>
-      <p:grpSpPr>
-        <a:xfrm>
-          <a:off x="0" y="0"/>
-          <a:ext cx="0" cy="0"/>
-          <a:chOff x="0" y="0"/>
-          <a:chExt cx="0" cy="0"/>
-        </a:xfrm>
-      </p:grpSpPr>
-      <p:sp>
-        <p:nvSpPr>
-          <p:cNvPr id="83" name="Google Shape;83;p16"/>
-          <p:cNvSpPr txBox="1">
-            <a:spLocks noGrp="1"/>
-          </p:cNvSpPr>
-          <p:nvPr>
-            <p:ph type="title"/>
-          </p:nvPr>
-        </p:nvSpPr>
-        <p:spPr/>
-        <p:txBody>
-          <a:bodyPr/>
-          <a:lstStyle/>
-          <a:p>
-            <a:pPr lvl="0"/>
-            <a:r>
-              <a:rPr lang="en-US"/>
-              <a:t>The Imperative Programming Paradigm</a:t>
-            </a:r>
-          </a:p>
-        </p:txBody>
-      </p:sp>
-      <p:sp>
-        <p:nvSpPr>
-          <p:cNvPr id="84" name="Google Shape;84;p16"/>
-          <p:cNvSpPr txBox="1">
-            <a:spLocks noGrp="1"/>
-          </p:cNvSpPr>
-          <p:nvPr>
-            <p:ph idx="1"/>
-          </p:nvPr>
-        </p:nvSpPr>
-        <p:spPr/>
-        <p:txBody>
-          <a:bodyPr/>
-          <a:lstStyle/>
-          <a:p>
-            <a:pPr lvl="0"/>
-            <a:r>
-              <a:rPr lang="en-US" dirty="0"/>
-              <a:t> An imperative program provides a sequence of steps.</a:t>
-            </a:r>
-          </a:p>
-          <a:p>
-            <a:pPr lvl="0"/>
-            <a:r>
-              <a:rPr lang="en-US" dirty="0"/>
-              <a:t> Like following a recipe.</a:t>
-            </a:r>
-          </a:p>
-          <a:p>
-            <a:pPr lvl="0"/>
-            <a:r>
-              <a:rPr lang="en-US" dirty="0"/>
-              <a:t> Assignment is allowed (can set variables).</a:t>
-            </a:r>
-          </a:p>
-          <a:p>
-            <a:pPr lvl="0"/>
-            <a:r>
-              <a:rPr lang="en-US" dirty="0"/>
-              <a:t> Mutation is allowed (can change variables).</a:t>
-            </a:r>
-          </a:p>
-          <a:p>
-            <a:pPr lvl="0"/>
-            <a:r>
-              <a:rPr lang="en-US" dirty="0"/>
-              <a:t> Example (acronym): </a:t>
-            </a:r>
-          </a:p>
-          <a:p>
-            <a:pPr lvl="0"/>
-            <a:endParaRPr lang="en-US" dirty="0"/>
-          </a:p>
-          <a:p>
-            <a:pPr lvl="0"/>
-            <a:endParaRPr lang="en-US" dirty="0"/>
-          </a:p>
-        </p:txBody>
-      </p:sp>
-      <p:sp>
-        <p:nvSpPr>
-          <p:cNvPr id="7" name="TextBox 6">
-            <a:extLst>
-              <a:ext uri="{FF2B5EF4-FFF2-40B4-BE49-F238E27FC236}">
-                <a16:creationId xmlns:a16="http://schemas.microsoft.com/office/drawing/2014/main" id="{0FB308FD-1046-928A-9885-DCE27BE96C9F}"/>
-              </a:ext>
-            </a:extLst>
-          </p:cNvPr>
-          <p:cNvSpPr txBox="1"/>
-          <p:nvPr/>
-        </p:nvSpPr>
-        <p:spPr>
-          <a:xfrm>
-            <a:off x="3171832" y="2657477"/>
-            <a:ext cx="5857875" cy="2031325"/>
-          </a:xfrm>
-          <a:prstGeom prst="rect">
-            <a:avLst/>
-          </a:prstGeom>
-          <a:noFill/>
-        </p:spPr>
-        <p:txBody>
-          <a:bodyPr wrap="square">
-            <a:spAutoFit/>
-          </a:bodyPr>
-          <a:lstStyle/>
-          <a:p>
-            <a:r>
-              <a:rPr lang="en-US" sz="1800" b="0" dirty="0">
-                <a:solidFill>
-                  <a:schemeClr val="tx1"/>
-                </a:solidFill>
-                <a:effectLst/>
-                <a:latin typeface="SourceCodePro-Light" panose="020B0509030403020204" pitchFamily="49" charset="77"/>
-              </a:rPr>
-              <a:t>def </a:t>
-            </a:r>
-            <a:r>
-              <a:rPr lang="en-US" sz="1800" b="0" dirty="0" err="1">
-                <a:solidFill>
-                  <a:schemeClr val="tx1"/>
-                </a:solidFill>
-                <a:effectLst/>
-                <a:latin typeface="SourceCodePro-Light" panose="020B0509030403020204" pitchFamily="49" charset="77"/>
-              </a:rPr>
-              <a:t>acronym_i</a:t>
-            </a:r>
-            <a:r>
-              <a:rPr lang="en-US" sz="1800" b="0" dirty="0">
-                <a:solidFill>
-                  <a:schemeClr val="tx1"/>
-                </a:solidFill>
-                <a:effectLst/>
-                <a:latin typeface="SourceCodePro-Light" panose="020B0509030403020204" pitchFamily="49" charset="77"/>
-              </a:rPr>
-              <a:t>(words):</a:t>
-            </a:r>
-          </a:p>
-          <a:p>
-            <a:r>
-              <a:rPr lang="en-US" sz="1800" b="0" dirty="0">
-                <a:solidFill>
-                  <a:schemeClr val="tx1"/>
-                </a:solidFill>
-                <a:effectLst/>
-                <a:latin typeface="SourceCodePro-Light" panose="020B0509030403020204" pitchFamily="49" charset="77"/>
-              </a:rPr>
-              <a:t>    result = ''</a:t>
-            </a:r>
-          </a:p>
-          <a:p>
-            <a:r>
-              <a:rPr lang="en-US" sz="1800" b="0" dirty="0">
-                <a:solidFill>
-                  <a:schemeClr val="tx1"/>
-                </a:solidFill>
-                <a:effectLst/>
-                <a:latin typeface="SourceCodePro-Light" panose="020B0509030403020204" pitchFamily="49" charset="77"/>
-              </a:rPr>
-              <a:t>    words = </a:t>
-            </a:r>
-            <a:r>
-              <a:rPr lang="en-US" sz="1800" b="0" dirty="0" err="1">
-                <a:solidFill>
-                  <a:schemeClr val="tx1"/>
-                </a:solidFill>
-                <a:effectLst/>
-                <a:latin typeface="SourceCodePro-Light" panose="020B0509030403020204" pitchFamily="49" charset="77"/>
-              </a:rPr>
-              <a:t>words.split</a:t>
-            </a:r>
-            <a:r>
-              <a:rPr lang="en-US" sz="1800" b="0" dirty="0">
-                <a:solidFill>
-                  <a:schemeClr val="tx1"/>
-                </a:solidFill>
-                <a:effectLst/>
-                <a:latin typeface="SourceCodePro-Light" panose="020B0509030403020204" pitchFamily="49" charset="77"/>
-              </a:rPr>
-              <a:t>(' ')</a:t>
-            </a:r>
-          </a:p>
-          <a:p>
-            <a:r>
-              <a:rPr lang="en-US" sz="1800" b="0" dirty="0">
-                <a:solidFill>
-                  <a:schemeClr val="tx1"/>
-                </a:solidFill>
-                <a:effectLst/>
-                <a:latin typeface="SourceCodePro-Light" panose="020B0509030403020204" pitchFamily="49" charset="77"/>
-              </a:rPr>
-              <a:t>    for word in words:</a:t>
-            </a:r>
-          </a:p>
-          <a:p>
-            <a:r>
-              <a:rPr lang="en-US" sz="1800" b="0" dirty="0">
-                <a:solidFill>
-                  <a:schemeClr val="tx1"/>
-                </a:solidFill>
-                <a:effectLst/>
-                <a:latin typeface="SourceCodePro-Light" panose="020B0509030403020204" pitchFamily="49" charset="77"/>
-              </a:rPr>
-              <a:t>        if </a:t>
-            </a:r>
-            <a:r>
-              <a:rPr lang="en-US" sz="1800" b="0" dirty="0" err="1">
-                <a:solidFill>
-                  <a:schemeClr val="tx1"/>
-                </a:solidFill>
-                <a:effectLst/>
-                <a:latin typeface="SourceCodePro-Light" panose="020B0509030403020204" pitchFamily="49" charset="77"/>
-              </a:rPr>
-              <a:t>len</a:t>
-            </a:r>
-            <a:r>
-              <a:rPr lang="en-US" sz="1800" b="0" dirty="0">
-                <a:solidFill>
-                  <a:schemeClr val="tx1"/>
-                </a:solidFill>
-                <a:effectLst/>
-                <a:latin typeface="SourceCodePro-Light" panose="020B0509030403020204" pitchFamily="49" charset="77"/>
-              </a:rPr>
-              <a:t>(word) &gt; 4:</a:t>
-            </a:r>
-          </a:p>
-          <a:p>
-            <a:r>
-              <a:rPr lang="en-US" sz="1800" b="0" dirty="0">
-                <a:solidFill>
-                  <a:schemeClr val="tx1"/>
-                </a:solidFill>
-                <a:effectLst/>
-                <a:latin typeface="SourceCodePro-Light" panose="020B0509030403020204" pitchFamily="49" charset="77"/>
-              </a:rPr>
-              <a:t>             result += word[0]</a:t>
-            </a:r>
-          </a:p>
-          <a:p>
-            <a:r>
-              <a:rPr lang="en-US" sz="1800" b="0" dirty="0">
-                <a:solidFill>
-                  <a:schemeClr val="tx1"/>
-                </a:solidFill>
-                <a:effectLst/>
-                <a:latin typeface="SourceCodePro-Light" panose="020B0509030403020204" pitchFamily="49" charset="77"/>
-              </a:rPr>
-              <a:t>    return result</a:t>
-            </a:r>
-          </a:p>
-        </p:txBody>
-      </p:sp>
-    </p:spTree>
-  </p:cSld>
-  <p:clrMapOvr>
-    <a:masterClrMapping/>
-  </p:clrMapOvr>
-</p:sld>
-</file>
-
-<file path=ppt/slides/slide7.xml><?xml version="1.0" encoding="utf-8"?>
-<p:sld xmlns:a="http://schemas.openxmlformats.org/drawingml/2006/main" xmlns:r="http://schemas.openxmlformats.org/officeDocument/2006/relationships" xmlns:p="http://schemas.openxmlformats.org/presentationml/2006/main" show="0">
-  <p:cSld>
-    <p:spTree>
-      <p:nvGrpSpPr>
-        <p:cNvPr id="1" name="Shape 82"/>
-        <p:cNvGrpSpPr/>
-        <p:nvPr/>
-      </p:nvGrpSpPr>
-      <p:grpSpPr>
-        <a:xfrm>
-          <a:off x="0" y="0"/>
-          <a:ext cx="0" cy="0"/>
-          <a:chOff x="0" y="0"/>
-          <a:chExt cx="0" cy="0"/>
-        </a:xfrm>
-      </p:grpSpPr>
-      <p:sp>
-        <p:nvSpPr>
-          <p:cNvPr id="83" name="Google Shape;83;p16"/>
-          <p:cNvSpPr txBox="1">
-            <a:spLocks noGrp="1"/>
-          </p:cNvSpPr>
-          <p:nvPr>
-            <p:ph type="title"/>
-          </p:nvPr>
-        </p:nvSpPr>
-        <p:spPr/>
-        <p:txBody>
-          <a:bodyPr/>
-          <a:lstStyle/>
-          <a:p>
-            <a:pPr lvl="0"/>
-            <a:r>
-              <a:rPr lang="en-US"/>
-              <a:t>The Imperative Programming Paradigm</a:t>
-            </a:r>
-          </a:p>
-        </p:txBody>
-      </p:sp>
-      <p:sp>
-        <p:nvSpPr>
-          <p:cNvPr id="84" name="Google Shape;84;p16"/>
-          <p:cNvSpPr txBox="1">
-            <a:spLocks noGrp="1"/>
-          </p:cNvSpPr>
-          <p:nvPr>
-            <p:ph idx="1"/>
-          </p:nvPr>
-        </p:nvSpPr>
-        <p:spPr/>
-        <p:txBody>
-          <a:bodyPr/>
-          <a:lstStyle/>
-          <a:p>
-            <a:pPr lvl="0"/>
-            <a:r>
-              <a:rPr lang="en-US" dirty="0"/>
-              <a:t> An imperative program provides a sequence of steps.</a:t>
-            </a:r>
-          </a:p>
-          <a:p>
-            <a:pPr lvl="0"/>
-            <a:r>
-              <a:rPr lang="en-US" dirty="0"/>
-              <a:t> Like following a recipe.</a:t>
-            </a:r>
-          </a:p>
-          <a:p>
-            <a:pPr lvl="0"/>
-            <a:r>
-              <a:rPr lang="en-US" dirty="0"/>
-              <a:t> Assignment is allowed (can set variables).</a:t>
-            </a:r>
-          </a:p>
-          <a:p>
-            <a:pPr lvl="0"/>
-            <a:r>
-              <a:rPr lang="en-US" dirty="0"/>
-              <a:t> Mutation is allowed (can change variables).</a:t>
-            </a:r>
-          </a:p>
-          <a:p>
-            <a:pPr lvl="0"/>
-            <a:r>
-              <a:rPr lang="en-US" dirty="0"/>
-              <a:t>Example (acronym): </a:t>
-            </a:r>
-          </a:p>
-          <a:p>
-            <a:pPr lvl="0"/>
-            <a:endParaRPr lang="en-US" dirty="0"/>
-          </a:p>
-          <a:p>
-            <a:pPr lvl="0"/>
-            <a:endParaRPr lang="en-US" dirty="0"/>
-          </a:p>
-        </p:txBody>
-      </p:sp>
-    </p:spTree>
-    <p:extLst>
-      <p:ext uri="{BB962C8B-B14F-4D97-AF65-F5344CB8AC3E}">
-        <p14:creationId xmlns:p14="http://schemas.microsoft.com/office/powerpoint/2010/main" val="223904209"/>
-      </p:ext>
-    </p:extLst>
-  </p:cSld>
-  <p:clrMapOvr>
-    <a:masterClrMapping/>
-  </p:clrMapOvr>
-</p:sld>
-</file>
-
-<file path=ppt/slides/slide8.xml><?xml version="1.0" encoding="utf-8"?>
-<p:sld xmlns:a="http://schemas.openxmlformats.org/drawingml/2006/main" xmlns:r="http://schemas.openxmlformats.org/officeDocument/2006/relationships" xmlns:p="http://schemas.openxmlformats.org/presentationml/2006/main">
-  <p:cSld>
-    <p:spTree>
-      <p:nvGrpSpPr>
-        <p:cNvPr id="1" name="Shape 89"/>
-        <p:cNvGrpSpPr/>
-        <p:nvPr/>
-      </p:nvGrpSpPr>
-      <p:grpSpPr>
-        <a:xfrm>
-          <a:off x="0" y="0"/>
-          <a:ext cx="0" cy="0"/>
-          <a:chOff x="0" y="0"/>
-          <a:chExt cx="0" cy="0"/>
-        </a:xfrm>
-      </p:grpSpPr>
-      <p:sp>
-        <p:nvSpPr>
-          <p:cNvPr id="90" name="Google Shape;90;p17"/>
-          <p:cNvSpPr txBox="1">
-            <a:spLocks noGrp="1"/>
-          </p:cNvSpPr>
-          <p:nvPr>
-            <p:ph type="title"/>
-          </p:nvPr>
-        </p:nvSpPr>
-        <p:spPr/>
-        <p:txBody>
-          <a:bodyPr/>
-          <a:lstStyle/>
-          <a:p>
-            <a:pPr lvl="0"/>
-            <a:r>
-              <a:rPr lang="en-US"/>
-              <a:t>The Functional Programming Paradigm</a:t>
-            </a:r>
-          </a:p>
-        </p:txBody>
-      </p:sp>
-      <p:sp>
-        <p:nvSpPr>
-          <p:cNvPr id="91" name="Google Shape;91;p17"/>
-          <p:cNvSpPr txBox="1">
-            <a:spLocks noGrp="1"/>
-          </p:cNvSpPr>
-          <p:nvPr>
-            <p:ph idx="1"/>
-          </p:nvPr>
-        </p:nvSpPr>
-        <p:spPr/>
-        <p:txBody>
-          <a:bodyPr/>
-          <a:lstStyle/>
-          <a:p>
-            <a:pPr lvl="0"/>
-            <a:r>
-              <a:rPr lang="en-US" sz="2200" dirty="0"/>
-              <a:t>In functional programming, computation is thought of in terms of the evaluation of functions.</a:t>
-            </a:r>
-          </a:p>
-          <a:p>
-            <a:pPr lvl="0"/>
-            <a:r>
-              <a:rPr lang="en-US" sz="2200" dirty="0"/>
-              <a:t>No state (e.g. variable assignments).</a:t>
-            </a:r>
-          </a:p>
-          <a:p>
-            <a:pPr lvl="0"/>
-            <a:r>
-              <a:rPr lang="en-US" sz="2200" dirty="0"/>
-              <a:t>No mutation (e.g. changing variable values).</a:t>
-            </a:r>
-          </a:p>
-          <a:p>
-            <a:pPr lvl="0"/>
-            <a:r>
-              <a:rPr lang="en-US" sz="2200" dirty="0"/>
-              <a:t>No side effects when functions execute.</a:t>
-            </a:r>
-          </a:p>
-        </p:txBody>
-      </p:sp>
-      <p:sp>
-        <p:nvSpPr>
-          <p:cNvPr id="2" name="TextBox 1">
-            <a:extLst>
-              <a:ext uri="{FF2B5EF4-FFF2-40B4-BE49-F238E27FC236}">
-                <a16:creationId xmlns:a16="http://schemas.microsoft.com/office/drawing/2014/main" id="{6B2C2918-CC84-B529-9498-EBEC185D134F}"/>
-              </a:ext>
-            </a:extLst>
-          </p:cNvPr>
-          <p:cNvSpPr txBox="1"/>
-          <p:nvPr/>
-        </p:nvSpPr>
-        <p:spPr>
-          <a:xfrm>
-            <a:off x="628650" y="2857500"/>
-            <a:ext cx="5957888" cy="1169551"/>
-          </a:xfrm>
-          <a:prstGeom prst="rect">
-            <a:avLst/>
-          </a:prstGeom>
-          <a:noFill/>
-        </p:spPr>
-        <p:txBody>
-          <a:bodyPr wrap="square" rtlCol="0">
-            <a:spAutoFit/>
-          </a:bodyPr>
-          <a:lstStyle/>
-          <a:p>
-            <a:r>
-              <a:rPr lang="en-US" b="0" dirty="0">
-                <a:solidFill>
-                  <a:schemeClr val="tx1"/>
-                </a:solidFill>
-                <a:effectLst/>
-                <a:latin typeface="SourceCodePro-Light" panose="020B0509030403020204" pitchFamily="49" charset="77"/>
-              </a:rPr>
-              <a:t>def </a:t>
-            </a:r>
-            <a:r>
-              <a:rPr lang="en-US" b="0" dirty="0" err="1">
-                <a:solidFill>
-                  <a:schemeClr val="tx1"/>
-                </a:solidFill>
-                <a:effectLst/>
-                <a:latin typeface="SourceCodePro-Light" panose="020B0509030403020204" pitchFamily="49" charset="77"/>
-              </a:rPr>
-              <a:t>acronym_f</a:t>
-            </a:r>
-            <a:r>
-              <a:rPr lang="en-US" b="0" dirty="0">
-                <a:solidFill>
-                  <a:schemeClr val="tx1"/>
-                </a:solidFill>
-                <a:effectLst/>
-                <a:latin typeface="SourceCodePro-Light" panose="020B0509030403020204" pitchFamily="49" charset="77"/>
-              </a:rPr>
-              <a:t>(words):</a:t>
-            </a:r>
-          </a:p>
-          <a:p>
-            <a:r>
-              <a:rPr lang="en-US" b="0" dirty="0">
-                <a:solidFill>
-                  <a:schemeClr val="tx1"/>
-                </a:solidFill>
-                <a:effectLst/>
-                <a:latin typeface="SourceCodePro-Light" panose="020B0509030403020204" pitchFamily="49" charset="77"/>
-              </a:rPr>
-              <a:t>   return reduce(add,</a:t>
-            </a:r>
-          </a:p>
-          <a:p>
-            <a:r>
-              <a:rPr lang="en-US" b="0" dirty="0">
-                <a:solidFill>
-                  <a:schemeClr val="tx1"/>
-                </a:solidFill>
-                <a:effectLst/>
-                <a:latin typeface="SourceCodePro-Light" panose="020B0509030403020204" pitchFamily="49" charset="77"/>
-              </a:rPr>
-              <a:t>              map(lambda w: w[0],</a:t>
-            </a:r>
-          </a:p>
-          <a:p>
-            <a:r>
-              <a:rPr lang="en-US" b="0" dirty="0">
-                <a:solidFill>
-                  <a:schemeClr val="tx1"/>
-                </a:solidFill>
-                <a:effectLst/>
-                <a:latin typeface="SourceCodePro-Light" panose="020B0509030403020204" pitchFamily="49" charset="77"/>
-              </a:rPr>
-              <a:t>                  filter(lambda w: </a:t>
-            </a:r>
-            <a:r>
-              <a:rPr lang="en-US" b="0" dirty="0" err="1">
-                <a:solidFill>
-                  <a:schemeClr val="tx1"/>
-                </a:solidFill>
-                <a:effectLst/>
-                <a:latin typeface="SourceCodePro-Light" panose="020B0509030403020204" pitchFamily="49" charset="77"/>
-              </a:rPr>
-              <a:t>len</a:t>
-            </a:r>
-            <a:r>
-              <a:rPr lang="en-US" b="0" dirty="0">
-                <a:solidFill>
-                  <a:schemeClr val="tx1"/>
-                </a:solidFill>
-                <a:effectLst/>
-                <a:latin typeface="SourceCodePro-Light" panose="020B0509030403020204" pitchFamily="49" charset="77"/>
-              </a:rPr>
-              <a:t>(w) &gt; 3,</a:t>
-            </a:r>
-          </a:p>
-          <a:p>
-            <a:r>
-              <a:rPr lang="en-US" b="0" dirty="0">
-                <a:solidFill>
-                  <a:schemeClr val="tx1"/>
-                </a:solidFill>
-                <a:effectLst/>
-                <a:latin typeface="SourceCodePro-Light" panose="020B0509030403020204" pitchFamily="49" charset="77"/>
-              </a:rPr>
-              <a:t>                       </a:t>
-            </a:r>
-            <a:r>
-              <a:rPr lang="en-US" b="0" dirty="0" err="1">
-                <a:solidFill>
-                  <a:schemeClr val="tx1"/>
-                </a:solidFill>
-                <a:effectLst/>
-                <a:latin typeface="SourceCodePro-Light" panose="020B0509030403020204" pitchFamily="49" charset="77"/>
-              </a:rPr>
-              <a:t>words.split</a:t>
-            </a:r>
-            <a:r>
-              <a:rPr lang="en-US" b="0" dirty="0">
-                <a:solidFill>
-                  <a:schemeClr val="tx1"/>
-                </a:solidFill>
-                <a:effectLst/>
-                <a:latin typeface="SourceCodePro-Light" panose="020B0509030403020204" pitchFamily="49" charset="77"/>
-              </a:rPr>
-              <a:t>(' '))))</a:t>
-            </a:r>
-          </a:p>
-        </p:txBody>
-      </p:sp>
-    </p:spTree>
-    <p:extLst>
-      <p:ext uri="{BB962C8B-B14F-4D97-AF65-F5344CB8AC3E}">
-        <p14:creationId xmlns:p14="http://schemas.microsoft.com/office/powerpoint/2010/main" val="860131092"/>
-      </p:ext>
-    </p:extLst>
-  </p:cSld>
-  <p:clrMapOvr>
-    <a:masterClrMapping/>
-  </p:clrMapOvr>
-</p:sld>
-</file>
-
-<file path=ppt/slides/slide9.xml><?xml version="1.0" encoding="utf-8"?>
 <p:sld xmlns:a="http://schemas.openxmlformats.org/drawingml/2006/main" xmlns:r="http://schemas.openxmlformats.org/officeDocument/2006/relationships" xmlns:p="http://schemas.openxmlformats.org/presentationml/2006/main">
   <p:cSld>
     <p:spTree>
@@ -13131,6 +8560,5140 @@
       </p:par>
     </p:tnLst>
   </p:timing>
+</p:sld>
+</file>
+
+<file path=ppt/slides/slide11.xml><?xml version="1.0" encoding="utf-8"?>
+<p:sld xmlns:a="http://schemas.openxmlformats.org/drawingml/2006/main" xmlns:r="http://schemas.openxmlformats.org/officeDocument/2006/relationships" xmlns:p="http://schemas.openxmlformats.org/presentationml/2006/main">
+  <p:cSld>
+    <p:spTree>
+      <p:nvGrpSpPr>
+        <p:cNvPr id="1" name="Shape 96"/>
+        <p:cNvGrpSpPr/>
+        <p:nvPr/>
+      </p:nvGrpSpPr>
+      <p:grpSpPr>
+        <a:xfrm>
+          <a:off x="0" y="0"/>
+          <a:ext cx="0" cy="0"/>
+          <a:chOff x="0" y="0"/>
+          <a:chExt cx="0" cy="0"/>
+        </a:xfrm>
+      </p:grpSpPr>
+      <p:sp>
+        <p:nvSpPr>
+          <p:cNvPr id="97" name="Google Shape;97;p18"/>
+          <p:cNvSpPr txBox="1">
+            <a:spLocks noGrp="1"/>
+          </p:cNvSpPr>
+          <p:nvPr>
+            <p:ph type="title"/>
+          </p:nvPr>
+        </p:nvSpPr>
+        <p:spPr/>
+        <p:txBody>
+          <a:bodyPr/>
+          <a:lstStyle/>
+          <a:p>
+            <a:pPr lvl="0"/>
+            <a:r>
+              <a:rPr lang="en-US" dirty="0"/>
+              <a:t>A Hybrid Approach</a:t>
+            </a:r>
+          </a:p>
+        </p:txBody>
+      </p:sp>
+      <p:sp>
+        <p:nvSpPr>
+          <p:cNvPr id="98" name="Google Shape;98;p18"/>
+          <p:cNvSpPr txBox="1">
+            <a:spLocks noGrp="1"/>
+          </p:cNvSpPr>
+          <p:nvPr>
+            <p:ph idx="1"/>
+          </p:nvPr>
+        </p:nvSpPr>
+        <p:spPr/>
+        <p:txBody>
+          <a:bodyPr/>
+          <a:lstStyle/>
+          <a:p>
+            <a:pPr lvl="0"/>
+            <a:r>
+              <a:rPr lang="en-US" sz="2000" dirty="0"/>
+              <a:t>These paradigms are not official rules. Just attempts to taxonomize approaches taken by humans.</a:t>
+            </a:r>
+          </a:p>
+          <a:p>
+            <a:pPr lvl="0"/>
+            <a:r>
+              <a:rPr lang="en-US" sz="2000" dirty="0"/>
+              <a:t>Code below is </a:t>
+            </a:r>
+            <a:r>
+              <a:rPr lang="en-US" sz="2000" dirty="0" err="1"/>
+              <a:t>sorta</a:t>
+            </a:r>
+            <a:r>
+              <a:rPr lang="en-US" sz="2000" dirty="0"/>
+              <a:t> functional, </a:t>
+            </a:r>
+            <a:r>
+              <a:rPr lang="en-US" sz="2000" dirty="0" err="1"/>
+              <a:t>sorta</a:t>
+            </a:r>
+            <a:r>
+              <a:rPr lang="en-US" sz="2000" dirty="0"/>
+              <a:t> imperative.</a:t>
+            </a:r>
+          </a:p>
+          <a:p>
+            <a:pPr lvl="0"/>
+            <a:r>
+              <a:rPr lang="en-US" sz="2000" dirty="0"/>
+              <a:t>Utilizes state for clarity. Many program this way. You might not.</a:t>
+            </a:r>
+          </a:p>
+        </p:txBody>
+      </p:sp>
+      <p:sp>
+        <p:nvSpPr>
+          <p:cNvPr id="4" name="TextBox 3">
+            <a:extLst>
+              <a:ext uri="{FF2B5EF4-FFF2-40B4-BE49-F238E27FC236}">
+                <a16:creationId xmlns:a16="http://schemas.microsoft.com/office/drawing/2014/main" id="{8CF7E169-682A-8765-1687-58580D54A3C4}"/>
+              </a:ext>
+            </a:extLst>
+          </p:cNvPr>
+          <p:cNvSpPr txBox="1"/>
+          <p:nvPr/>
+        </p:nvSpPr>
+        <p:spPr>
+          <a:xfrm>
+            <a:off x="771525" y="2228850"/>
+            <a:ext cx="7760651" cy="1754326"/>
+          </a:xfrm>
+          <a:prstGeom prst="rect">
+            <a:avLst/>
+          </a:prstGeom>
+          <a:noFill/>
+        </p:spPr>
+        <p:txBody>
+          <a:bodyPr wrap="square" rtlCol="0">
+            <a:spAutoFit/>
+          </a:bodyPr>
+          <a:lstStyle/>
+          <a:p>
+            <a:r>
+              <a:rPr lang="en-US" sz="1800" b="0" dirty="0">
+                <a:solidFill>
+                  <a:schemeClr val="tx1"/>
+                </a:solidFill>
+                <a:effectLst/>
+                <a:latin typeface="SourceCodePro-Light" panose="020B0509030403020204" pitchFamily="49" charset="77"/>
+              </a:rPr>
+              <a:t>def </a:t>
+            </a:r>
+            <a:r>
+              <a:rPr lang="en-US" sz="1800" b="0" dirty="0" err="1">
+                <a:solidFill>
+                  <a:schemeClr val="tx1"/>
+                </a:solidFill>
+                <a:effectLst/>
+                <a:latin typeface="SourceCodePro-Light" panose="020B0509030403020204" pitchFamily="49" charset="77"/>
+              </a:rPr>
+              <a:t>acronym_h</a:t>
+            </a:r>
+            <a:r>
+              <a:rPr lang="en-US" sz="1800" b="0" dirty="0">
+                <a:solidFill>
+                  <a:schemeClr val="tx1"/>
+                </a:solidFill>
+                <a:effectLst/>
+                <a:latin typeface="SourceCodePro-Light" panose="020B0509030403020204" pitchFamily="49" charset="77"/>
+              </a:rPr>
+              <a:t>(words):</a:t>
+            </a:r>
+          </a:p>
+          <a:p>
+            <a:r>
+              <a:rPr lang="en-US" sz="1800" b="0" dirty="0">
+                <a:solidFill>
+                  <a:schemeClr val="tx1"/>
+                </a:solidFill>
+                <a:effectLst/>
+                <a:latin typeface="SourceCodePro-Light" panose="020B0509030403020204" pitchFamily="49" charset="77"/>
+              </a:rPr>
+              <a:t>    words = </a:t>
+            </a:r>
+            <a:r>
+              <a:rPr lang="en-US" sz="1800" b="0" dirty="0" err="1">
+                <a:solidFill>
+                  <a:schemeClr val="tx1"/>
+                </a:solidFill>
+                <a:effectLst/>
+                <a:latin typeface="SourceCodePro-Light" panose="020B0509030403020204" pitchFamily="49" charset="77"/>
+              </a:rPr>
+              <a:t>words.split</a:t>
+            </a:r>
+            <a:r>
+              <a:rPr lang="en-US" sz="1800" b="0" dirty="0">
+                <a:solidFill>
+                  <a:schemeClr val="tx1"/>
+                </a:solidFill>
+                <a:effectLst/>
+                <a:latin typeface="SourceCodePro-Light" panose="020B0509030403020204" pitchFamily="49" charset="77"/>
+              </a:rPr>
+              <a:t>(' ')</a:t>
+            </a:r>
+          </a:p>
+          <a:p>
+            <a:r>
+              <a:rPr lang="en-US" sz="1800" b="0" dirty="0">
+                <a:solidFill>
+                  <a:schemeClr val="tx1"/>
+                </a:solidFill>
+                <a:effectLst/>
+                <a:latin typeface="SourceCodePro-Light" panose="020B0509030403020204" pitchFamily="49" charset="77"/>
+              </a:rPr>
+              <a:t>    long = filter(lambda w: </a:t>
+            </a:r>
+            <a:r>
+              <a:rPr lang="en-US" sz="1800" b="0" dirty="0" err="1">
+                <a:solidFill>
+                  <a:schemeClr val="tx1"/>
+                </a:solidFill>
+                <a:effectLst/>
+                <a:latin typeface="SourceCodePro-Light" panose="020B0509030403020204" pitchFamily="49" charset="77"/>
+              </a:rPr>
+              <a:t>len</a:t>
+            </a:r>
+            <a:r>
+              <a:rPr lang="en-US" sz="1800" b="0" dirty="0">
+                <a:solidFill>
+                  <a:schemeClr val="tx1"/>
+                </a:solidFill>
+                <a:effectLst/>
+                <a:latin typeface="SourceCodePro-Light" panose="020B0509030403020204" pitchFamily="49" charset="77"/>
+              </a:rPr>
+              <a:t>(w) &gt; 4, words)</a:t>
+            </a:r>
+          </a:p>
+          <a:p>
+            <a:r>
+              <a:rPr lang="en-US" sz="1800" b="0" dirty="0">
+                <a:solidFill>
+                  <a:schemeClr val="tx1"/>
+                </a:solidFill>
+                <a:effectLst/>
+                <a:latin typeface="SourceCodePro-Light" panose="020B0509030403020204" pitchFamily="49" charset="77"/>
+              </a:rPr>
+              <a:t>    letters = maps(lambda w: w[0], long)</a:t>
+            </a:r>
+          </a:p>
+          <a:p>
+            <a:r>
+              <a:rPr lang="en-US" sz="1800" b="0" dirty="0">
+                <a:solidFill>
+                  <a:schemeClr val="tx1"/>
+                </a:solidFill>
+                <a:effectLst/>
+                <a:latin typeface="SourceCodePro-Light" panose="020B0509030403020204" pitchFamily="49" charset="77"/>
+              </a:rPr>
+              <a:t>    return ''.join(letters)</a:t>
+            </a:r>
+          </a:p>
+          <a:p>
+            <a:endParaRPr lang="en-US" sz="1800" dirty="0">
+              <a:solidFill>
+                <a:schemeClr val="tx1"/>
+              </a:solidFill>
+            </a:endParaRPr>
+          </a:p>
+        </p:txBody>
+      </p:sp>
+    </p:spTree>
+  </p:cSld>
+  <p:clrMapOvr>
+    <a:masterClrMapping/>
+  </p:clrMapOvr>
+</p:sld>
+</file>
+
+<file path=ppt/slides/slide12.xml><?xml version="1.0" encoding="utf-8"?>
+<p:sld xmlns:a="http://schemas.openxmlformats.org/drawingml/2006/main" xmlns:r="http://schemas.openxmlformats.org/officeDocument/2006/relationships" xmlns:p="http://schemas.openxmlformats.org/presentationml/2006/main">
+  <p:cSld>
+    <p:spTree>
+      <p:nvGrpSpPr>
+        <p:cNvPr id="1" name="Shape 105"/>
+        <p:cNvGrpSpPr/>
+        <p:nvPr/>
+      </p:nvGrpSpPr>
+      <p:grpSpPr>
+        <a:xfrm>
+          <a:off x="0" y="0"/>
+          <a:ext cx="0" cy="0"/>
+          <a:chOff x="0" y="0"/>
+          <a:chExt cx="0" cy="0"/>
+        </a:xfrm>
+      </p:grpSpPr>
+      <p:sp>
+        <p:nvSpPr>
+          <p:cNvPr id="106" name="Google Shape;106;p19"/>
+          <p:cNvSpPr txBox="1">
+            <a:spLocks noGrp="1"/>
+          </p:cNvSpPr>
+          <p:nvPr>
+            <p:ph type="title"/>
+          </p:nvPr>
+        </p:nvSpPr>
+        <p:spPr/>
+        <p:txBody>
+          <a:bodyPr/>
+          <a:lstStyle/>
+          <a:p>
+            <a:pPr lvl="0"/>
+            <a:r>
+              <a:rPr lang="en-US"/>
+              <a:t>Discussion and Debate</a:t>
+            </a:r>
+          </a:p>
+        </p:txBody>
+      </p:sp>
+      <p:sp>
+        <p:nvSpPr>
+          <p:cNvPr id="107" name="Google Shape;107;p19"/>
+          <p:cNvSpPr txBox="1">
+            <a:spLocks noGrp="1"/>
+          </p:cNvSpPr>
+          <p:nvPr>
+            <p:ph idx="1"/>
+          </p:nvPr>
+        </p:nvSpPr>
+        <p:spPr/>
+        <p:txBody>
+          <a:bodyPr/>
+          <a:lstStyle/>
+          <a:p>
+            <a:pPr lvl="0"/>
+            <a:r>
+              <a:rPr lang="en-US" dirty="0"/>
+              <a:t>Which of these do you like best?</a:t>
+            </a:r>
+          </a:p>
+        </p:txBody>
+      </p:sp>
+      <p:sp>
+        <p:nvSpPr>
+          <p:cNvPr id="111" name="Google Shape;111;p19"/>
+          <p:cNvSpPr txBox="1"/>
+          <p:nvPr/>
+        </p:nvSpPr>
+        <p:spPr>
+          <a:xfrm>
+            <a:off x="6901275" y="3146025"/>
+            <a:ext cx="1877700" cy="615600"/>
+          </a:xfrm>
+          <a:prstGeom prst="rect">
+            <a:avLst/>
+          </a:prstGeom>
+          <a:noFill/>
+          <a:ln>
+            <a:noFill/>
+          </a:ln>
+        </p:spPr>
+        <p:txBody>
+          <a:bodyPr spcFirstLastPara="1" wrap="square" lIns="91425" tIns="91425" rIns="91425" bIns="91425" anchor="t" anchorCtr="0">
+            <a:spAutoFit/>
+          </a:bodyPr>
+          <a:lstStyle/>
+          <a:p>
+            <a:pPr marL="0" lvl="0" indent="0" algn="l" rtl="0">
+              <a:spcBef>
+                <a:spcPts val="0"/>
+              </a:spcBef>
+              <a:spcAft>
+                <a:spcPts val="0"/>
+              </a:spcAft>
+              <a:buNone/>
+            </a:pPr>
+            <a:r>
+              <a:rPr lang="en"/>
+              <a:t>Easy to come back and read it later.</a:t>
+            </a:r>
+            <a:endParaRPr/>
+          </a:p>
+        </p:txBody>
+      </p:sp>
+      <p:sp>
+        <p:nvSpPr>
+          <p:cNvPr id="112" name="Google Shape;112;p19"/>
+          <p:cNvSpPr txBox="1"/>
+          <p:nvPr/>
+        </p:nvSpPr>
+        <p:spPr>
+          <a:xfrm>
+            <a:off x="7018725" y="806575"/>
+            <a:ext cx="1877700" cy="400200"/>
+          </a:xfrm>
+          <a:prstGeom prst="rect">
+            <a:avLst/>
+          </a:prstGeom>
+          <a:noFill/>
+          <a:ln>
+            <a:noFill/>
+          </a:ln>
+        </p:spPr>
+        <p:txBody>
+          <a:bodyPr spcFirstLastPara="1" wrap="square" lIns="91425" tIns="91425" rIns="91425" bIns="91425" anchor="t" anchorCtr="0">
+            <a:spAutoFit/>
+          </a:bodyPr>
+          <a:lstStyle/>
+          <a:p>
+            <a:pPr marL="0" lvl="0" indent="0" algn="l" rtl="0">
+              <a:spcBef>
+                <a:spcPts val="0"/>
+              </a:spcBef>
+              <a:spcAft>
+                <a:spcPts val="0"/>
+              </a:spcAft>
+              <a:buNone/>
+            </a:pPr>
+            <a:r>
+              <a:rPr lang="en"/>
+              <a:t>Less to keep track of.</a:t>
+            </a:r>
+            <a:endParaRPr/>
+          </a:p>
+        </p:txBody>
+      </p:sp>
+      <p:sp>
+        <p:nvSpPr>
+          <p:cNvPr id="113" name="Google Shape;113;p19"/>
+          <p:cNvSpPr txBox="1"/>
+          <p:nvPr/>
+        </p:nvSpPr>
+        <p:spPr>
+          <a:xfrm>
+            <a:off x="166800" y="2852902"/>
+            <a:ext cx="1877700" cy="1046410"/>
+          </a:xfrm>
+          <a:prstGeom prst="rect">
+            <a:avLst/>
+          </a:prstGeom>
+          <a:noFill/>
+          <a:ln>
+            <a:noFill/>
+          </a:ln>
+        </p:spPr>
+        <p:txBody>
+          <a:bodyPr spcFirstLastPara="1" wrap="square" lIns="91425" tIns="91425" rIns="91425" bIns="91425" anchor="t" anchorCtr="0">
+            <a:spAutoFit/>
+          </a:bodyPr>
+          <a:lstStyle/>
+          <a:p>
+            <a:pPr marL="0" lvl="0" indent="0" algn="l" rtl="0">
+              <a:spcBef>
+                <a:spcPts val="0"/>
+              </a:spcBef>
+              <a:spcAft>
+                <a:spcPts val="0"/>
+              </a:spcAft>
+              <a:buNone/>
+            </a:pPr>
+            <a:r>
+              <a:rPr lang="en" dirty="0"/>
+              <a:t>Very small steps to reason about. Seems "natural", but lots of code</a:t>
+            </a:r>
+            <a:endParaRPr dirty="0"/>
+          </a:p>
+        </p:txBody>
+      </p:sp>
+      <p:sp>
+        <p:nvSpPr>
+          <p:cNvPr id="15" name="TextBox 14">
+            <a:extLst>
+              <a:ext uri="{FF2B5EF4-FFF2-40B4-BE49-F238E27FC236}">
+                <a16:creationId xmlns:a16="http://schemas.microsoft.com/office/drawing/2014/main" id="{36294FD1-953A-46D8-617A-F546009334F8}"/>
+              </a:ext>
+            </a:extLst>
+          </p:cNvPr>
+          <p:cNvSpPr txBox="1"/>
+          <p:nvPr/>
+        </p:nvSpPr>
+        <p:spPr>
+          <a:xfrm>
+            <a:off x="4615275" y="3538882"/>
+            <a:ext cx="4572000" cy="1384995"/>
+          </a:xfrm>
+          <a:prstGeom prst="rect">
+            <a:avLst/>
+          </a:prstGeom>
+          <a:noFill/>
+        </p:spPr>
+        <p:txBody>
+          <a:bodyPr wrap="square">
+            <a:spAutoFit/>
+          </a:bodyPr>
+          <a:lstStyle/>
+          <a:p>
+            <a:r>
+              <a:rPr lang="en-US" b="0" dirty="0">
+                <a:solidFill>
+                  <a:schemeClr val="tx1"/>
+                </a:solidFill>
+                <a:effectLst/>
+                <a:latin typeface="SourceCodePro-Light" panose="020B0509030403020204" pitchFamily="49" charset="77"/>
+              </a:rPr>
+              <a:t>def </a:t>
+            </a:r>
+            <a:r>
+              <a:rPr lang="en-US" b="0" dirty="0" err="1">
+                <a:solidFill>
+                  <a:schemeClr val="tx1"/>
+                </a:solidFill>
+                <a:effectLst/>
+                <a:latin typeface="SourceCodePro-Light" panose="020B0509030403020204" pitchFamily="49" charset="77"/>
+              </a:rPr>
+              <a:t>acronym_h</a:t>
+            </a:r>
+            <a:r>
+              <a:rPr lang="en-US" b="0" dirty="0">
+                <a:solidFill>
+                  <a:schemeClr val="tx1"/>
+                </a:solidFill>
+                <a:effectLst/>
+                <a:latin typeface="SourceCodePro-Light" panose="020B0509030403020204" pitchFamily="49" charset="77"/>
+              </a:rPr>
+              <a:t>(words):</a:t>
+            </a:r>
+          </a:p>
+          <a:p>
+            <a:r>
+              <a:rPr lang="en-US" b="0" dirty="0">
+                <a:solidFill>
+                  <a:schemeClr val="tx1"/>
+                </a:solidFill>
+                <a:effectLst/>
+                <a:latin typeface="SourceCodePro-Light" panose="020B0509030403020204" pitchFamily="49" charset="77"/>
+              </a:rPr>
+              <a:t>    words = </a:t>
+            </a:r>
+            <a:r>
+              <a:rPr lang="en-US" b="0" dirty="0" err="1">
+                <a:solidFill>
+                  <a:schemeClr val="tx1"/>
+                </a:solidFill>
+                <a:effectLst/>
+                <a:latin typeface="SourceCodePro-Light" panose="020B0509030403020204" pitchFamily="49" charset="77"/>
+              </a:rPr>
+              <a:t>words.split</a:t>
+            </a:r>
+            <a:r>
+              <a:rPr lang="en-US" b="0" dirty="0">
+                <a:solidFill>
+                  <a:schemeClr val="tx1"/>
+                </a:solidFill>
+                <a:effectLst/>
+                <a:latin typeface="SourceCodePro-Light" panose="020B0509030403020204" pitchFamily="49" charset="77"/>
+              </a:rPr>
+              <a:t>(' ')</a:t>
+            </a:r>
+          </a:p>
+          <a:p>
+            <a:r>
+              <a:rPr lang="en-US" b="0" dirty="0">
+                <a:solidFill>
+                  <a:schemeClr val="tx1"/>
+                </a:solidFill>
+                <a:effectLst/>
+                <a:latin typeface="SourceCodePro-Light" panose="020B0509030403020204" pitchFamily="49" charset="77"/>
+              </a:rPr>
+              <a:t>   long = filter(lambda w: </a:t>
+            </a:r>
+            <a:r>
+              <a:rPr lang="en-US" b="0" dirty="0" err="1">
+                <a:solidFill>
+                  <a:schemeClr val="tx1"/>
+                </a:solidFill>
+                <a:effectLst/>
+                <a:latin typeface="SourceCodePro-Light" panose="020B0509030403020204" pitchFamily="49" charset="77"/>
+              </a:rPr>
+              <a:t>len</a:t>
+            </a:r>
+            <a:r>
+              <a:rPr lang="en-US" b="0" dirty="0">
+                <a:solidFill>
+                  <a:schemeClr val="tx1"/>
+                </a:solidFill>
+                <a:effectLst/>
+                <a:latin typeface="SourceCodePro-Light" panose="020B0509030403020204" pitchFamily="49" charset="77"/>
+              </a:rPr>
+              <a:t>(w) &gt; 4, words)</a:t>
+            </a:r>
+          </a:p>
+          <a:p>
+            <a:r>
+              <a:rPr lang="en-US" b="0" dirty="0">
+                <a:solidFill>
+                  <a:schemeClr val="tx1"/>
+                </a:solidFill>
+                <a:effectLst/>
+                <a:latin typeface="SourceCodePro-Light" panose="020B0509030403020204" pitchFamily="49" charset="77"/>
+              </a:rPr>
+              <a:t>    letters = maps(lambda w: w[0], long)</a:t>
+            </a:r>
+          </a:p>
+          <a:p>
+            <a:r>
+              <a:rPr lang="en-US" b="0" dirty="0">
+                <a:solidFill>
+                  <a:schemeClr val="tx1"/>
+                </a:solidFill>
+                <a:effectLst/>
+                <a:latin typeface="SourceCodePro-Light" panose="020B0509030403020204" pitchFamily="49" charset="77"/>
+              </a:rPr>
+              <a:t>    return ''.join(letters)</a:t>
+            </a:r>
+          </a:p>
+        </p:txBody>
+      </p:sp>
+      <p:sp>
+        <p:nvSpPr>
+          <p:cNvPr id="16" name="TextBox 15">
+            <a:extLst>
+              <a:ext uri="{FF2B5EF4-FFF2-40B4-BE49-F238E27FC236}">
+                <a16:creationId xmlns:a16="http://schemas.microsoft.com/office/drawing/2014/main" id="{AC9CFC26-64A8-B808-1055-167E6FD24D89}"/>
+              </a:ext>
+            </a:extLst>
+          </p:cNvPr>
+          <p:cNvSpPr txBox="1"/>
+          <p:nvPr/>
+        </p:nvSpPr>
+        <p:spPr>
+          <a:xfrm>
+            <a:off x="4439831" y="999012"/>
+            <a:ext cx="4704169" cy="1169551"/>
+          </a:xfrm>
+          <a:prstGeom prst="rect">
+            <a:avLst/>
+          </a:prstGeom>
+          <a:noFill/>
+        </p:spPr>
+        <p:txBody>
+          <a:bodyPr wrap="square" rtlCol="0">
+            <a:spAutoFit/>
+          </a:bodyPr>
+          <a:lstStyle/>
+          <a:p>
+            <a:r>
+              <a:rPr lang="en-US" b="0" dirty="0">
+                <a:solidFill>
+                  <a:schemeClr val="tx1"/>
+                </a:solidFill>
+                <a:effectLst/>
+                <a:latin typeface="SourceCodePro-Light" panose="020B0509030403020204" pitchFamily="49" charset="77"/>
+              </a:rPr>
+              <a:t>def </a:t>
+            </a:r>
+            <a:r>
+              <a:rPr lang="en-US" b="0" dirty="0" err="1">
+                <a:solidFill>
+                  <a:schemeClr val="tx1"/>
+                </a:solidFill>
+                <a:effectLst/>
+                <a:latin typeface="SourceCodePro-Light" panose="020B0509030403020204" pitchFamily="49" charset="77"/>
+              </a:rPr>
+              <a:t>acronym_f</a:t>
+            </a:r>
+            <a:r>
+              <a:rPr lang="en-US" b="0" dirty="0">
+                <a:solidFill>
+                  <a:schemeClr val="tx1"/>
+                </a:solidFill>
+                <a:effectLst/>
+                <a:latin typeface="SourceCodePro-Light" panose="020B0509030403020204" pitchFamily="49" charset="77"/>
+              </a:rPr>
+              <a:t>(words):</a:t>
+            </a:r>
+          </a:p>
+          <a:p>
+            <a:r>
+              <a:rPr lang="en-US" b="0" dirty="0">
+                <a:solidFill>
+                  <a:schemeClr val="tx1"/>
+                </a:solidFill>
+                <a:effectLst/>
+                <a:latin typeface="SourceCodePro-Light" panose="020B0509030403020204" pitchFamily="49" charset="77"/>
+              </a:rPr>
+              <a:t>   return reduce(add,</a:t>
+            </a:r>
+          </a:p>
+          <a:p>
+            <a:r>
+              <a:rPr lang="en-US" b="0" dirty="0">
+                <a:solidFill>
+                  <a:schemeClr val="tx1"/>
+                </a:solidFill>
+                <a:effectLst/>
+                <a:latin typeface="SourceCodePro-Light" panose="020B0509030403020204" pitchFamily="49" charset="77"/>
+              </a:rPr>
+              <a:t>           map(lambda w: w[0],</a:t>
+            </a:r>
+          </a:p>
+          <a:p>
+            <a:r>
+              <a:rPr lang="en-US" b="0" dirty="0">
+                <a:solidFill>
+                  <a:schemeClr val="tx1"/>
+                </a:solidFill>
+                <a:effectLst/>
+                <a:latin typeface="SourceCodePro-Light" panose="020B0509030403020204" pitchFamily="49" charset="77"/>
+              </a:rPr>
+              <a:t>           filter(lambda w: </a:t>
+            </a:r>
+            <a:r>
+              <a:rPr lang="en-US" b="0" dirty="0" err="1">
+                <a:solidFill>
+                  <a:schemeClr val="tx1"/>
+                </a:solidFill>
+                <a:effectLst/>
+                <a:latin typeface="SourceCodePro-Light" panose="020B0509030403020204" pitchFamily="49" charset="77"/>
+              </a:rPr>
+              <a:t>len</a:t>
+            </a:r>
+            <a:r>
+              <a:rPr lang="en-US" b="0" dirty="0">
+                <a:solidFill>
+                  <a:schemeClr val="tx1"/>
+                </a:solidFill>
+                <a:effectLst/>
+                <a:latin typeface="SourceCodePro-Light" panose="020B0509030403020204" pitchFamily="49" charset="77"/>
+              </a:rPr>
+              <a:t>(w) &gt; 3,</a:t>
+            </a:r>
+          </a:p>
+          <a:p>
+            <a:r>
+              <a:rPr lang="en-US" b="0" dirty="0">
+                <a:solidFill>
+                  <a:schemeClr val="tx1"/>
+                </a:solidFill>
+                <a:effectLst/>
+                <a:latin typeface="SourceCodePro-Light" panose="020B0509030403020204" pitchFamily="49" charset="77"/>
+              </a:rPr>
+              <a:t>                       </a:t>
+            </a:r>
+            <a:r>
+              <a:rPr lang="en-US" b="0" dirty="0" err="1">
+                <a:solidFill>
+                  <a:schemeClr val="tx1"/>
+                </a:solidFill>
+                <a:effectLst/>
+                <a:latin typeface="SourceCodePro-Light" panose="020B0509030403020204" pitchFamily="49" charset="77"/>
+              </a:rPr>
+              <a:t>words.split</a:t>
+            </a:r>
+            <a:r>
+              <a:rPr lang="en-US" b="0" dirty="0">
+                <a:solidFill>
+                  <a:schemeClr val="tx1"/>
+                </a:solidFill>
+                <a:effectLst/>
+                <a:latin typeface="SourceCodePro-Light" panose="020B0509030403020204" pitchFamily="49" charset="77"/>
+              </a:rPr>
+              <a:t>(' '))))</a:t>
+            </a:r>
+          </a:p>
+        </p:txBody>
+      </p:sp>
+      <p:sp>
+        <p:nvSpPr>
+          <p:cNvPr id="17" name="TextBox 16">
+            <a:extLst>
+              <a:ext uri="{FF2B5EF4-FFF2-40B4-BE49-F238E27FC236}">
+                <a16:creationId xmlns:a16="http://schemas.microsoft.com/office/drawing/2014/main" id="{CD78A436-7BA5-9AD4-7E31-881B1E0BDDD3}"/>
+              </a:ext>
+            </a:extLst>
+          </p:cNvPr>
+          <p:cNvSpPr txBox="1"/>
+          <p:nvPr/>
+        </p:nvSpPr>
+        <p:spPr>
+          <a:xfrm>
+            <a:off x="280293" y="1368344"/>
+            <a:ext cx="3716213" cy="1600438"/>
+          </a:xfrm>
+          <a:prstGeom prst="rect">
+            <a:avLst/>
+          </a:prstGeom>
+          <a:noFill/>
+        </p:spPr>
+        <p:txBody>
+          <a:bodyPr wrap="square">
+            <a:spAutoFit/>
+          </a:bodyPr>
+          <a:lstStyle/>
+          <a:p>
+            <a:r>
+              <a:rPr lang="en-US" b="0" dirty="0">
+                <a:solidFill>
+                  <a:schemeClr val="tx1"/>
+                </a:solidFill>
+                <a:effectLst/>
+                <a:latin typeface="SourceCodePro-Light" panose="020B0509030403020204" pitchFamily="49" charset="77"/>
+              </a:rPr>
+              <a:t>def </a:t>
+            </a:r>
+            <a:r>
+              <a:rPr lang="en-US" b="0" dirty="0" err="1">
+                <a:solidFill>
+                  <a:schemeClr val="tx1"/>
+                </a:solidFill>
+                <a:effectLst/>
+                <a:latin typeface="SourceCodePro-Light" panose="020B0509030403020204" pitchFamily="49" charset="77"/>
+              </a:rPr>
+              <a:t>acronym_i</a:t>
+            </a:r>
+            <a:r>
+              <a:rPr lang="en-US" b="0" dirty="0">
+                <a:solidFill>
+                  <a:schemeClr val="tx1"/>
+                </a:solidFill>
+                <a:effectLst/>
+                <a:latin typeface="SourceCodePro-Light" panose="020B0509030403020204" pitchFamily="49" charset="77"/>
+              </a:rPr>
+              <a:t>(words):</a:t>
+            </a:r>
+          </a:p>
+          <a:p>
+            <a:r>
+              <a:rPr lang="en-US" b="0" dirty="0">
+                <a:solidFill>
+                  <a:schemeClr val="tx1"/>
+                </a:solidFill>
+                <a:effectLst/>
+                <a:latin typeface="SourceCodePro-Light" panose="020B0509030403020204" pitchFamily="49" charset="77"/>
+              </a:rPr>
+              <a:t>    result = ''</a:t>
+            </a:r>
+          </a:p>
+          <a:p>
+            <a:r>
+              <a:rPr lang="en-US" b="0" dirty="0">
+                <a:solidFill>
+                  <a:schemeClr val="tx1"/>
+                </a:solidFill>
+                <a:effectLst/>
+                <a:latin typeface="SourceCodePro-Light" panose="020B0509030403020204" pitchFamily="49" charset="77"/>
+              </a:rPr>
+              <a:t>    words = </a:t>
+            </a:r>
+            <a:r>
+              <a:rPr lang="en-US" b="0" dirty="0" err="1">
+                <a:solidFill>
+                  <a:schemeClr val="tx1"/>
+                </a:solidFill>
+                <a:effectLst/>
+                <a:latin typeface="SourceCodePro-Light" panose="020B0509030403020204" pitchFamily="49" charset="77"/>
+              </a:rPr>
+              <a:t>words.split</a:t>
+            </a:r>
+            <a:r>
+              <a:rPr lang="en-US" b="0" dirty="0">
+                <a:solidFill>
+                  <a:schemeClr val="tx1"/>
+                </a:solidFill>
+                <a:effectLst/>
+                <a:latin typeface="SourceCodePro-Light" panose="020B0509030403020204" pitchFamily="49" charset="77"/>
+              </a:rPr>
+              <a:t>(' ')</a:t>
+            </a:r>
+          </a:p>
+          <a:p>
+            <a:r>
+              <a:rPr lang="en-US" b="0" dirty="0">
+                <a:solidFill>
+                  <a:schemeClr val="tx1"/>
+                </a:solidFill>
+                <a:effectLst/>
+                <a:latin typeface="SourceCodePro-Light" panose="020B0509030403020204" pitchFamily="49" charset="77"/>
+              </a:rPr>
+              <a:t>    for word in words:</a:t>
+            </a:r>
+          </a:p>
+          <a:p>
+            <a:r>
+              <a:rPr lang="en-US" b="0" dirty="0">
+                <a:solidFill>
+                  <a:schemeClr val="tx1"/>
+                </a:solidFill>
+                <a:effectLst/>
+                <a:latin typeface="SourceCodePro-Light" panose="020B0509030403020204" pitchFamily="49" charset="77"/>
+              </a:rPr>
+              <a:t>        if </a:t>
+            </a:r>
+            <a:r>
+              <a:rPr lang="en-US" b="0" dirty="0" err="1">
+                <a:solidFill>
+                  <a:schemeClr val="tx1"/>
+                </a:solidFill>
+                <a:effectLst/>
+                <a:latin typeface="SourceCodePro-Light" panose="020B0509030403020204" pitchFamily="49" charset="77"/>
+              </a:rPr>
+              <a:t>len</a:t>
+            </a:r>
+            <a:r>
+              <a:rPr lang="en-US" b="0" dirty="0">
+                <a:solidFill>
+                  <a:schemeClr val="tx1"/>
+                </a:solidFill>
+                <a:effectLst/>
+                <a:latin typeface="SourceCodePro-Light" panose="020B0509030403020204" pitchFamily="49" charset="77"/>
+              </a:rPr>
+              <a:t>(word) &gt; 4:</a:t>
+            </a:r>
+          </a:p>
+          <a:p>
+            <a:r>
+              <a:rPr lang="en-US" b="0" dirty="0">
+                <a:solidFill>
+                  <a:schemeClr val="tx1"/>
+                </a:solidFill>
+                <a:effectLst/>
+                <a:latin typeface="SourceCodePro-Light" panose="020B0509030403020204" pitchFamily="49" charset="77"/>
+              </a:rPr>
+              <a:t>             result += word[0]</a:t>
+            </a:r>
+          </a:p>
+          <a:p>
+            <a:r>
+              <a:rPr lang="en-US" b="0" dirty="0">
+                <a:solidFill>
+                  <a:schemeClr val="tx1"/>
+                </a:solidFill>
+                <a:effectLst/>
+                <a:latin typeface="SourceCodePro-Light" panose="020B0509030403020204" pitchFamily="49" charset="77"/>
+              </a:rPr>
+              <a:t>    return result</a:t>
+            </a:r>
+          </a:p>
+        </p:txBody>
+      </p:sp>
+    </p:spTree>
+  </p:cSld>
+  <p:clrMapOvr>
+    <a:masterClrMapping/>
+  </p:clrMapOvr>
+</p:sld>
+</file>
+
+<file path=ppt/slides/slide13.xml><?xml version="1.0" encoding="utf-8"?>
+<p:sld xmlns:a="http://schemas.openxmlformats.org/drawingml/2006/main" xmlns:r="http://schemas.openxmlformats.org/officeDocument/2006/relationships" xmlns:p="http://schemas.openxmlformats.org/presentationml/2006/main">
+  <p:cSld>
+    <p:spTree>
+      <p:nvGrpSpPr>
+        <p:cNvPr id="1" name=""/>
+        <p:cNvGrpSpPr/>
+        <p:nvPr/>
+      </p:nvGrpSpPr>
+      <p:grpSpPr>
+        <a:xfrm>
+          <a:off x="0" y="0"/>
+          <a:ext cx="0" cy="0"/>
+          <a:chOff x="0" y="0"/>
+          <a:chExt cx="0" cy="0"/>
+        </a:xfrm>
+      </p:grpSpPr>
+      <p:sp>
+        <p:nvSpPr>
+          <p:cNvPr id="2" name="Title 1">
+            <a:extLst>
+              <a:ext uri="{FF2B5EF4-FFF2-40B4-BE49-F238E27FC236}">
+                <a16:creationId xmlns:a16="http://schemas.microsoft.com/office/drawing/2014/main" id="{CB7663FA-4D4B-F98D-499F-7D7D5911ECF9}"/>
+              </a:ext>
+            </a:extLst>
+          </p:cNvPr>
+          <p:cNvSpPr>
+            <a:spLocks noGrp="1"/>
+          </p:cNvSpPr>
+          <p:nvPr>
+            <p:ph type="title"/>
+          </p:nvPr>
+        </p:nvSpPr>
+        <p:spPr/>
+        <p:txBody>
+          <a:bodyPr/>
+          <a:lstStyle/>
+          <a:p>
+            <a:r>
+              <a:rPr lang="en-US" dirty="0"/>
+              <a:t>Array-Based Programming!</a:t>
+            </a:r>
+          </a:p>
+        </p:txBody>
+      </p:sp>
+      <p:sp>
+        <p:nvSpPr>
+          <p:cNvPr id="3" name="Content Placeholder 2">
+            <a:extLst>
+              <a:ext uri="{FF2B5EF4-FFF2-40B4-BE49-F238E27FC236}">
+                <a16:creationId xmlns:a16="http://schemas.microsoft.com/office/drawing/2014/main" id="{DE4FAF5A-F986-D4DF-F582-C6F677334573}"/>
+              </a:ext>
+            </a:extLst>
+          </p:cNvPr>
+          <p:cNvSpPr>
+            <a:spLocks noGrp="1"/>
+          </p:cNvSpPr>
+          <p:nvPr>
+            <p:ph idx="1"/>
+          </p:nvPr>
+        </p:nvSpPr>
+        <p:spPr/>
+        <p:txBody>
+          <a:bodyPr/>
+          <a:lstStyle/>
+          <a:p>
+            <a:r>
+              <a:rPr lang="en-US" dirty="0"/>
+              <a:t> Unfortunately not something we can easily demo in Python.</a:t>
+            </a:r>
+          </a:p>
+          <a:p>
+            <a:r>
+              <a:rPr lang="en-US" dirty="0"/>
+              <a:t> Treats arrays a "first class" objects – not just containers:</a:t>
+            </a:r>
+          </a:p>
+          <a:p>
+            <a:pPr lvl="1"/>
+            <a:r>
+              <a:rPr lang="en-US" dirty="0"/>
+              <a:t> Mathematical Operations correspond to "Pairwise" computations: (These are not Python!)</a:t>
+            </a:r>
+          </a:p>
+          <a:p>
+            <a:pPr marL="289322" lvl="2" indent="0">
+              <a:buNone/>
+            </a:pPr>
+            <a:r>
+              <a:rPr lang="en-US" dirty="0"/>
+              <a:t> </a:t>
+            </a:r>
+            <a:r>
+              <a:rPr lang="en-US" dirty="0">
+                <a:latin typeface="Source Code Pro" panose="020B0509030403020204" pitchFamily="49" charset="77"/>
+              </a:rPr>
+              <a:t>[1, 2, 3] * [1, 2, 3] == [1, 4, 9]</a:t>
+            </a:r>
+          </a:p>
+          <a:p>
+            <a:pPr marL="144661" lvl="1" indent="0">
+              <a:buNone/>
+            </a:pPr>
+            <a:r>
+              <a:rPr lang="en-US" dirty="0">
+                <a:latin typeface="Source Code Pro" panose="020B0509030403020204" pitchFamily="49" charset="77"/>
+              </a:rPr>
+              <a:t> [1, 2, 3] + [1, 2, 3] == [2, 4, 6]</a:t>
+            </a:r>
+          </a:p>
+          <a:p>
+            <a:r>
+              <a:rPr lang="en-US" dirty="0">
+                <a:latin typeface="Source Code Pro" panose="020B0509030403020204" pitchFamily="49" charset="77"/>
+              </a:rPr>
+              <a:t> </a:t>
+            </a:r>
+            <a:r>
+              <a:rPr lang="en-US" dirty="0">
+                <a:latin typeface="Open Sans" panose="020B0606030504020204" pitchFamily="34" charset="0"/>
+              </a:rPr>
+              <a:t>Very common in data science, engineering!</a:t>
+            </a:r>
+          </a:p>
+          <a:p>
+            <a:pPr lvl="1"/>
+            <a:r>
+              <a:rPr lang="en-US" dirty="0">
+                <a:latin typeface="Open Sans" panose="020B0606030504020204" pitchFamily="34" charset="0"/>
+              </a:rPr>
+              <a:t> R (STAT 134), MATALAB, Julia, APL</a:t>
+            </a:r>
+          </a:p>
+        </p:txBody>
+      </p:sp>
+    </p:spTree>
+    <p:extLst>
+      <p:ext uri="{BB962C8B-B14F-4D97-AF65-F5344CB8AC3E}">
+        <p14:creationId xmlns:p14="http://schemas.microsoft.com/office/powerpoint/2010/main" val="2548640809"/>
+      </p:ext>
+    </p:extLst>
+  </p:cSld>
+  <p:clrMapOvr>
+    <a:masterClrMapping/>
+  </p:clrMapOvr>
+</p:sld>
+</file>
+
+<file path=ppt/slides/slide14.xml><?xml version="1.0" encoding="utf-8"?>
+<p:sld xmlns:a="http://schemas.openxmlformats.org/drawingml/2006/main" xmlns:r="http://schemas.openxmlformats.org/officeDocument/2006/relationships" xmlns:p="http://schemas.openxmlformats.org/presentationml/2006/main">
+  <p:cSld>
+    <p:spTree>
+      <p:nvGrpSpPr>
+        <p:cNvPr id="1" name="Shape 123"/>
+        <p:cNvGrpSpPr/>
+        <p:nvPr/>
+      </p:nvGrpSpPr>
+      <p:grpSpPr>
+        <a:xfrm>
+          <a:off x="0" y="0"/>
+          <a:ext cx="0" cy="0"/>
+          <a:chOff x="0" y="0"/>
+          <a:chExt cx="0" cy="0"/>
+        </a:xfrm>
+      </p:grpSpPr>
+      <p:sp>
+        <p:nvSpPr>
+          <p:cNvPr id="124" name="Google Shape;124;p21"/>
+          <p:cNvSpPr txBox="1">
+            <a:spLocks noGrp="1"/>
+          </p:cNvSpPr>
+          <p:nvPr>
+            <p:ph type="title"/>
+          </p:nvPr>
+        </p:nvSpPr>
+        <p:spPr/>
+        <p:txBody>
+          <a:bodyPr/>
+          <a:lstStyle/>
+          <a:p>
+            <a:pPr lvl="0"/>
+            <a:r>
+              <a:rPr lang="en-US"/>
+              <a:t>The Object Based Programming Paradigm</a:t>
+            </a:r>
+          </a:p>
+        </p:txBody>
+      </p:sp>
+      <p:sp>
+        <p:nvSpPr>
+          <p:cNvPr id="125" name="Google Shape;125;p21"/>
+          <p:cNvSpPr txBox="1">
+            <a:spLocks noGrp="1"/>
+          </p:cNvSpPr>
+          <p:nvPr>
+            <p:ph idx="1"/>
+          </p:nvPr>
+        </p:nvSpPr>
+        <p:spPr/>
+        <p:txBody>
+          <a:bodyPr/>
+          <a:lstStyle/>
+          <a:p>
+            <a:pPr lvl="0"/>
+            <a:r>
+              <a:rPr lang="en-US" dirty="0"/>
+              <a:t>In object programming, we organize our thinking around objects, each containing its own data, and each with its own procedures that can be invoked.</a:t>
+            </a:r>
+          </a:p>
+          <a:p>
+            <a:pPr lvl="0"/>
+            <a:endParaRPr lang="en-US" dirty="0"/>
+          </a:p>
+          <a:p>
+            <a:pPr lvl="0"/>
+            <a:r>
+              <a:rPr lang="en-US" dirty="0"/>
+              <a:t> We've had plenty of practice here!</a:t>
+            </a:r>
+          </a:p>
+          <a:p>
+            <a:pPr lvl="0"/>
+            <a:r>
+              <a:rPr lang="en-US" dirty="0"/>
+              <a:t> OOP provides many tools!</a:t>
+            </a:r>
+          </a:p>
+          <a:p>
+            <a:pPr lvl="0"/>
+            <a:r>
+              <a:rPr lang="en-US" dirty="0"/>
+              <a:t> But also leaves many import questions open:</a:t>
+            </a:r>
+          </a:p>
+          <a:p>
+            <a:pPr lvl="1"/>
+            <a:r>
+              <a:rPr lang="en-US" dirty="0"/>
+              <a:t> Should functions be </a:t>
+            </a:r>
+            <a:r>
+              <a:rPr lang="en-US" dirty="0" err="1"/>
+              <a:t>mutalbe</a:t>
+            </a:r>
+            <a:r>
+              <a:rPr lang="en-US" dirty="0"/>
+              <a:t> or immutable?</a:t>
+            </a:r>
+          </a:p>
+          <a:p>
+            <a:pPr lvl="0"/>
+            <a:endParaRPr lang="en-US" dirty="0"/>
+          </a:p>
+          <a:p>
+            <a:pPr lvl="0"/>
+            <a:endParaRPr lang="en-US" dirty="0"/>
+          </a:p>
+        </p:txBody>
+      </p:sp>
+    </p:spTree>
+  </p:cSld>
+  <p:clrMapOvr>
+    <a:masterClrMapping/>
+  </p:clrMapOvr>
+</p:sld>
+</file>
+
+<file path=ppt/slides/slide15.xml><?xml version="1.0" encoding="utf-8"?>
+<p:sld xmlns:a="http://schemas.openxmlformats.org/drawingml/2006/main" xmlns:r="http://schemas.openxmlformats.org/officeDocument/2006/relationships" xmlns:p="http://schemas.openxmlformats.org/presentationml/2006/main">
+  <p:cSld>
+    <p:spTree>
+      <p:nvGrpSpPr>
+        <p:cNvPr id="1" name="Shape 133"/>
+        <p:cNvGrpSpPr/>
+        <p:nvPr/>
+      </p:nvGrpSpPr>
+      <p:grpSpPr>
+        <a:xfrm>
+          <a:off x="0" y="0"/>
+          <a:ext cx="0" cy="0"/>
+          <a:chOff x="0" y="0"/>
+          <a:chExt cx="0" cy="0"/>
+        </a:xfrm>
+      </p:grpSpPr>
+      <p:sp>
+        <p:nvSpPr>
+          <p:cNvPr id="134" name="Google Shape;134;p22"/>
+          <p:cNvSpPr txBox="1">
+            <a:spLocks noGrp="1"/>
+          </p:cNvSpPr>
+          <p:nvPr>
+            <p:ph type="title"/>
+          </p:nvPr>
+        </p:nvSpPr>
+        <p:spPr/>
+        <p:txBody>
+          <a:bodyPr/>
+          <a:lstStyle/>
+          <a:p>
+            <a:pPr lvl="0"/>
+            <a:r>
+              <a:rPr lang="en-US" dirty="0"/>
+              <a:t>Object Based Programming</a:t>
+            </a:r>
+          </a:p>
+        </p:txBody>
+      </p:sp>
+      <p:sp>
+        <p:nvSpPr>
+          <p:cNvPr id="135" name="Google Shape;135;p22"/>
+          <p:cNvSpPr txBox="1">
+            <a:spLocks noGrp="1"/>
+          </p:cNvSpPr>
+          <p:nvPr>
+            <p:ph idx="1"/>
+          </p:nvPr>
+        </p:nvSpPr>
+        <p:spPr/>
+        <p:txBody>
+          <a:bodyPr/>
+          <a:lstStyle/>
+          <a:p>
+            <a:pPr lvl="0"/>
+            <a:r>
+              <a:rPr lang="en-US" dirty="0"/>
+              <a:t> There is a LOT more than what we see in CS88</a:t>
+            </a:r>
+          </a:p>
+          <a:p>
+            <a:pPr lvl="1"/>
+            <a:r>
+              <a:rPr lang="en-US" dirty="0"/>
+              <a:t> Rich model for composing classes together</a:t>
+            </a:r>
+          </a:p>
+          <a:p>
+            <a:pPr lvl="1"/>
+            <a:r>
+              <a:rPr lang="en-US" dirty="0"/>
+              <a:t> Can </a:t>
+            </a:r>
+            <a:r>
+              <a:rPr lang="en-US" i="1" dirty="0"/>
+              <a:t>easily</a:t>
+            </a:r>
+            <a:r>
+              <a:rPr lang="en-US" dirty="0"/>
+              <a:t> be overused. </a:t>
+            </a:r>
+          </a:p>
+          <a:p>
+            <a:pPr lvl="0"/>
+            <a:r>
+              <a:rPr lang="en-US" dirty="0"/>
+              <a:t> In Python "everything is an object"</a:t>
+            </a:r>
+          </a:p>
+          <a:p>
+            <a:pPr lvl="1"/>
+            <a:r>
+              <a:rPr lang="en-US" dirty="0"/>
+              <a:t> Global functions like </a:t>
+            </a:r>
+            <a:r>
+              <a:rPr lang="en-US" dirty="0" err="1"/>
+              <a:t>len</a:t>
+            </a:r>
+            <a:r>
+              <a:rPr lang="en-US" dirty="0"/>
+              <a:t>() correspond to "magic" methods on objects, e.g.</a:t>
+            </a:r>
+            <a:r>
+              <a:rPr lang="en-US" dirty="0">
+                <a:latin typeface="Source Code Pro" panose="020B0509030403020204" pitchFamily="49" charset="77"/>
+              </a:rPr>
+              <a:t> __</a:t>
+            </a:r>
+            <a:r>
+              <a:rPr lang="en-US" dirty="0" err="1">
+                <a:latin typeface="Source Code Pro" panose="020B0509030403020204" pitchFamily="49" charset="77"/>
+              </a:rPr>
+              <a:t>len</a:t>
+            </a:r>
+            <a:r>
+              <a:rPr lang="en-US" dirty="0">
+                <a:latin typeface="Source Code Pro" panose="020B0509030403020204" pitchFamily="49" charset="77"/>
+              </a:rPr>
+              <a:t>__</a:t>
+            </a:r>
+          </a:p>
+          <a:p>
+            <a:pPr marL="0" indent="0">
+              <a:buNone/>
+            </a:pPr>
+            <a:endParaRPr lang="en-US" dirty="0">
+              <a:latin typeface="Source Code Pro" panose="020B0509030403020204" pitchFamily="49" charset="77"/>
+            </a:endParaRPr>
+          </a:p>
+        </p:txBody>
+      </p:sp>
+    </p:spTree>
+  </p:cSld>
+  <p:clrMapOvr>
+    <a:masterClrMapping/>
+  </p:clrMapOvr>
+</p:sld>
+</file>
+
+<file path=ppt/slides/slide16.xml><?xml version="1.0" encoding="utf-8"?>
+<p:sld xmlns:a="http://schemas.openxmlformats.org/drawingml/2006/main" xmlns:r="http://schemas.openxmlformats.org/officeDocument/2006/relationships" xmlns:p="http://schemas.openxmlformats.org/presentationml/2006/main">
+  <p:cSld>
+    <p:spTree>
+      <p:nvGrpSpPr>
+        <p:cNvPr id="1" name="Shape 139"/>
+        <p:cNvGrpSpPr/>
+        <p:nvPr/>
+      </p:nvGrpSpPr>
+      <p:grpSpPr>
+        <a:xfrm>
+          <a:off x="0" y="0"/>
+          <a:ext cx="0" cy="0"/>
+          <a:chOff x="0" y="0"/>
+          <a:chExt cx="0" cy="0"/>
+        </a:xfrm>
+      </p:grpSpPr>
+      <p:sp>
+        <p:nvSpPr>
+          <p:cNvPr id="140" name="Google Shape;140;p23"/>
+          <p:cNvSpPr txBox="1">
+            <a:spLocks noGrp="1"/>
+          </p:cNvSpPr>
+          <p:nvPr>
+            <p:ph type="title"/>
+          </p:nvPr>
+        </p:nvSpPr>
+        <p:spPr/>
+        <p:txBody>
+          <a:bodyPr/>
+          <a:lstStyle/>
+          <a:p>
+            <a:pPr lvl="0"/>
+            <a:r>
+              <a:rPr lang="en-US"/>
+              <a:t>Declarative Programming</a:t>
+            </a:r>
+          </a:p>
+        </p:txBody>
+      </p:sp>
+      <p:sp>
+        <p:nvSpPr>
+          <p:cNvPr id="141" name="Google Shape;141;p23"/>
+          <p:cNvSpPr txBox="1">
+            <a:spLocks noGrp="1"/>
+          </p:cNvSpPr>
+          <p:nvPr>
+            <p:ph idx="1"/>
+          </p:nvPr>
+        </p:nvSpPr>
+        <p:spPr/>
+        <p:txBody>
+          <a:bodyPr/>
+          <a:lstStyle/>
+          <a:p>
+            <a:pPr lvl="0"/>
+            <a:r>
+              <a:rPr lang="en-US" dirty="0"/>
+              <a:t> In declarative programming, we express what we want, without specifying how. A program is simply a description of the result we want.</a:t>
+            </a:r>
+          </a:p>
+          <a:p>
+            <a:pPr lvl="0"/>
+            <a:r>
+              <a:rPr lang="en-US" dirty="0"/>
+              <a:t> Can be a very different thought process!</a:t>
+            </a:r>
+          </a:p>
+          <a:p>
+            <a:pPr lvl="0"/>
+            <a:r>
+              <a:rPr lang="en-US" dirty="0"/>
+              <a:t> Incredibly useful, but not necessarily best for all types of problems.</a:t>
+            </a:r>
+          </a:p>
+        </p:txBody>
+      </p:sp>
+    </p:spTree>
+  </p:cSld>
+  <p:clrMapOvr>
+    <a:masterClrMapping/>
+  </p:clrMapOvr>
+</p:sld>
+</file>
+
+<file path=ppt/slides/slide17.xml><?xml version="1.0" encoding="utf-8"?>
+<p:sld xmlns:a="http://schemas.openxmlformats.org/drawingml/2006/main" xmlns:r="http://schemas.openxmlformats.org/officeDocument/2006/relationships" xmlns:p="http://schemas.openxmlformats.org/presentationml/2006/main">
+  <p:cSld>
+    <p:spTree>
+      <p:nvGrpSpPr>
+        <p:cNvPr id="1" name=""/>
+        <p:cNvGrpSpPr/>
+        <p:nvPr/>
+      </p:nvGrpSpPr>
+      <p:grpSpPr>
+        <a:xfrm>
+          <a:off x="0" y="0"/>
+          <a:ext cx="0" cy="0"/>
+          <a:chOff x="0" y="0"/>
+          <a:chExt cx="0" cy="0"/>
+        </a:xfrm>
+      </p:grpSpPr>
+      <p:sp>
+        <p:nvSpPr>
+          <p:cNvPr id="2" name="Title 1">
+            <a:extLst>
+              <a:ext uri="{FF2B5EF4-FFF2-40B4-BE49-F238E27FC236}">
+                <a16:creationId xmlns:a16="http://schemas.microsoft.com/office/drawing/2014/main" id="{39D321BE-56F6-460E-03A7-BAD403903EDF}"/>
+              </a:ext>
+            </a:extLst>
+          </p:cNvPr>
+          <p:cNvSpPr>
+            <a:spLocks noGrp="1"/>
+          </p:cNvSpPr>
+          <p:nvPr>
+            <p:ph type="title"/>
+          </p:nvPr>
+        </p:nvSpPr>
+        <p:spPr/>
+        <p:txBody>
+          <a:bodyPr/>
+          <a:lstStyle/>
+          <a:p>
+            <a:r>
+              <a:rPr lang="en-US" dirty="0"/>
+              <a:t>The Web: HTML</a:t>
+            </a:r>
+          </a:p>
+        </p:txBody>
+      </p:sp>
+      <p:sp>
+        <p:nvSpPr>
+          <p:cNvPr id="3" name="Content Placeholder 2">
+            <a:extLst>
+              <a:ext uri="{FF2B5EF4-FFF2-40B4-BE49-F238E27FC236}">
+                <a16:creationId xmlns:a16="http://schemas.microsoft.com/office/drawing/2014/main" id="{FCA83AC3-8EF1-1C50-1099-305A03F8E1CC}"/>
+              </a:ext>
+            </a:extLst>
+          </p:cNvPr>
+          <p:cNvSpPr>
+            <a:spLocks noGrp="1"/>
+          </p:cNvSpPr>
+          <p:nvPr>
+            <p:ph idx="1"/>
+          </p:nvPr>
+        </p:nvSpPr>
+        <p:spPr/>
+        <p:txBody>
+          <a:bodyPr/>
+          <a:lstStyle/>
+          <a:p>
+            <a:r>
+              <a:rPr lang="en-US" sz="1600" dirty="0">
+                <a:latin typeface="Open Sans" panose="020B0606030504020204" pitchFamily="34" charset="0"/>
+              </a:rPr>
+              <a:t> Web pages are built with a language called HTML.</a:t>
+            </a:r>
+          </a:p>
+          <a:p>
+            <a:pPr lvl="1"/>
+            <a:r>
+              <a:rPr lang="en-US" sz="1600" b="0" dirty="0">
+                <a:effectLst/>
+                <a:latin typeface="Open Sans" panose="020B0606030504020204" pitchFamily="34" charset="0"/>
+              </a:rPr>
+              <a:t> Programmers specific what con</a:t>
+            </a:r>
+            <a:r>
+              <a:rPr lang="en-US" sz="1600" dirty="0">
+                <a:latin typeface="Open Sans" panose="020B0606030504020204" pitchFamily="34" charset="0"/>
+              </a:rPr>
+              <a:t>tent should be on the page, and where. </a:t>
+            </a:r>
+          </a:p>
+          <a:p>
+            <a:pPr lvl="1"/>
+            <a:r>
+              <a:rPr lang="en-US" sz="1600" b="0" dirty="0">
+                <a:effectLst/>
+                <a:latin typeface="Open Sans" panose="020B0606030504020204" pitchFamily="34" charset="0"/>
+              </a:rPr>
+              <a:t> The </a:t>
+            </a:r>
+            <a:r>
+              <a:rPr lang="en-US" sz="1600" dirty="0">
+                <a:latin typeface="Open Sans" panose="020B0606030504020204" pitchFamily="34" charset="0"/>
+              </a:rPr>
+              <a:t>browser lays out the content on each device in the right spot for each screen size, etc.</a:t>
+            </a:r>
+          </a:p>
+          <a:p>
+            <a:r>
+              <a:rPr lang="en-US" sz="1600" b="0" dirty="0">
+                <a:effectLst/>
+                <a:latin typeface="Open Sans" panose="020B0606030504020204" pitchFamily="34" charset="0"/>
+              </a:rPr>
+              <a:t> A</a:t>
+            </a:r>
+            <a:r>
+              <a:rPr lang="en-US" sz="1600" dirty="0">
+                <a:latin typeface="Open Sans" panose="020B0606030504020204" pitchFamily="34" charset="0"/>
+              </a:rPr>
+              <a:t> partial section of the </a:t>
+            </a:r>
+            <a:r>
+              <a:rPr lang="en-US" sz="1600">
+                <a:latin typeface="Open Sans" panose="020B0606030504020204" pitchFamily="34" charset="0"/>
+              </a:rPr>
+              <a:t>CS88 Website:</a:t>
+            </a:r>
+            <a:endParaRPr lang="en-US" sz="1600" b="0" dirty="0">
+              <a:effectLst/>
+              <a:latin typeface="Source Code Pro" panose="020B0509030403020204" pitchFamily="49" charset="0"/>
+              <a:ea typeface="Source Code Pro" panose="020B0509030403020204" pitchFamily="49" charset="0"/>
+            </a:endParaRPr>
+          </a:p>
+          <a:p>
+            <a:pPr marL="0" indent="0">
+              <a:buNone/>
+            </a:pPr>
+            <a:r>
+              <a:rPr lang="en-US" sz="1600" b="0" dirty="0">
+                <a:effectLst/>
+                <a:latin typeface="Source Code Pro" panose="020B0509030403020204" pitchFamily="49" charset="0"/>
+                <a:ea typeface="Source Code Pro" panose="020B0509030403020204" pitchFamily="49" charset="0"/>
+              </a:rPr>
+              <a:t>&lt;div id="content" class="container"&gt;</a:t>
+            </a:r>
+          </a:p>
+          <a:p>
+            <a:pPr marL="0" indent="0">
+              <a:buNone/>
+            </a:pPr>
+            <a:r>
+              <a:rPr lang="en-US" sz="1600" b="0" dirty="0">
+                <a:effectLst/>
+                <a:latin typeface="Source Code Pro" panose="020B0509030403020204" pitchFamily="49" charset="0"/>
+                <a:ea typeface="Source Code Pro" panose="020B0509030403020204" pitchFamily="49" charset="0"/>
+              </a:rPr>
+              <a:t>&lt;div class="page-header"&gt;</a:t>
+            </a:r>
+          </a:p>
+          <a:p>
+            <a:pPr marL="0" indent="0">
+              <a:buNone/>
+            </a:pPr>
+            <a:r>
+              <a:rPr lang="en-US" sz="1600" b="0" dirty="0">
+                <a:effectLst/>
+                <a:latin typeface="Source Code Pro" panose="020B0509030403020204" pitchFamily="49" charset="0"/>
+                <a:ea typeface="Source Code Pro" panose="020B0509030403020204" pitchFamily="49" charset="0"/>
+              </a:rPr>
+              <a:t>&lt;h1&gt;&lt;span class="content-title-brand"&gt;CS 88&lt;/span&gt;:</a:t>
+            </a:r>
+          </a:p>
+          <a:p>
+            <a:pPr marL="0" indent="0">
+              <a:buNone/>
+            </a:pPr>
+            <a:r>
+              <a:rPr lang="en-US" sz="1600" b="0" dirty="0">
+                <a:effectLst/>
+                <a:latin typeface="Source Code Pro" panose="020B0509030403020204" pitchFamily="49" charset="0"/>
+                <a:ea typeface="Source Code Pro" panose="020B0509030403020204" pitchFamily="49" charset="0"/>
+              </a:rPr>
+              <a:t>Computational Structures in Data Science</a:t>
+            </a:r>
+          </a:p>
+          <a:p>
+            <a:pPr marL="0" indent="0">
+              <a:buNone/>
+            </a:pPr>
+            <a:r>
+              <a:rPr lang="en-US" sz="1600" b="0" dirty="0">
+                <a:effectLst/>
+                <a:latin typeface="Source Code Pro" panose="020B0509030403020204" pitchFamily="49" charset="0"/>
+                <a:ea typeface="Source Code Pro" panose="020B0509030403020204" pitchFamily="49" charset="0"/>
+              </a:rPr>
+              <a:t>&lt;div class="small"&gt;Fall 2022&lt;/div&gt;</a:t>
+            </a:r>
+          </a:p>
+          <a:p>
+            <a:pPr marL="0" indent="0">
+              <a:buNone/>
+            </a:pPr>
+            <a:r>
+              <a:rPr lang="en-US" sz="1600" b="0" dirty="0">
+                <a:effectLst/>
+                <a:latin typeface="Source Code Pro" panose="020B0509030403020204" pitchFamily="49" charset="0"/>
+                <a:ea typeface="Source Code Pro" panose="020B0509030403020204" pitchFamily="49" charset="0"/>
+              </a:rPr>
+              <a:t>&lt;div class="small"&gt;Instructor: Michael Ball&lt;/div&gt;</a:t>
+            </a:r>
+          </a:p>
+          <a:p>
+            <a:pPr marL="0" indent="0">
+              <a:buNone/>
+            </a:pPr>
+            <a:r>
+              <a:rPr lang="en-US" sz="1600" b="0" dirty="0">
+                <a:effectLst/>
+                <a:latin typeface="Source Code Pro" panose="020B0509030403020204" pitchFamily="49" charset="0"/>
+                <a:ea typeface="Source Code Pro" panose="020B0509030403020204" pitchFamily="49" charset="0"/>
+              </a:rPr>
+              <a:t>&lt;/h1&gt;</a:t>
+            </a:r>
+          </a:p>
+          <a:p>
+            <a:pPr marL="0" indent="0">
+              <a:buNone/>
+            </a:pPr>
+            <a:r>
+              <a:rPr lang="en-US" sz="1600" b="0" dirty="0">
+                <a:effectLst/>
+                <a:latin typeface="Source Code Pro" panose="020B0509030403020204" pitchFamily="49" charset="0"/>
+                <a:ea typeface="Source Code Pro" panose="020B0509030403020204" pitchFamily="49" charset="0"/>
+              </a:rPr>
+              <a:t>&lt;h3&gt;T &amp;amp; Th 1pm - 2pm PT 105 Stanley&lt;/h3&gt;</a:t>
+            </a:r>
+            <a:br>
+              <a:rPr lang="en-US" sz="1600" b="0" dirty="0">
+                <a:effectLst/>
+                <a:latin typeface="Source Code Pro" panose="020B0509030403020204" pitchFamily="49" charset="0"/>
+                <a:ea typeface="Source Code Pro" panose="020B0509030403020204" pitchFamily="49" charset="0"/>
+              </a:rPr>
+            </a:br>
+            <a:r>
+              <a:rPr lang="en-US" sz="1600" b="0" dirty="0">
+                <a:effectLst/>
+                <a:latin typeface="Source Code Pro" panose="020B0509030403020204" pitchFamily="49" charset="0"/>
+                <a:ea typeface="Source Code Pro" panose="020B0509030403020204" pitchFamily="49" charset="0"/>
+              </a:rPr>
+              <a:t>&lt;/div&gt;</a:t>
+            </a:r>
+            <a:br>
+              <a:rPr lang="en-US" sz="1600" b="0" dirty="0">
+                <a:effectLst/>
+                <a:latin typeface="Source Code Pro" panose="020B0509030403020204" pitchFamily="49" charset="0"/>
+                <a:ea typeface="Source Code Pro" panose="020B0509030403020204" pitchFamily="49" charset="0"/>
+              </a:rPr>
+            </a:br>
+            <a:r>
+              <a:rPr lang="en-US" sz="1600" b="0" dirty="0">
+                <a:effectLst/>
+                <a:latin typeface="Source Code Pro" panose="020B0509030403020204" pitchFamily="49" charset="0"/>
+                <a:ea typeface="Source Code Pro" panose="020B0509030403020204" pitchFamily="49" charset="0"/>
+              </a:rPr>
+              <a:t>&lt;section&gt;&lt;h2&gt;Announcements&lt;/h2&gt;…</a:t>
+            </a:r>
+          </a:p>
+          <a:p>
+            <a:pPr marL="0" indent="0">
+              <a:buNone/>
+            </a:pPr>
+            <a:endParaRPr lang="en-US" sz="1600" dirty="0">
+              <a:latin typeface="Source Code Pro" panose="020B0509030403020204" pitchFamily="49" charset="0"/>
+              <a:ea typeface="Source Code Pro" panose="020B0509030403020204" pitchFamily="49" charset="0"/>
+            </a:endParaRPr>
+          </a:p>
+        </p:txBody>
+      </p:sp>
+    </p:spTree>
+    <p:extLst>
+      <p:ext uri="{BB962C8B-B14F-4D97-AF65-F5344CB8AC3E}">
+        <p14:creationId xmlns:p14="http://schemas.microsoft.com/office/powerpoint/2010/main" val="3855056951"/>
+      </p:ext>
+    </p:extLst>
+  </p:cSld>
+  <p:clrMapOvr>
+    <a:masterClrMapping/>
+  </p:clrMapOvr>
+</p:sld>
+</file>
+
+<file path=ppt/slides/slide18.xml><?xml version="1.0" encoding="utf-8"?>
+<p:sld xmlns:a="http://schemas.openxmlformats.org/drawingml/2006/main" xmlns:r="http://schemas.openxmlformats.org/officeDocument/2006/relationships" xmlns:p="http://schemas.openxmlformats.org/presentationml/2006/main">
+  <p:cSld>
+    <p:spTree>
+      <p:nvGrpSpPr>
+        <p:cNvPr id="1" name="Shape 145"/>
+        <p:cNvGrpSpPr/>
+        <p:nvPr/>
+      </p:nvGrpSpPr>
+      <p:grpSpPr>
+        <a:xfrm>
+          <a:off x="0" y="0"/>
+          <a:ext cx="0" cy="0"/>
+          <a:chOff x="0" y="0"/>
+          <a:chExt cx="0" cy="0"/>
+        </a:xfrm>
+      </p:grpSpPr>
+      <p:sp>
+        <p:nvSpPr>
+          <p:cNvPr id="146" name="Google Shape;146;p24"/>
+          <p:cNvSpPr txBox="1">
+            <a:spLocks noGrp="1"/>
+          </p:cNvSpPr>
+          <p:nvPr>
+            <p:ph type="title"/>
+          </p:nvPr>
+        </p:nvSpPr>
+        <p:spPr/>
+        <p:txBody>
+          <a:bodyPr/>
+          <a:lstStyle/>
+          <a:p>
+            <a:pPr lvl="0"/>
+            <a:r>
+              <a:rPr lang="en-US"/>
+              <a:t>Declarative Programming</a:t>
+            </a:r>
+          </a:p>
+        </p:txBody>
+      </p:sp>
+      <p:sp>
+        <p:nvSpPr>
+          <p:cNvPr id="147" name="Google Shape;147;p24"/>
+          <p:cNvSpPr txBox="1">
+            <a:spLocks noGrp="1"/>
+          </p:cNvSpPr>
+          <p:nvPr>
+            <p:ph idx="1"/>
+          </p:nvPr>
+        </p:nvSpPr>
+        <p:spPr/>
+        <p:txBody>
+          <a:bodyPr/>
+          <a:lstStyle/>
+          <a:p>
+            <a:pPr lvl="0"/>
+            <a:r>
+              <a:rPr lang="en-US" dirty="0"/>
+              <a:t>In declarative programming, we express what we want, without specifying how. A program is simply a description of the result we want.</a:t>
+            </a:r>
+          </a:p>
+          <a:p>
+            <a:pPr lvl="0"/>
+            <a:r>
+              <a:rPr lang="en-US" dirty="0"/>
+              <a:t>Example: </a:t>
+            </a:r>
+            <a:r>
+              <a:rPr lang="en-US" dirty="0">
+                <a:hlinkClick r:id="rId3"/>
+              </a:rPr>
+              <a:t>coloring a map of Germany using the Prolog language</a:t>
+            </a:r>
+            <a:r>
+              <a:rPr lang="en-US" dirty="0"/>
+              <a:t>:</a:t>
+            </a:r>
+            <a:br>
+              <a:rPr lang="en-US" dirty="0"/>
+            </a:br>
+            <a:endParaRPr lang="en-US" dirty="0"/>
+          </a:p>
+        </p:txBody>
+      </p:sp>
+      <p:pic>
+        <p:nvPicPr>
+          <p:cNvPr id="148" name="Google Shape;148;p24"/>
+          <p:cNvPicPr preferRelativeResize="0"/>
+          <p:nvPr/>
+        </p:nvPicPr>
+        <p:blipFill>
+          <a:blip r:embed="rId4">
+            <a:alphaModFix/>
+          </a:blip>
+          <a:stretch>
+            <a:fillRect/>
+          </a:stretch>
+        </p:blipFill>
+        <p:spPr>
+          <a:xfrm>
+            <a:off x="1739637" y="2227025"/>
+            <a:ext cx="5664725" cy="2745025"/>
+          </a:xfrm>
+          <a:prstGeom prst="rect">
+            <a:avLst/>
+          </a:prstGeom>
+          <a:noFill/>
+          <a:ln>
+            <a:noFill/>
+          </a:ln>
+        </p:spPr>
+      </p:pic>
+    </p:spTree>
+  </p:cSld>
+  <p:clrMapOvr>
+    <a:masterClrMapping/>
+  </p:clrMapOvr>
+</p:sld>
+</file>
+
+<file path=ppt/slides/slide19.xml><?xml version="1.0" encoding="utf-8"?>
+<p:sld xmlns:a="http://schemas.openxmlformats.org/drawingml/2006/main" xmlns:r="http://schemas.openxmlformats.org/officeDocument/2006/relationships" xmlns:p="http://schemas.openxmlformats.org/presentationml/2006/main">
+  <p:cSld>
+    <p:spTree>
+      <p:nvGrpSpPr>
+        <p:cNvPr id="1" name="Shape 152"/>
+        <p:cNvGrpSpPr/>
+        <p:nvPr/>
+      </p:nvGrpSpPr>
+      <p:grpSpPr>
+        <a:xfrm>
+          <a:off x="0" y="0"/>
+          <a:ext cx="0" cy="0"/>
+          <a:chOff x="0" y="0"/>
+          <a:chExt cx="0" cy="0"/>
+        </a:xfrm>
+      </p:grpSpPr>
+      <p:sp>
+        <p:nvSpPr>
+          <p:cNvPr id="153" name="Google Shape;153;p25"/>
+          <p:cNvSpPr txBox="1">
+            <a:spLocks noGrp="1"/>
+          </p:cNvSpPr>
+          <p:nvPr>
+            <p:ph type="title"/>
+          </p:nvPr>
+        </p:nvSpPr>
+        <p:spPr/>
+        <p:txBody>
+          <a:bodyPr/>
+          <a:lstStyle/>
+          <a:p>
+            <a:pPr lvl="0"/>
+            <a:r>
+              <a:rPr lang="en-US"/>
+              <a:t>Prolog Example (From </a:t>
+            </a:r>
+            <a:r>
+              <a:rPr lang="en-US">
+                <a:hlinkClick r:id="rId3"/>
+              </a:rPr>
+              <a:t>Bernardo Pires</a:t>
+            </a:r>
+            <a:r>
+              <a:rPr lang="en-US"/>
+              <a:t>)</a:t>
+            </a:r>
+          </a:p>
+        </p:txBody>
+      </p:sp>
+      <p:sp>
+        <p:nvSpPr>
+          <p:cNvPr id="154" name="Google Shape;154;p25"/>
+          <p:cNvSpPr txBox="1">
+            <a:spLocks noGrp="1"/>
+          </p:cNvSpPr>
+          <p:nvPr>
+            <p:ph idx="1"/>
+          </p:nvPr>
+        </p:nvSpPr>
+        <p:spPr/>
+        <p:txBody>
+          <a:bodyPr/>
+          <a:lstStyle/>
+          <a:p>
+            <a:pPr lvl="0"/>
+            <a:r>
+              <a:rPr lang="en-US"/>
+              <a:t>Tell Prolog that colors exist:         Tell Prolog that same colors can’t touch:</a:t>
+            </a:r>
+          </a:p>
+          <a:p>
+            <a:pPr lvl="0"/>
+            <a:endParaRPr lang="en-US"/>
+          </a:p>
+          <a:p>
+            <a:pPr lvl="0"/>
+            <a:endParaRPr lang="en-US"/>
+          </a:p>
+          <a:p>
+            <a:pPr lvl="0"/>
+            <a:endParaRPr lang="en-US"/>
+          </a:p>
+          <a:p>
+            <a:pPr lvl="0"/>
+            <a:r>
+              <a:rPr lang="en-US"/>
+              <a:t>                                                                                </a:t>
+            </a:r>
+          </a:p>
+          <a:p>
+            <a:pPr lvl="0"/>
+            <a:endParaRPr lang="en-US"/>
+          </a:p>
+        </p:txBody>
+      </p:sp>
+      <p:pic>
+        <p:nvPicPr>
+          <p:cNvPr id="155" name="Google Shape;155;p25"/>
+          <p:cNvPicPr preferRelativeResize="0"/>
+          <p:nvPr/>
+        </p:nvPicPr>
+        <p:blipFill>
+          <a:blip r:embed="rId4">
+            <a:alphaModFix/>
+          </a:blip>
+          <a:stretch>
+            <a:fillRect/>
+          </a:stretch>
+        </p:blipFill>
+        <p:spPr>
+          <a:xfrm>
+            <a:off x="2238008" y="1234402"/>
+            <a:ext cx="1171575" cy="695325"/>
+          </a:xfrm>
+          <a:prstGeom prst="rect">
+            <a:avLst/>
+          </a:prstGeom>
+          <a:noFill/>
+          <a:ln>
+            <a:noFill/>
+          </a:ln>
+        </p:spPr>
+      </p:pic>
+      <p:pic>
+        <p:nvPicPr>
+          <p:cNvPr id="156" name="Google Shape;156;p25"/>
+          <p:cNvPicPr preferRelativeResize="0"/>
+          <p:nvPr/>
+        </p:nvPicPr>
+        <p:blipFill>
+          <a:blip r:embed="rId5">
+            <a:alphaModFix/>
+          </a:blip>
+          <a:stretch>
+            <a:fillRect/>
+          </a:stretch>
+        </p:blipFill>
+        <p:spPr>
+          <a:xfrm>
+            <a:off x="3657638" y="1104213"/>
+            <a:ext cx="4829175" cy="657225"/>
+          </a:xfrm>
+          <a:prstGeom prst="rect">
+            <a:avLst/>
+          </a:prstGeom>
+          <a:noFill/>
+          <a:ln>
+            <a:noFill/>
+          </a:ln>
+        </p:spPr>
+      </p:pic>
+      <p:pic>
+        <p:nvPicPr>
+          <p:cNvPr id="157" name="Google Shape;157;p25"/>
+          <p:cNvPicPr preferRelativeResize="0"/>
+          <p:nvPr/>
+        </p:nvPicPr>
+        <p:blipFill>
+          <a:blip r:embed="rId6">
+            <a:alphaModFix/>
+          </a:blip>
+          <a:stretch>
+            <a:fillRect/>
+          </a:stretch>
+        </p:blipFill>
+        <p:spPr>
+          <a:xfrm>
+            <a:off x="-9527" y="2388769"/>
+            <a:ext cx="5581650" cy="2314575"/>
+          </a:xfrm>
+          <a:prstGeom prst="rect">
+            <a:avLst/>
+          </a:prstGeom>
+          <a:noFill/>
+          <a:ln>
+            <a:noFill/>
+          </a:ln>
+        </p:spPr>
+      </p:pic>
+      <p:pic>
+        <p:nvPicPr>
+          <p:cNvPr id="158" name="Google Shape;158;p25"/>
+          <p:cNvPicPr preferRelativeResize="0"/>
+          <p:nvPr/>
+        </p:nvPicPr>
+        <p:blipFill>
+          <a:blip r:embed="rId7">
+            <a:alphaModFix/>
+          </a:blip>
+          <a:stretch>
+            <a:fillRect/>
+          </a:stretch>
+        </p:blipFill>
+        <p:spPr>
+          <a:xfrm>
+            <a:off x="3740763" y="4703344"/>
+            <a:ext cx="5324475" cy="314325"/>
+          </a:xfrm>
+          <a:prstGeom prst="rect">
+            <a:avLst/>
+          </a:prstGeom>
+          <a:noFill/>
+          <a:ln>
+            <a:noFill/>
+          </a:ln>
+        </p:spPr>
+      </p:pic>
+      <p:sp>
+        <p:nvSpPr>
+          <p:cNvPr id="159" name="Google Shape;159;p25"/>
+          <p:cNvSpPr txBox="1"/>
+          <p:nvPr/>
+        </p:nvSpPr>
+        <p:spPr>
+          <a:xfrm>
+            <a:off x="6" y="1929727"/>
+            <a:ext cx="3000000" cy="495300"/>
+          </a:xfrm>
+          <a:prstGeom prst="rect">
+            <a:avLst/>
+          </a:prstGeom>
+          <a:noFill/>
+          <a:ln>
+            <a:noFill/>
+          </a:ln>
+        </p:spPr>
+        <p:txBody>
+          <a:bodyPr spcFirstLastPara="1" wrap="square" lIns="91425" tIns="91425" rIns="91425" bIns="91425" anchor="ctr" anchorCtr="0">
+            <a:noAutofit/>
+          </a:bodyPr>
+          <a:lstStyle/>
+          <a:p>
+            <a:pPr marL="0" lvl="0" indent="0" algn="l" rtl="0">
+              <a:spcBef>
+                <a:spcPts val="600"/>
+              </a:spcBef>
+              <a:spcAft>
+                <a:spcPts val="0"/>
+              </a:spcAft>
+              <a:buNone/>
+            </a:pPr>
+            <a:r>
+              <a:rPr lang="en" sz="2000">
+                <a:solidFill>
+                  <a:schemeClr val="dk1"/>
+                </a:solidFill>
+                <a:latin typeface="Calibri"/>
+                <a:ea typeface="Calibri"/>
+                <a:cs typeface="Calibri"/>
+                <a:sym typeface="Calibri"/>
+              </a:rPr>
+              <a:t>Tell Prolog all the borders: </a:t>
+            </a:r>
+            <a:endParaRPr/>
+          </a:p>
+        </p:txBody>
+      </p:sp>
+      <p:sp>
+        <p:nvSpPr>
+          <p:cNvPr id="160" name="Google Shape;160;p25"/>
+          <p:cNvSpPr txBox="1"/>
+          <p:nvPr/>
+        </p:nvSpPr>
+        <p:spPr>
+          <a:xfrm>
+            <a:off x="6072644" y="4104492"/>
+            <a:ext cx="3000000" cy="911700"/>
+          </a:xfrm>
+          <a:prstGeom prst="rect">
+            <a:avLst/>
+          </a:prstGeom>
+          <a:noFill/>
+          <a:ln>
+            <a:noFill/>
+          </a:ln>
+        </p:spPr>
+        <p:txBody>
+          <a:bodyPr spcFirstLastPara="1" wrap="square" lIns="91425" tIns="91425" rIns="91425" bIns="91425" anchor="ctr" anchorCtr="0">
+            <a:noAutofit/>
+          </a:bodyPr>
+          <a:lstStyle/>
+          <a:p>
+            <a:pPr marL="0" lvl="0" indent="0" algn="l" rtl="0">
+              <a:spcBef>
+                <a:spcPts val="600"/>
+              </a:spcBef>
+              <a:spcAft>
+                <a:spcPts val="0"/>
+              </a:spcAft>
+              <a:buNone/>
+            </a:pPr>
+            <a:r>
+              <a:rPr lang="en" sz="2000">
+                <a:solidFill>
+                  <a:schemeClr val="dk1"/>
+                </a:solidFill>
+                <a:latin typeface="Calibri"/>
+                <a:ea typeface="Calibri"/>
+                <a:cs typeface="Calibri"/>
+                <a:sym typeface="Calibri"/>
+              </a:rPr>
+              <a:t>Ask Prolog for answer:</a:t>
+            </a:r>
+            <a:endParaRPr/>
+          </a:p>
+        </p:txBody>
+      </p:sp>
+    </p:spTree>
+  </p:cSld>
+  <p:clrMapOvr>
+    <a:masterClrMapping/>
+  </p:clrMapOvr>
+</p:sld>
+</file>
+
+<file path=ppt/slides/slide2.xml><?xml version="1.0" encoding="utf-8"?>
+<p:sld xmlns:a="http://schemas.openxmlformats.org/drawingml/2006/main" xmlns:r="http://schemas.openxmlformats.org/officeDocument/2006/relationships" xmlns:p="http://schemas.openxmlformats.org/presentationml/2006/main">
+  <p:cSld>
+    <p:spTree>
+      <p:nvGrpSpPr>
+        <p:cNvPr id="1" name=""/>
+        <p:cNvGrpSpPr/>
+        <p:nvPr/>
+      </p:nvGrpSpPr>
+      <p:grpSpPr>
+        <a:xfrm>
+          <a:off x="0" y="0"/>
+          <a:ext cx="0" cy="0"/>
+          <a:chOff x="0" y="0"/>
+          <a:chExt cx="0" cy="0"/>
+        </a:xfrm>
+      </p:grpSpPr>
+      <p:sp>
+        <p:nvSpPr>
+          <p:cNvPr id="2" name="Title 1">
+            <a:extLst>
+              <a:ext uri="{FF2B5EF4-FFF2-40B4-BE49-F238E27FC236}">
+                <a16:creationId xmlns:a16="http://schemas.microsoft.com/office/drawing/2014/main" id="{6D9E74C4-4FE7-3E72-D3F7-AC59602FCA30}"/>
+              </a:ext>
+            </a:extLst>
+          </p:cNvPr>
+          <p:cNvSpPr>
+            <a:spLocks noGrp="1"/>
+          </p:cNvSpPr>
+          <p:nvPr>
+            <p:ph type="title"/>
+          </p:nvPr>
+        </p:nvSpPr>
+        <p:spPr/>
+        <p:txBody>
+          <a:bodyPr/>
+          <a:lstStyle/>
+          <a:p>
+            <a:r>
+              <a:rPr lang="en-US" dirty="0"/>
+              <a:t>Announcements	</a:t>
+            </a:r>
+          </a:p>
+        </p:txBody>
+      </p:sp>
+      <p:sp>
+        <p:nvSpPr>
+          <p:cNvPr id="3" name="Content Placeholder 2">
+            <a:extLst>
+              <a:ext uri="{FF2B5EF4-FFF2-40B4-BE49-F238E27FC236}">
+                <a16:creationId xmlns:a16="http://schemas.microsoft.com/office/drawing/2014/main" id="{A9437D60-96FE-CE0F-D41D-63DD75BF878A}"/>
+              </a:ext>
+            </a:extLst>
+          </p:cNvPr>
+          <p:cNvSpPr>
+            <a:spLocks noGrp="1"/>
+          </p:cNvSpPr>
+          <p:nvPr>
+            <p:ph idx="1"/>
+          </p:nvPr>
+        </p:nvSpPr>
+        <p:spPr/>
+        <p:txBody>
+          <a:bodyPr/>
+          <a:lstStyle/>
+          <a:p>
+            <a:r>
+              <a:rPr lang="en-US" dirty="0"/>
+              <a:t> Please check Ed / Class calendar for new deadlines</a:t>
+            </a:r>
+          </a:p>
+          <a:p>
+            <a:r>
+              <a:rPr lang="en-US" dirty="0"/>
+              <a:t> No labs, OH, tutoring sessions</a:t>
+            </a:r>
+          </a:p>
+          <a:p>
+            <a:pPr lvl="1"/>
+            <a:r>
+              <a:rPr lang="en-US" dirty="0"/>
+              <a:t> CS Mentors is still happening.</a:t>
+            </a:r>
+          </a:p>
+        </p:txBody>
+      </p:sp>
+    </p:spTree>
+    <p:extLst>
+      <p:ext uri="{BB962C8B-B14F-4D97-AF65-F5344CB8AC3E}">
+        <p14:creationId xmlns:p14="http://schemas.microsoft.com/office/powerpoint/2010/main" val="2403662743"/>
+      </p:ext>
+    </p:extLst>
+  </p:cSld>
+  <p:clrMapOvr>
+    <a:masterClrMapping/>
+  </p:clrMapOvr>
+</p:sld>
+</file>
+
+<file path=ppt/slides/slide20.xml><?xml version="1.0" encoding="utf-8"?>
+<p:sld xmlns:a="http://schemas.openxmlformats.org/drawingml/2006/main" xmlns:r="http://schemas.openxmlformats.org/officeDocument/2006/relationships" xmlns:p="http://schemas.openxmlformats.org/presentationml/2006/main">
+  <p:cSld>
+    <p:spTree>
+      <p:nvGrpSpPr>
+        <p:cNvPr id="1" name="Shape 164"/>
+        <p:cNvGrpSpPr/>
+        <p:nvPr/>
+      </p:nvGrpSpPr>
+      <p:grpSpPr>
+        <a:xfrm>
+          <a:off x="0" y="0"/>
+          <a:ext cx="0" cy="0"/>
+          <a:chOff x="0" y="0"/>
+          <a:chExt cx="0" cy="0"/>
+        </a:xfrm>
+      </p:grpSpPr>
+      <p:sp>
+        <p:nvSpPr>
+          <p:cNvPr id="165" name="Google Shape;165;p26"/>
+          <p:cNvSpPr txBox="1">
+            <a:spLocks noGrp="1"/>
+          </p:cNvSpPr>
+          <p:nvPr>
+            <p:ph type="title"/>
+          </p:nvPr>
+        </p:nvSpPr>
+        <p:spPr/>
+        <p:txBody>
+          <a:bodyPr/>
+          <a:lstStyle/>
+          <a:p>
+            <a:pPr lvl="0"/>
+            <a:r>
+              <a:rPr lang="en-US"/>
+              <a:t>Declarative Programming</a:t>
+            </a:r>
+          </a:p>
+        </p:txBody>
+      </p:sp>
+      <p:sp>
+        <p:nvSpPr>
+          <p:cNvPr id="166" name="Google Shape;166;p26"/>
+          <p:cNvSpPr txBox="1">
+            <a:spLocks noGrp="1"/>
+          </p:cNvSpPr>
+          <p:nvPr>
+            <p:ph idx="1"/>
+          </p:nvPr>
+        </p:nvSpPr>
+        <p:spPr/>
+        <p:txBody>
+          <a:bodyPr/>
+          <a:lstStyle/>
+          <a:p>
+            <a:pPr lvl="0"/>
+            <a:r>
+              <a:rPr lang="en-US" dirty="0"/>
+              <a:t>In declarative programming, we express what we want, without specifying how. A program is simply a description of the </a:t>
+            </a:r>
+            <a:r>
+              <a:rPr lang="en-US" b="1" dirty="0"/>
+              <a:t>result</a:t>
+            </a:r>
+            <a:r>
+              <a:rPr lang="en-US" dirty="0"/>
+              <a:t> we want.</a:t>
+            </a:r>
+          </a:p>
+          <a:p>
+            <a:pPr lvl="0"/>
+            <a:r>
+              <a:rPr lang="en-US" dirty="0"/>
+              <a:t>Another example, </a:t>
+            </a:r>
+            <a:r>
+              <a:rPr lang="en-US" dirty="0">
+                <a:hlinkClick r:id="rId3"/>
+              </a:rPr>
+              <a:t>coloring a map of Germany using the Prolog language</a:t>
+            </a:r>
+            <a:r>
+              <a:rPr lang="en-US" dirty="0"/>
+              <a:t>:</a:t>
+            </a:r>
+            <a:br>
+              <a:rPr lang="en-US" dirty="0"/>
+            </a:br>
+            <a:endParaRPr lang="en-US" dirty="0"/>
+          </a:p>
+        </p:txBody>
+      </p:sp>
+      <p:pic>
+        <p:nvPicPr>
+          <p:cNvPr id="167" name="Google Shape;167;p26"/>
+          <p:cNvPicPr preferRelativeResize="0"/>
+          <p:nvPr/>
+        </p:nvPicPr>
+        <p:blipFill>
+          <a:blip r:embed="rId4">
+            <a:alphaModFix/>
+          </a:blip>
+          <a:stretch>
+            <a:fillRect/>
+          </a:stretch>
+        </p:blipFill>
+        <p:spPr>
+          <a:xfrm>
+            <a:off x="4879427" y="2446434"/>
+            <a:ext cx="3689964" cy="1788091"/>
+          </a:xfrm>
+          <a:prstGeom prst="rect">
+            <a:avLst/>
+          </a:prstGeom>
+          <a:noFill/>
+          <a:ln>
+            <a:noFill/>
+          </a:ln>
+        </p:spPr>
+      </p:pic>
+      <p:pic>
+        <p:nvPicPr>
+          <p:cNvPr id="168" name="Google Shape;168;p26"/>
+          <p:cNvPicPr preferRelativeResize="0"/>
+          <p:nvPr/>
+        </p:nvPicPr>
+        <p:blipFill>
+          <a:blip r:embed="rId5">
+            <a:alphaModFix/>
+          </a:blip>
+          <a:stretch>
+            <a:fillRect/>
+          </a:stretch>
+        </p:blipFill>
+        <p:spPr>
+          <a:xfrm>
+            <a:off x="400050" y="3128311"/>
+            <a:ext cx="4295775" cy="762000"/>
+          </a:xfrm>
+          <a:prstGeom prst="rect">
+            <a:avLst/>
+          </a:prstGeom>
+          <a:noFill/>
+          <a:ln>
+            <a:noFill/>
+          </a:ln>
+        </p:spPr>
+      </p:pic>
+    </p:spTree>
+  </p:cSld>
+  <p:clrMapOvr>
+    <a:masterClrMapping/>
+  </p:clrMapOvr>
+</p:sld>
+</file>
+
+<file path=ppt/slides/slide21.xml><?xml version="1.0" encoding="utf-8"?>
+<p:sld xmlns:a="http://schemas.openxmlformats.org/drawingml/2006/main" xmlns:r="http://schemas.openxmlformats.org/officeDocument/2006/relationships" xmlns:p="http://schemas.openxmlformats.org/presentationml/2006/main">
+  <p:cSld>
+    <p:spTree>
+      <p:nvGrpSpPr>
+        <p:cNvPr id="1" name="Shape 172"/>
+        <p:cNvGrpSpPr/>
+        <p:nvPr/>
+      </p:nvGrpSpPr>
+      <p:grpSpPr>
+        <a:xfrm>
+          <a:off x="0" y="0"/>
+          <a:ext cx="0" cy="0"/>
+          <a:chOff x="0" y="0"/>
+          <a:chExt cx="0" cy="0"/>
+        </a:xfrm>
+      </p:grpSpPr>
+      <p:sp>
+        <p:nvSpPr>
+          <p:cNvPr id="173" name="Google Shape;173;p27"/>
+          <p:cNvSpPr txBox="1">
+            <a:spLocks noGrp="1"/>
+          </p:cNvSpPr>
+          <p:nvPr>
+            <p:ph type="title"/>
+          </p:nvPr>
+        </p:nvSpPr>
+        <p:spPr/>
+        <p:txBody>
+          <a:bodyPr/>
+          <a:lstStyle/>
+          <a:p>
+            <a:pPr lvl="0"/>
+            <a:r>
+              <a:rPr lang="en-US"/>
+              <a:t>Declarative Programming</a:t>
+            </a:r>
+          </a:p>
+        </p:txBody>
+      </p:sp>
+      <p:sp>
+        <p:nvSpPr>
+          <p:cNvPr id="174" name="Google Shape;174;p27"/>
+          <p:cNvSpPr txBox="1">
+            <a:spLocks noGrp="1"/>
+          </p:cNvSpPr>
+          <p:nvPr>
+            <p:ph idx="1"/>
+          </p:nvPr>
+        </p:nvSpPr>
+        <p:spPr/>
+        <p:txBody>
+          <a:bodyPr/>
+          <a:lstStyle/>
+          <a:p>
+            <a:pPr lvl="0"/>
+            <a:r>
+              <a:rPr lang="en-US" dirty="0"/>
+              <a:t>Each declarative language has only a limited number of tasks for which you can specify “what”, and not “how”, e.g.</a:t>
+            </a:r>
+          </a:p>
+          <a:p>
+            <a:pPr lvl="0"/>
+            <a:r>
+              <a:rPr lang="en-US" dirty="0"/>
+              <a:t> Prolog: Logic.</a:t>
+            </a:r>
+          </a:p>
+          <a:p>
+            <a:pPr lvl="0"/>
+            <a:r>
+              <a:rPr lang="en-US" dirty="0"/>
+              <a:t> SQL: Queries from a database.</a:t>
+            </a:r>
+          </a:p>
+          <a:p>
+            <a:pPr lvl="0"/>
+            <a:r>
+              <a:rPr lang="en-US" dirty="0"/>
+              <a:t> Pandas: Data manipulation operations like aggregation, filtering, joining, etc.</a:t>
+            </a:r>
+          </a:p>
+          <a:p>
+            <a:pPr lvl="1"/>
+            <a:r>
+              <a:rPr lang="en-US" dirty="0"/>
+              <a:t> Very common operations in Data 8 and Data 100.</a:t>
+            </a:r>
+          </a:p>
+          <a:p>
+            <a:pPr lvl="1"/>
+            <a:r>
+              <a:rPr lang="en-US" dirty="0"/>
+              <a:t> Pandas is a library for Python. You'll use it in Data 100!</a:t>
+            </a:r>
+          </a:p>
+        </p:txBody>
+      </p:sp>
+    </p:spTree>
+  </p:cSld>
+  <p:clrMapOvr>
+    <a:masterClrMapping/>
+  </p:clrMapOvr>
+</p:sld>
+</file>
+
+<file path=ppt/slides/slide22.xml><?xml version="1.0" encoding="utf-8"?>
+<p:sld xmlns:a="http://schemas.openxmlformats.org/drawingml/2006/main" xmlns:r="http://schemas.openxmlformats.org/officeDocument/2006/relationships" xmlns:p="http://schemas.openxmlformats.org/presentationml/2006/main">
+  <p:cSld>
+    <p:spTree>
+      <p:nvGrpSpPr>
+        <p:cNvPr id="1" name=""/>
+        <p:cNvGrpSpPr/>
+        <p:nvPr/>
+      </p:nvGrpSpPr>
+      <p:grpSpPr>
+        <a:xfrm>
+          <a:off x="0" y="0"/>
+          <a:ext cx="0" cy="0"/>
+          <a:chOff x="0" y="0"/>
+          <a:chExt cx="0" cy="0"/>
+        </a:xfrm>
+      </p:grpSpPr>
+      <p:sp>
+        <p:nvSpPr>
+          <p:cNvPr id="2" name="Title 1">
+            <a:extLst>
+              <a:ext uri="{FF2B5EF4-FFF2-40B4-BE49-F238E27FC236}">
+                <a16:creationId xmlns:a16="http://schemas.microsoft.com/office/drawing/2014/main" id="{BDBBFB2C-55AF-8E39-3E7E-66444061CB24}"/>
+              </a:ext>
+            </a:extLst>
+          </p:cNvPr>
+          <p:cNvSpPr>
+            <a:spLocks noGrp="1"/>
+          </p:cNvSpPr>
+          <p:nvPr>
+            <p:ph type="title"/>
+          </p:nvPr>
+        </p:nvSpPr>
+        <p:spPr/>
+        <p:txBody>
+          <a:bodyPr/>
+          <a:lstStyle/>
+          <a:p>
+            <a:r>
+              <a:rPr lang="en-US" dirty="0"/>
+              <a:t>Declarative Programming In Data 8</a:t>
+            </a:r>
+          </a:p>
+        </p:txBody>
+      </p:sp>
+      <p:sp>
+        <p:nvSpPr>
+          <p:cNvPr id="3" name="Content Placeholder 2">
+            <a:extLst>
+              <a:ext uri="{FF2B5EF4-FFF2-40B4-BE49-F238E27FC236}">
+                <a16:creationId xmlns:a16="http://schemas.microsoft.com/office/drawing/2014/main" id="{80550B02-EC86-A750-DED8-EE0AB680ACEE}"/>
+              </a:ext>
+            </a:extLst>
+          </p:cNvPr>
+          <p:cNvSpPr>
+            <a:spLocks noGrp="1"/>
+          </p:cNvSpPr>
+          <p:nvPr>
+            <p:ph idx="1"/>
+          </p:nvPr>
+        </p:nvSpPr>
+        <p:spPr/>
+        <p:txBody>
+          <a:bodyPr/>
+          <a:lstStyle/>
+          <a:p>
+            <a:r>
+              <a:rPr lang="en-US" dirty="0"/>
+              <a:t> </a:t>
+            </a:r>
+            <a:r>
+              <a:rPr lang="en-US" dirty="0" err="1">
+                <a:latin typeface="Source Code Pro" panose="020B0509030403020204" pitchFamily="49" charset="0"/>
+                <a:ea typeface="Source Code Pro" panose="020B0509030403020204" pitchFamily="49" charset="0"/>
+              </a:rPr>
+              <a:t>cones.group</a:t>
+            </a:r>
+            <a:r>
+              <a:rPr lang="en-US" dirty="0">
+                <a:latin typeface="Source Code Pro" panose="020B0509030403020204" pitchFamily="49" charset="0"/>
+                <a:ea typeface="Source Code Pro" panose="020B0509030403020204" pitchFamily="49" charset="0"/>
+              </a:rPr>
+              <a:t>('Flavor')</a:t>
+            </a:r>
+          </a:p>
+          <a:p>
+            <a:pPr lvl="1"/>
+            <a:r>
+              <a:rPr lang="en-US" dirty="0">
+                <a:latin typeface="Source Code Pro" panose="020B0509030403020204" pitchFamily="49" charset="0"/>
+                <a:ea typeface="Source Code Pro" panose="020B0509030403020204" pitchFamily="49" charset="0"/>
+              </a:rPr>
+              <a:t> </a:t>
+            </a:r>
+            <a:r>
+              <a:rPr lang="en-US" dirty="0" err="1">
+                <a:latin typeface="Open Sans" panose="020B0606030504020204" pitchFamily="34" charset="0"/>
+                <a:ea typeface="Source Code Pro" panose="020B0509030403020204" pitchFamily="49" charset="0"/>
+                <a:cs typeface="Open Sans" panose="020B0606030504020204" pitchFamily="34" charset="0"/>
+              </a:rPr>
+              <a:t>DataScience</a:t>
+            </a:r>
+            <a:r>
+              <a:rPr lang="en-US" dirty="0">
+                <a:latin typeface="Open Sans" panose="020B0606030504020204" pitchFamily="34" charset="0"/>
+                <a:ea typeface="Source Code Pro" panose="020B0509030403020204" pitchFamily="49" charset="0"/>
+                <a:cs typeface="Open Sans" panose="020B0606030504020204" pitchFamily="34" charset="0"/>
+              </a:rPr>
+              <a:t> module figures out the grouping</a:t>
+            </a:r>
+          </a:p>
+          <a:p>
+            <a:r>
+              <a:rPr lang="en-US" dirty="0">
+                <a:latin typeface="Open Sans" panose="020B0606030504020204" pitchFamily="34" charset="0"/>
+                <a:ea typeface="Source Code Pro" panose="020B0509030403020204" pitchFamily="49" charset="0"/>
+              </a:rPr>
+              <a:t> </a:t>
+            </a:r>
+            <a:r>
+              <a:rPr lang="en-US" dirty="0" err="1">
+                <a:latin typeface="Open Sans" panose="020B0606030504020204" pitchFamily="34" charset="0"/>
+                <a:ea typeface="Source Code Pro" panose="020B0509030403020204" pitchFamily="49" charset="0"/>
+              </a:rPr>
+              <a:t>table.where</a:t>
+            </a:r>
+            <a:r>
+              <a:rPr lang="en-US" dirty="0">
+                <a:latin typeface="Open Sans" panose="020B0606030504020204" pitchFamily="34" charset="0"/>
+                <a:ea typeface="Source Code Pro" panose="020B0509030403020204" pitchFamily="49" charset="0"/>
+              </a:rPr>
+              <a:t>(label, conditions)</a:t>
+            </a:r>
+          </a:p>
+          <a:p>
+            <a:r>
+              <a:rPr lang="en-US" dirty="0">
+                <a:latin typeface="Open Sans" panose="020B0606030504020204" pitchFamily="34" charset="0"/>
+                <a:ea typeface="Source Code Pro" panose="020B0509030403020204" pitchFamily="49" charset="0"/>
+              </a:rPr>
+              <a:t> Can combine these simpler expressions together for more complex questions</a:t>
+            </a:r>
+            <a:endParaRPr lang="en-US" dirty="0">
+              <a:latin typeface="Source Code Pro" panose="020B0509030403020204" pitchFamily="49" charset="0"/>
+              <a:ea typeface="Source Code Pro" panose="020B0509030403020204" pitchFamily="49" charset="0"/>
+            </a:endParaRPr>
+          </a:p>
+        </p:txBody>
+      </p:sp>
+    </p:spTree>
+    <p:extLst>
+      <p:ext uri="{BB962C8B-B14F-4D97-AF65-F5344CB8AC3E}">
+        <p14:creationId xmlns:p14="http://schemas.microsoft.com/office/powerpoint/2010/main" val="1859679608"/>
+      </p:ext>
+    </p:extLst>
+  </p:cSld>
+  <p:clrMapOvr>
+    <a:masterClrMapping/>
+  </p:clrMapOvr>
+</p:sld>
+</file>
+
+<file path=ppt/slides/slide23.xml><?xml version="1.0" encoding="utf-8"?>
+<p:sld xmlns:a="http://schemas.openxmlformats.org/drawingml/2006/main" xmlns:r="http://schemas.openxmlformats.org/officeDocument/2006/relationships" xmlns:p="http://schemas.openxmlformats.org/presentationml/2006/main">
+  <p:cSld>
+    <p:spTree>
+      <p:nvGrpSpPr>
+        <p:cNvPr id="1" name=""/>
+        <p:cNvGrpSpPr/>
+        <p:nvPr/>
+      </p:nvGrpSpPr>
+      <p:grpSpPr>
+        <a:xfrm>
+          <a:off x="0" y="0"/>
+          <a:ext cx="0" cy="0"/>
+          <a:chOff x="0" y="0"/>
+          <a:chExt cx="0" cy="0"/>
+        </a:xfrm>
+      </p:grpSpPr>
+      <p:sp>
+        <p:nvSpPr>
+          <p:cNvPr id="2" name="Title 1">
+            <a:extLst>
+              <a:ext uri="{FF2B5EF4-FFF2-40B4-BE49-F238E27FC236}">
+                <a16:creationId xmlns:a16="http://schemas.microsoft.com/office/drawing/2014/main" id="{05DC5CD3-4D73-6B44-A7F9-B698A45F1D75}"/>
+              </a:ext>
+            </a:extLst>
+          </p:cNvPr>
+          <p:cNvSpPr>
+            <a:spLocks noGrp="1"/>
+          </p:cNvSpPr>
+          <p:nvPr>
+            <p:ph type="title"/>
+          </p:nvPr>
+        </p:nvSpPr>
+        <p:spPr/>
+        <p:txBody>
+          <a:bodyPr/>
+          <a:lstStyle/>
+          <a:p>
+            <a:r>
+              <a:rPr lang="en-US" dirty="0"/>
+              <a:t>Why SQL?</a:t>
+            </a:r>
+          </a:p>
+        </p:txBody>
+      </p:sp>
+      <p:sp>
+        <p:nvSpPr>
+          <p:cNvPr id="3" name="Text Placeholder 2">
+            <a:extLst>
+              <a:ext uri="{FF2B5EF4-FFF2-40B4-BE49-F238E27FC236}">
+                <a16:creationId xmlns:a16="http://schemas.microsoft.com/office/drawing/2014/main" id="{DEF2DD4A-6365-F849-AB88-65DBF08D35F7}"/>
+              </a:ext>
+            </a:extLst>
+          </p:cNvPr>
+          <p:cNvSpPr>
+            <a:spLocks noGrp="1"/>
+          </p:cNvSpPr>
+          <p:nvPr>
+            <p:ph idx="1"/>
+          </p:nvPr>
+        </p:nvSpPr>
+        <p:spPr/>
+        <p:txBody>
+          <a:bodyPr/>
+          <a:lstStyle/>
+          <a:p>
+            <a:r>
+              <a:rPr lang="en-US" dirty="0"/>
+              <a:t>SQL is a </a:t>
+            </a:r>
+            <a:r>
+              <a:rPr lang="en-US" b="1" i="1" dirty="0"/>
+              <a:t>declarative</a:t>
+            </a:r>
+            <a:r>
+              <a:rPr lang="en-US" b="1" dirty="0"/>
+              <a:t> programming language </a:t>
+            </a:r>
+            <a:r>
+              <a:rPr lang="en-US" dirty="0"/>
+              <a:t>for accessing and modifying data in a relational database.</a:t>
+            </a:r>
+          </a:p>
+          <a:p>
+            <a:r>
+              <a:rPr lang="en-US" dirty="0"/>
+              <a:t>It is an entirely new way of thinking (“new” in 1970, and new to you now!) that specifies </a:t>
+            </a:r>
+            <a:r>
+              <a:rPr lang="en-US" i="1" dirty="0"/>
+              <a:t>what </a:t>
+            </a:r>
+            <a:r>
+              <a:rPr lang="en-US" dirty="0"/>
+              <a:t>should happen, but not </a:t>
+            </a:r>
+            <a:r>
+              <a:rPr lang="en-US" i="1" dirty="0"/>
+              <a:t>how</a:t>
+            </a:r>
+            <a:r>
+              <a:rPr lang="en-US" dirty="0"/>
+              <a:t> it should happen.</a:t>
+            </a:r>
+          </a:p>
+          <a:p>
+            <a:r>
+              <a:rPr lang="en-US" dirty="0"/>
+              <a:t> Python is a multi-paradigm language, but we haven't yet tried declarative programming. </a:t>
+            </a:r>
+          </a:p>
+          <a:p>
+            <a:pPr lvl="1"/>
+            <a:endParaRPr lang="en-US" dirty="0"/>
+          </a:p>
+        </p:txBody>
+      </p:sp>
+      <p:sp>
+        <p:nvSpPr>
+          <p:cNvPr id="4" name="Slide Number Placeholder 3">
+            <a:extLst>
+              <a:ext uri="{FF2B5EF4-FFF2-40B4-BE49-F238E27FC236}">
+                <a16:creationId xmlns:a16="http://schemas.microsoft.com/office/drawing/2014/main" id="{4DBDF8CF-688E-1944-91ED-D9A5A5A3D04D}"/>
+              </a:ext>
+            </a:extLst>
+          </p:cNvPr>
+          <p:cNvSpPr>
+            <a:spLocks noGrp="1"/>
+          </p:cNvSpPr>
+          <p:nvPr>
+            <p:ph type="sldNum" idx="4294967295"/>
+          </p:nvPr>
+        </p:nvSpPr>
+        <p:spPr>
+          <a:xfrm>
+            <a:off x="8610600" y="4914900"/>
+            <a:ext cx="533400" cy="228600"/>
+          </a:xfrm>
+          <a:prstGeom prst="rect">
+            <a:avLst/>
+          </a:prstGeom>
+        </p:spPr>
+        <p:txBody>
+          <a:bodyPr/>
+          <a:lstStyle/>
+          <a:p>
+            <a:fld id="{00000000-1234-1234-1234-123412341234}" type="slidenum">
+              <a:rPr lang="en-US" smtClean="0"/>
+              <a:pPr/>
+              <a:t>23</a:t>
+            </a:fld>
+            <a:endParaRPr lang="en-US" b="0"/>
+          </a:p>
+        </p:txBody>
+      </p:sp>
+    </p:spTree>
+    <p:extLst>
+      <p:ext uri="{BB962C8B-B14F-4D97-AF65-F5344CB8AC3E}">
+        <p14:creationId xmlns:p14="http://schemas.microsoft.com/office/powerpoint/2010/main" val="2571801121"/>
+      </p:ext>
+    </p:extLst>
+  </p:cSld>
+  <p:clrMapOvr>
+    <a:masterClrMapping/>
+  </p:clrMapOvr>
+</p:sld>
+</file>
+
+<file path=ppt/slides/slide24.xml><?xml version="1.0" encoding="utf-8"?>
+<p:sld xmlns:a="http://schemas.openxmlformats.org/drawingml/2006/main" xmlns:r="http://schemas.openxmlformats.org/officeDocument/2006/relationships" xmlns:p="http://schemas.openxmlformats.org/presentationml/2006/main">
+  <p:cSld>
+    <p:spTree>
+      <p:nvGrpSpPr>
+        <p:cNvPr id="1" name="Shape 262"/>
+        <p:cNvGrpSpPr/>
+        <p:nvPr/>
+      </p:nvGrpSpPr>
+      <p:grpSpPr>
+        <a:xfrm>
+          <a:off x="0" y="0"/>
+          <a:ext cx="0" cy="0"/>
+          <a:chOff x="0" y="0"/>
+          <a:chExt cx="0" cy="0"/>
+        </a:xfrm>
+      </p:grpSpPr>
+      <p:sp>
+        <p:nvSpPr>
+          <p:cNvPr id="263" name="Google Shape;263;p18"/>
+          <p:cNvSpPr txBox="1">
+            <a:spLocks noGrp="1"/>
+          </p:cNvSpPr>
+          <p:nvPr>
+            <p:ph type="title"/>
+          </p:nvPr>
+        </p:nvSpPr>
+        <p:spPr>
+          <a:xfrm>
+            <a:off x="425670" y="171450"/>
+            <a:ext cx="7003831" cy="552450"/>
+          </a:xfrm>
+          <a:prstGeom prst="rect">
+            <a:avLst/>
+          </a:prstGeom>
+          <a:noFill/>
+          <a:ln>
+            <a:noFill/>
+          </a:ln>
+        </p:spPr>
+        <p:txBody>
+          <a:bodyPr spcFirstLastPara="1" vert="horz" wrap="square" lIns="69056" tIns="34519" rIns="69056" bIns="34519" numCol="1" anchor="ctr" anchorCtr="0" compatLnSpc="1">
+            <a:prstTxWarp prst="textNoShape">
+              <a:avLst/>
+            </a:prstTxWarp>
+            <a:noAutofit/>
+          </a:bodyPr>
+          <a:lstStyle/>
+          <a:p>
+            <a:r>
+              <a:rPr lang="en-US" dirty="0"/>
+              <a:t>What is SQL?</a:t>
+            </a:r>
+            <a:endParaRPr dirty="0"/>
+          </a:p>
+        </p:txBody>
+      </p:sp>
+      <p:sp>
+        <p:nvSpPr>
+          <p:cNvPr id="264" name="Google Shape;264;p18"/>
+          <p:cNvSpPr txBox="1">
+            <a:spLocks noGrp="1"/>
+          </p:cNvSpPr>
+          <p:nvPr>
+            <p:ph idx="1"/>
+          </p:nvPr>
+        </p:nvSpPr>
+        <p:spPr>
+          <a:xfrm>
+            <a:off x="425670" y="800100"/>
+            <a:ext cx="8718331" cy="3943350"/>
+          </a:xfrm>
+          <a:prstGeom prst="rect">
+            <a:avLst/>
+          </a:prstGeom>
+          <a:noFill/>
+          <a:ln>
+            <a:noFill/>
+          </a:ln>
+        </p:spPr>
+        <p:txBody>
+          <a:bodyPr spcFirstLastPara="1" vert="horz" wrap="square" lIns="69056" tIns="34519" rIns="69056" bIns="34519" numCol="1" anchor="t" anchorCtr="0" compatLnSpc="1">
+            <a:prstTxWarp prst="textNoShape">
+              <a:avLst/>
+            </a:prstTxWarp>
+            <a:noAutofit/>
+          </a:bodyPr>
+          <a:lstStyle/>
+          <a:p>
+            <a:pPr marL="214313" indent="-214313">
+              <a:spcBef>
+                <a:spcPts val="0"/>
+              </a:spcBef>
+              <a:buSzPts val="2400"/>
+            </a:pPr>
+            <a:r>
+              <a:rPr lang="en-US" sz="2000" dirty="0"/>
+              <a:t>A declarative language</a:t>
+            </a:r>
+            <a:endParaRPr sz="2000" dirty="0"/>
+          </a:p>
+          <a:p>
+            <a:pPr marL="514350" lvl="1" indent="-171450"/>
+            <a:r>
+              <a:rPr lang="en-US" sz="2000" dirty="0"/>
+              <a:t>Described </a:t>
+            </a:r>
+            <a:r>
+              <a:rPr lang="en-US" sz="2000" i="1" dirty="0"/>
+              <a:t>what</a:t>
+            </a:r>
+            <a:r>
+              <a:rPr lang="en-US" sz="2000" dirty="0"/>
+              <a:t> to compute</a:t>
+            </a:r>
+            <a:endParaRPr sz="2000" dirty="0"/>
+          </a:p>
+          <a:p>
+            <a:pPr marL="514350" lvl="1" indent="-171450"/>
+            <a:r>
+              <a:rPr lang="en-US" sz="2000" dirty="0"/>
+              <a:t>Query processor (interpreter) chooses which of many equivalent query plans to execute to perform the SQL statements</a:t>
+            </a:r>
+            <a:endParaRPr sz="2000" dirty="0"/>
+          </a:p>
+          <a:p>
+            <a:pPr marL="214313" indent="-214313">
+              <a:spcBef>
+                <a:spcPts val="540"/>
+              </a:spcBef>
+              <a:buSzPts val="2400"/>
+            </a:pPr>
+            <a:r>
+              <a:rPr lang="en-US" sz="2000" dirty="0"/>
+              <a:t>ANSI and ISO standard, but many variants</a:t>
+            </a:r>
+          </a:p>
+          <a:p>
+            <a:pPr marL="557213" lvl="1" indent="-214313">
+              <a:spcBef>
+                <a:spcPts val="540"/>
+              </a:spcBef>
+              <a:buSzPts val="2400"/>
+              <a:buFont typeface="Arial"/>
+              <a:buChar char="•"/>
+            </a:pPr>
+            <a:r>
+              <a:rPr lang="en-US" sz="2000" dirty="0"/>
+              <a:t>CS88's SQL will work on nearly all relational databases—databases that use tables. [We'll revisit next lecture!]</a:t>
+            </a:r>
+            <a:endParaRPr sz="2000" dirty="0"/>
+          </a:p>
+          <a:p>
+            <a:pPr marL="214313" indent="-214313">
+              <a:spcBef>
+                <a:spcPts val="540"/>
+              </a:spcBef>
+              <a:buSzPts val="2400"/>
+              <a:buFont typeface="Courier"/>
+              <a:buChar char="•"/>
+            </a:pPr>
+            <a:r>
+              <a:rPr lang="en-US" sz="2000" dirty="0">
+                <a:latin typeface="Courier"/>
+                <a:ea typeface="Courier"/>
+                <a:cs typeface="Courier"/>
+                <a:sym typeface="Courier"/>
+              </a:rPr>
+              <a:t>SELECT</a:t>
+            </a:r>
+            <a:r>
+              <a:rPr lang="en-US" sz="2000" dirty="0"/>
+              <a:t> statement creates a new table, either from scratch or by projecting a table</a:t>
+            </a:r>
+            <a:endParaRPr sz="2000" dirty="0"/>
+          </a:p>
+          <a:p>
+            <a:pPr marL="214313" indent="-214313">
+              <a:spcBef>
+                <a:spcPts val="540"/>
+              </a:spcBef>
+              <a:buSzPts val="2400"/>
+              <a:buFont typeface="Courier"/>
+              <a:buChar char="•"/>
+            </a:pPr>
+            <a:r>
+              <a:rPr lang="en-US" sz="2000" dirty="0">
+                <a:latin typeface="Courier"/>
+                <a:ea typeface="Courier"/>
+                <a:cs typeface="Courier"/>
+                <a:sym typeface="Courier"/>
+              </a:rPr>
+              <a:t>CREATE TABLE </a:t>
+            </a:r>
+            <a:r>
+              <a:rPr lang="en-US" sz="2000" dirty="0"/>
+              <a:t>statement gives a global name to a table</a:t>
+            </a:r>
+            <a:endParaRPr sz="2000" dirty="0"/>
+          </a:p>
+          <a:p>
+            <a:pPr marL="214313" indent="-214313">
+              <a:spcBef>
+                <a:spcPts val="540"/>
+              </a:spcBef>
+              <a:buSzPts val="2400"/>
+            </a:pPr>
+            <a:r>
+              <a:rPr lang="en-US" sz="2000" dirty="0"/>
+              <a:t>Lots of other statements</a:t>
+            </a:r>
+            <a:endParaRPr sz="2000" dirty="0"/>
+          </a:p>
+          <a:p>
+            <a:pPr marL="514350" lvl="1" indent="-171450">
+              <a:buFont typeface="Courier"/>
+              <a:buChar char="–"/>
+            </a:pPr>
+            <a:r>
+              <a:rPr lang="en-US" sz="2000" dirty="0">
+                <a:latin typeface="Courier"/>
+                <a:ea typeface="Courier"/>
+                <a:cs typeface="Courier"/>
+                <a:sym typeface="Courier"/>
+              </a:rPr>
+              <a:t>analyze, delete, explain, insert, replace, update, …</a:t>
+            </a:r>
+            <a:endParaRPr sz="2000" dirty="0"/>
+          </a:p>
+        </p:txBody>
+      </p:sp>
+    </p:spTree>
+  </p:cSld>
+  <p:clrMapOvr>
+    <a:masterClrMapping/>
+  </p:clrMapOvr>
+  <p:timing>
+    <p:tnLst>
+      <p:par>
+        <p:cTn id="1" dur="indefinite" restart="never" nodeType="tmRoot">
+          <p:childTnLst>
+            <p:seq concurrent="1" nextAc="seek">
+              <p:cTn id="2" dur="indefinite" nodeType="mainSeq">
+                <p:childTnLst>
+                  <p:par>
+                    <p:cTn id="3" fill="hold">
+                      <p:stCondLst>
+                        <p:cond delay="indefinite"/>
+                      </p:stCondLst>
+                      <p:childTnLst>
+                        <p:par>
+                          <p:cTn id="4" fill="hold">
+                            <p:stCondLst>
+                              <p:cond delay="0"/>
+                            </p:stCondLst>
+                            <p:childTnLst>
+                              <p:par>
+                                <p:cTn id="5" presetID="1" presetClass="entr" presetSubtype="0" fill="hold" nodeType="clickEffect">
+                                  <p:stCondLst>
+                                    <p:cond delay="0"/>
+                                  </p:stCondLst>
+                                  <p:childTnLst>
+                                    <p:set>
+                                      <p:cBhvr>
+                                        <p:cTn id="6" dur="1" fill="hold">
+                                          <p:stCondLst>
+                                            <p:cond delay="0"/>
+                                          </p:stCondLst>
+                                        </p:cTn>
+                                        <p:tgtEl>
+                                          <p:spTgt spid="264">
+                                            <p:txEl>
+                                              <p:pRg st="0" end="0"/>
+                                            </p:txEl>
+                                          </p:spTgt>
+                                        </p:tgtEl>
+                                        <p:attrNameLst>
+                                          <p:attrName>style.visibility</p:attrName>
+                                        </p:attrNameLst>
+                                      </p:cBhvr>
+                                      <p:to>
+                                        <p:strVal val="visible"/>
+                                      </p:to>
+                                    </p:set>
+                                  </p:childTnLst>
+                                </p:cTn>
+                              </p:par>
+                            </p:childTnLst>
+                          </p:cTn>
+                        </p:par>
+                      </p:childTnLst>
+                    </p:cTn>
+                  </p:par>
+                  <p:par>
+                    <p:cTn id="7" fill="hold">
+                      <p:stCondLst>
+                        <p:cond delay="indefinite"/>
+                      </p:stCondLst>
+                      <p:childTnLst>
+                        <p:par>
+                          <p:cTn id="8" fill="hold">
+                            <p:stCondLst>
+                              <p:cond delay="0"/>
+                            </p:stCondLst>
+                            <p:childTnLst>
+                              <p:par>
+                                <p:cTn id="9" presetID="1" presetClass="entr" presetSubtype="0" fill="hold" nodeType="clickEffect">
+                                  <p:stCondLst>
+                                    <p:cond delay="0"/>
+                                  </p:stCondLst>
+                                  <p:childTnLst>
+                                    <p:set>
+                                      <p:cBhvr>
+                                        <p:cTn id="10" dur="1" fill="hold">
+                                          <p:stCondLst>
+                                            <p:cond delay="0"/>
+                                          </p:stCondLst>
+                                        </p:cTn>
+                                        <p:tgtEl>
+                                          <p:spTgt spid="264">
+                                            <p:txEl>
+                                              <p:pRg st="1" end="1"/>
+                                            </p:txEl>
+                                          </p:spTgt>
+                                        </p:tgtEl>
+                                        <p:attrNameLst>
+                                          <p:attrName>style.visibility</p:attrName>
+                                        </p:attrNameLst>
+                                      </p:cBhvr>
+                                      <p:to>
+                                        <p:strVal val="visible"/>
+                                      </p:to>
+                                    </p:set>
+                                  </p:childTnLst>
+                                </p:cTn>
+                              </p:par>
+                            </p:childTnLst>
+                          </p:cTn>
+                        </p:par>
+                      </p:childTnLst>
+                    </p:cTn>
+                  </p:par>
+                  <p:par>
+                    <p:cTn id="11" fill="hold">
+                      <p:stCondLst>
+                        <p:cond delay="indefinite"/>
+                      </p:stCondLst>
+                      <p:childTnLst>
+                        <p:par>
+                          <p:cTn id="12" fill="hold">
+                            <p:stCondLst>
+                              <p:cond delay="0"/>
+                            </p:stCondLst>
+                            <p:childTnLst>
+                              <p:par>
+                                <p:cTn id="13" presetID="1" presetClass="entr" presetSubtype="0" fill="hold" nodeType="clickEffect">
+                                  <p:stCondLst>
+                                    <p:cond delay="0"/>
+                                  </p:stCondLst>
+                                  <p:childTnLst>
+                                    <p:set>
+                                      <p:cBhvr>
+                                        <p:cTn id="14" dur="1" fill="hold">
+                                          <p:stCondLst>
+                                            <p:cond delay="0"/>
+                                          </p:stCondLst>
+                                        </p:cTn>
+                                        <p:tgtEl>
+                                          <p:spTgt spid="264">
+                                            <p:txEl>
+                                              <p:pRg st="2" end="2"/>
+                                            </p:txEl>
+                                          </p:spTgt>
+                                        </p:tgtEl>
+                                        <p:attrNameLst>
+                                          <p:attrName>style.visibility</p:attrName>
+                                        </p:attrNameLst>
+                                      </p:cBhvr>
+                                      <p:to>
+                                        <p:strVal val="visible"/>
+                                      </p:to>
+                                    </p:set>
+                                  </p:childTnLst>
+                                </p:cTn>
+                              </p:par>
+                            </p:childTnLst>
+                          </p:cTn>
+                        </p:par>
+                      </p:childTnLst>
+                    </p:cTn>
+                  </p:par>
+                  <p:par>
+                    <p:cTn id="15" fill="hold">
+                      <p:stCondLst>
+                        <p:cond delay="indefinite"/>
+                      </p:stCondLst>
+                      <p:childTnLst>
+                        <p:par>
+                          <p:cTn id="16" fill="hold">
+                            <p:stCondLst>
+                              <p:cond delay="0"/>
+                            </p:stCondLst>
+                            <p:childTnLst>
+                              <p:par>
+                                <p:cTn id="17" presetID="1" presetClass="entr" presetSubtype="0" fill="hold" nodeType="clickEffect">
+                                  <p:stCondLst>
+                                    <p:cond delay="0"/>
+                                  </p:stCondLst>
+                                  <p:childTnLst>
+                                    <p:set>
+                                      <p:cBhvr>
+                                        <p:cTn id="18" dur="1" fill="hold">
+                                          <p:stCondLst>
+                                            <p:cond delay="0"/>
+                                          </p:stCondLst>
+                                        </p:cTn>
+                                        <p:tgtEl>
+                                          <p:spTgt spid="264">
+                                            <p:txEl>
+                                              <p:pRg st="3" end="3"/>
+                                            </p:txEl>
+                                          </p:spTgt>
+                                        </p:tgtEl>
+                                        <p:attrNameLst>
+                                          <p:attrName>style.visibility</p:attrName>
+                                        </p:attrNameLst>
+                                      </p:cBhvr>
+                                      <p:to>
+                                        <p:strVal val="visible"/>
+                                      </p:to>
+                                    </p:set>
+                                  </p:childTnLst>
+                                </p:cTn>
+                              </p:par>
+                            </p:childTnLst>
+                          </p:cTn>
+                        </p:par>
+                      </p:childTnLst>
+                    </p:cTn>
+                  </p:par>
+                  <p:par>
+                    <p:cTn id="19" fill="hold">
+                      <p:stCondLst>
+                        <p:cond delay="indefinite"/>
+                      </p:stCondLst>
+                      <p:childTnLst>
+                        <p:par>
+                          <p:cTn id="20" fill="hold">
+                            <p:stCondLst>
+                              <p:cond delay="0"/>
+                            </p:stCondLst>
+                            <p:childTnLst>
+                              <p:par>
+                                <p:cTn id="21" presetID="1" presetClass="entr" presetSubtype="0" fill="hold" nodeType="clickEffect">
+                                  <p:stCondLst>
+                                    <p:cond delay="0"/>
+                                  </p:stCondLst>
+                                  <p:childTnLst>
+                                    <p:set>
+                                      <p:cBhvr>
+                                        <p:cTn id="22" dur="1" fill="hold">
+                                          <p:stCondLst>
+                                            <p:cond delay="0"/>
+                                          </p:stCondLst>
+                                        </p:cTn>
+                                        <p:tgtEl>
+                                          <p:spTgt spid="264">
+                                            <p:txEl>
+                                              <p:pRg st="4" end="4"/>
+                                            </p:txEl>
+                                          </p:spTgt>
+                                        </p:tgtEl>
+                                        <p:attrNameLst>
+                                          <p:attrName>style.visibility</p:attrName>
+                                        </p:attrNameLst>
+                                      </p:cBhvr>
+                                      <p:to>
+                                        <p:strVal val="visible"/>
+                                      </p:to>
+                                    </p:set>
+                                  </p:childTnLst>
+                                </p:cTn>
+                              </p:par>
+                            </p:childTnLst>
+                          </p:cTn>
+                        </p:par>
+                      </p:childTnLst>
+                    </p:cTn>
+                  </p:par>
+                  <p:par>
+                    <p:cTn id="23" fill="hold">
+                      <p:stCondLst>
+                        <p:cond delay="indefinite"/>
+                      </p:stCondLst>
+                      <p:childTnLst>
+                        <p:par>
+                          <p:cTn id="24" fill="hold">
+                            <p:stCondLst>
+                              <p:cond delay="0"/>
+                            </p:stCondLst>
+                            <p:childTnLst>
+                              <p:par>
+                                <p:cTn id="25" presetID="1" presetClass="entr" presetSubtype="0" fill="hold" nodeType="clickEffect">
+                                  <p:stCondLst>
+                                    <p:cond delay="0"/>
+                                  </p:stCondLst>
+                                  <p:childTnLst>
+                                    <p:set>
+                                      <p:cBhvr>
+                                        <p:cTn id="26" dur="1" fill="hold">
+                                          <p:stCondLst>
+                                            <p:cond delay="0"/>
+                                          </p:stCondLst>
+                                        </p:cTn>
+                                        <p:tgtEl>
+                                          <p:spTgt spid="264">
+                                            <p:txEl>
+                                              <p:pRg st="5" end="5"/>
+                                            </p:txEl>
+                                          </p:spTgt>
+                                        </p:tgtEl>
+                                        <p:attrNameLst>
+                                          <p:attrName>style.visibility</p:attrName>
+                                        </p:attrNameLst>
+                                      </p:cBhvr>
+                                      <p:to>
+                                        <p:strVal val="visible"/>
+                                      </p:to>
+                                    </p:set>
+                                  </p:childTnLst>
+                                </p:cTn>
+                              </p:par>
+                            </p:childTnLst>
+                          </p:cTn>
+                        </p:par>
+                      </p:childTnLst>
+                    </p:cTn>
+                  </p:par>
+                  <p:par>
+                    <p:cTn id="27" fill="hold">
+                      <p:stCondLst>
+                        <p:cond delay="indefinite"/>
+                      </p:stCondLst>
+                      <p:childTnLst>
+                        <p:par>
+                          <p:cTn id="28" fill="hold">
+                            <p:stCondLst>
+                              <p:cond delay="0"/>
+                            </p:stCondLst>
+                            <p:childTnLst>
+                              <p:par>
+                                <p:cTn id="29" presetID="1" presetClass="entr" presetSubtype="0" fill="hold" nodeType="clickEffect">
+                                  <p:stCondLst>
+                                    <p:cond delay="0"/>
+                                  </p:stCondLst>
+                                  <p:childTnLst>
+                                    <p:set>
+                                      <p:cBhvr>
+                                        <p:cTn id="30" dur="1" fill="hold">
+                                          <p:stCondLst>
+                                            <p:cond delay="0"/>
+                                          </p:stCondLst>
+                                        </p:cTn>
+                                        <p:tgtEl>
+                                          <p:spTgt spid="264">
+                                            <p:txEl>
+                                              <p:pRg st="6" end="6"/>
+                                            </p:txEl>
+                                          </p:spTgt>
+                                        </p:tgtEl>
+                                        <p:attrNameLst>
+                                          <p:attrName>style.visibility</p:attrName>
+                                        </p:attrNameLst>
+                                      </p:cBhvr>
+                                      <p:to>
+                                        <p:strVal val="visible"/>
+                                      </p:to>
+                                    </p:set>
+                                  </p:childTnLst>
+                                </p:cTn>
+                              </p:par>
+                            </p:childTnLst>
+                          </p:cTn>
+                        </p:par>
+                      </p:childTnLst>
+                    </p:cTn>
+                  </p:par>
+                  <p:par>
+                    <p:cTn id="31" fill="hold">
+                      <p:stCondLst>
+                        <p:cond delay="indefinite"/>
+                      </p:stCondLst>
+                      <p:childTnLst>
+                        <p:par>
+                          <p:cTn id="32" fill="hold">
+                            <p:stCondLst>
+                              <p:cond delay="0"/>
+                            </p:stCondLst>
+                            <p:childTnLst>
+                              <p:par>
+                                <p:cTn id="33" presetID="1" presetClass="entr" presetSubtype="0" fill="hold" nodeType="clickEffect">
+                                  <p:stCondLst>
+                                    <p:cond delay="0"/>
+                                  </p:stCondLst>
+                                  <p:childTnLst>
+                                    <p:set>
+                                      <p:cBhvr>
+                                        <p:cTn id="34" dur="1" fill="hold">
+                                          <p:stCondLst>
+                                            <p:cond delay="0"/>
+                                          </p:stCondLst>
+                                        </p:cTn>
+                                        <p:tgtEl>
+                                          <p:spTgt spid="264">
+                                            <p:txEl>
+                                              <p:pRg st="7" end="7"/>
+                                            </p:txEl>
+                                          </p:spTgt>
+                                        </p:tgtEl>
+                                        <p:attrNameLst>
+                                          <p:attrName>style.visibility</p:attrName>
+                                        </p:attrNameLst>
+                                      </p:cBhvr>
+                                      <p:to>
+                                        <p:strVal val="visible"/>
+                                      </p:to>
+                                    </p:set>
+                                  </p:childTnLst>
+                                </p:cTn>
+                              </p:par>
+                            </p:childTnLst>
+                          </p:cTn>
+                        </p:par>
+                      </p:childTnLst>
+                    </p:cTn>
+                  </p:par>
+                  <p:par>
+                    <p:cTn id="35" fill="hold">
+                      <p:stCondLst>
+                        <p:cond delay="indefinite"/>
+                      </p:stCondLst>
+                      <p:childTnLst>
+                        <p:par>
+                          <p:cTn id="36" fill="hold">
+                            <p:stCondLst>
+                              <p:cond delay="0"/>
+                            </p:stCondLst>
+                            <p:childTnLst>
+                              <p:par>
+                                <p:cTn id="37" presetID="1" presetClass="entr" presetSubtype="0" fill="hold" nodeType="clickEffect">
+                                  <p:stCondLst>
+                                    <p:cond delay="0"/>
+                                  </p:stCondLst>
+                                  <p:childTnLst>
+                                    <p:set>
+                                      <p:cBhvr>
+                                        <p:cTn id="38" dur="1" fill="hold">
+                                          <p:stCondLst>
+                                            <p:cond delay="0"/>
+                                          </p:stCondLst>
+                                        </p:cTn>
+                                        <p:tgtEl>
+                                          <p:spTgt spid="264">
+                                            <p:txEl>
+                                              <p:pRg st="8" end="8"/>
+                                            </p:txEl>
+                                          </p:spTgt>
+                                        </p:tgtEl>
+                                        <p:attrNameLst>
+                                          <p:attrName>style.visibility</p:attrName>
+                                        </p:attrNameLst>
+                                      </p:cBhvr>
+                                      <p:to>
+                                        <p:strVal val="visible"/>
+                                      </p:to>
+                                    </p:set>
+                                  </p:childTnLst>
+                                </p:cTn>
+                              </p:par>
+                            </p:childTnLst>
+                          </p:cTn>
+                        </p:par>
+                      </p:childTnLst>
+                    </p:cTn>
+                  </p:par>
+                </p:childTnLst>
+              </p:cTn>
+              <p:prevCondLst>
+                <p:cond evt="onPrev" delay="0">
+                  <p:tgtEl>
+                    <p:sldTgt/>
+                  </p:tgtEl>
+                </p:cond>
+              </p:prevCondLst>
+              <p:nextCondLst>
+                <p:cond evt="onNext" delay="0">
+                  <p:tgtEl>
+                    <p:sldTgt/>
+                  </p:tgtEl>
+                </p:cond>
+              </p:nextCondLst>
+            </p:seq>
+          </p:childTnLst>
+        </p:cTn>
+      </p:par>
+    </p:tnLst>
+  </p:timing>
+</p:sld>
+</file>
+
+<file path=ppt/slides/slide25.xml><?xml version="1.0" encoding="utf-8"?>
+<p:sld xmlns:a="http://schemas.openxmlformats.org/drawingml/2006/main" xmlns:r="http://schemas.openxmlformats.org/officeDocument/2006/relationships" xmlns:p="http://schemas.openxmlformats.org/presentationml/2006/main">
+  <p:cSld>
+    <p:spTree>
+      <p:nvGrpSpPr>
+        <p:cNvPr id="1" name=""/>
+        <p:cNvGrpSpPr/>
+        <p:nvPr/>
+      </p:nvGrpSpPr>
+      <p:grpSpPr>
+        <a:xfrm>
+          <a:off x="0" y="0"/>
+          <a:ext cx="0" cy="0"/>
+          <a:chOff x="0" y="0"/>
+          <a:chExt cx="0" cy="0"/>
+        </a:xfrm>
+      </p:grpSpPr>
+      <p:sp>
+        <p:nvSpPr>
+          <p:cNvPr id="2" name="Title 1">
+            <a:extLst>
+              <a:ext uri="{FF2B5EF4-FFF2-40B4-BE49-F238E27FC236}">
+                <a16:creationId xmlns:a16="http://schemas.microsoft.com/office/drawing/2014/main" id="{94A73AEC-6B80-6828-0DB8-67B7018FE95F}"/>
+              </a:ext>
+            </a:extLst>
+          </p:cNvPr>
+          <p:cNvSpPr>
+            <a:spLocks noGrp="1"/>
+          </p:cNvSpPr>
+          <p:nvPr>
+            <p:ph type="title"/>
+          </p:nvPr>
+        </p:nvSpPr>
+        <p:spPr/>
+        <p:txBody>
+          <a:bodyPr/>
+          <a:lstStyle/>
+          <a:p>
+            <a:r>
+              <a:rPr lang="en-US" dirty="0"/>
+              <a:t>SQL: Describe The Shape of the result!</a:t>
+            </a:r>
+          </a:p>
+        </p:txBody>
+      </p:sp>
+      <p:pic>
+        <p:nvPicPr>
+          <p:cNvPr id="4" name="Google Shape;286;p20">
+            <a:extLst>
+              <a:ext uri="{FF2B5EF4-FFF2-40B4-BE49-F238E27FC236}">
+                <a16:creationId xmlns:a16="http://schemas.microsoft.com/office/drawing/2014/main" id="{CC61378C-E92B-43AD-90E0-14645E0EFA1F}"/>
+              </a:ext>
+            </a:extLst>
+          </p:cNvPr>
+          <p:cNvPicPr preferRelativeResize="0">
+            <a:picLocks noGrp="1"/>
+          </p:cNvPicPr>
+          <p:nvPr>
+            <p:ph idx="1"/>
+          </p:nvPr>
+        </p:nvPicPr>
+        <p:blipFill rotWithShape="1">
+          <a:blip r:embed="rId2">
+            <a:alphaModFix/>
+          </a:blip>
+          <a:srcRect/>
+          <a:stretch/>
+        </p:blipFill>
+        <p:spPr>
+          <a:xfrm>
+            <a:off x="1576277" y="800100"/>
+            <a:ext cx="5991446" cy="3943350"/>
+          </a:xfrm>
+          <a:prstGeom prst="rect">
+            <a:avLst/>
+          </a:prstGeom>
+          <a:noFill/>
+          <a:ln>
+            <a:noFill/>
+          </a:ln>
+        </p:spPr>
+      </p:pic>
+    </p:spTree>
+    <p:extLst>
+      <p:ext uri="{BB962C8B-B14F-4D97-AF65-F5344CB8AC3E}">
+        <p14:creationId xmlns:p14="http://schemas.microsoft.com/office/powerpoint/2010/main" val="1025862944"/>
+      </p:ext>
+    </p:extLst>
+  </p:cSld>
+  <p:clrMapOvr>
+    <a:masterClrMapping/>
+  </p:clrMapOvr>
+</p:sld>
+</file>
+
+<file path=ppt/slides/slide26.xml><?xml version="1.0" encoding="utf-8"?>
+<p:sld xmlns:a="http://schemas.openxmlformats.org/drawingml/2006/main" xmlns:r="http://schemas.openxmlformats.org/officeDocument/2006/relationships" xmlns:p="http://schemas.openxmlformats.org/presentationml/2006/main">
+  <p:cSld>
+    <p:spTree>
+      <p:nvGrpSpPr>
+        <p:cNvPr id="1" name=""/>
+        <p:cNvGrpSpPr/>
+        <p:nvPr/>
+      </p:nvGrpSpPr>
+      <p:grpSpPr>
+        <a:xfrm>
+          <a:off x="0" y="0"/>
+          <a:ext cx="0" cy="0"/>
+          <a:chOff x="0" y="0"/>
+          <a:chExt cx="0" cy="0"/>
+        </a:xfrm>
+      </p:grpSpPr>
+      <p:sp>
+        <p:nvSpPr>
+          <p:cNvPr id="2" name="Title 1">
+            <a:extLst>
+              <a:ext uri="{FF2B5EF4-FFF2-40B4-BE49-F238E27FC236}">
+                <a16:creationId xmlns:a16="http://schemas.microsoft.com/office/drawing/2014/main" id="{B47401C5-144F-28EE-D5DB-D3878A9B33D1}"/>
+              </a:ext>
+            </a:extLst>
+          </p:cNvPr>
+          <p:cNvSpPr>
+            <a:spLocks noGrp="1"/>
+          </p:cNvSpPr>
+          <p:nvPr>
+            <p:ph type="title"/>
+          </p:nvPr>
+        </p:nvSpPr>
+        <p:spPr/>
+        <p:txBody>
+          <a:bodyPr/>
+          <a:lstStyle/>
+          <a:p>
+            <a:r>
+              <a:rPr lang="en-US" dirty="0"/>
+              <a:t>What if I want a table with just a few rows?</a:t>
+            </a:r>
+          </a:p>
+        </p:txBody>
+      </p:sp>
+      <p:sp>
+        <p:nvSpPr>
+          <p:cNvPr id="3" name="Content Placeholder 2">
+            <a:extLst>
+              <a:ext uri="{FF2B5EF4-FFF2-40B4-BE49-F238E27FC236}">
+                <a16:creationId xmlns:a16="http://schemas.microsoft.com/office/drawing/2014/main" id="{1E250CE5-3F67-8E07-88DB-608F62881622}"/>
+              </a:ext>
+            </a:extLst>
+          </p:cNvPr>
+          <p:cNvSpPr>
+            <a:spLocks noGrp="1"/>
+          </p:cNvSpPr>
+          <p:nvPr>
+            <p:ph idx="1"/>
+          </p:nvPr>
+        </p:nvSpPr>
+        <p:spPr/>
+        <p:txBody>
+          <a:bodyPr/>
+          <a:lstStyle/>
+          <a:p>
+            <a:r>
+              <a:rPr lang="en-US" dirty="0"/>
+              <a:t> Here the `where()` in Python is using the </a:t>
+            </a:r>
+            <a:r>
+              <a:rPr lang="en-US" dirty="0" err="1"/>
+              <a:t>datascience</a:t>
+            </a:r>
+            <a:r>
+              <a:rPr lang="en-US" dirty="0"/>
+              <a:t> module.</a:t>
+            </a:r>
+          </a:p>
+        </p:txBody>
+      </p:sp>
+      <p:pic>
+        <p:nvPicPr>
+          <p:cNvPr id="4" name="Google Shape;375;p28">
+            <a:extLst>
+              <a:ext uri="{FF2B5EF4-FFF2-40B4-BE49-F238E27FC236}">
+                <a16:creationId xmlns:a16="http://schemas.microsoft.com/office/drawing/2014/main" id="{1841B6CC-B049-99D3-C318-4C23CFAEA6D9}"/>
+              </a:ext>
+            </a:extLst>
+          </p:cNvPr>
+          <p:cNvPicPr preferRelativeResize="0"/>
+          <p:nvPr/>
+        </p:nvPicPr>
+        <p:blipFill rotWithShape="1">
+          <a:blip r:embed="rId2">
+            <a:alphaModFix/>
+          </a:blip>
+          <a:srcRect/>
+          <a:stretch/>
+        </p:blipFill>
+        <p:spPr>
+          <a:xfrm>
+            <a:off x="180938" y="2771775"/>
+            <a:ext cx="4422197" cy="1163669"/>
+          </a:xfrm>
+          <a:prstGeom prst="rect">
+            <a:avLst/>
+          </a:prstGeom>
+          <a:noFill/>
+          <a:ln w="9525" cap="flat" cmpd="sng">
+            <a:solidFill>
+              <a:srgbClr val="0A51FB"/>
+            </a:solidFill>
+            <a:prstDash val="solid"/>
+            <a:round/>
+            <a:headEnd type="none" w="sm" len="sm"/>
+            <a:tailEnd type="none" w="sm" len="sm"/>
+          </a:ln>
+        </p:spPr>
+      </p:pic>
+      <p:pic>
+        <p:nvPicPr>
+          <p:cNvPr id="5" name="Google Shape;376;p28">
+            <a:extLst>
+              <a:ext uri="{FF2B5EF4-FFF2-40B4-BE49-F238E27FC236}">
+                <a16:creationId xmlns:a16="http://schemas.microsoft.com/office/drawing/2014/main" id="{407E40E5-E8C7-3C42-9A8E-D2706028FB8B}"/>
+              </a:ext>
+            </a:extLst>
+          </p:cNvPr>
+          <p:cNvPicPr preferRelativeResize="0"/>
+          <p:nvPr/>
+        </p:nvPicPr>
+        <p:blipFill rotWithShape="1">
+          <a:blip r:embed="rId3">
+            <a:alphaModFix/>
+          </a:blip>
+          <a:srcRect/>
+          <a:stretch/>
+        </p:blipFill>
+        <p:spPr>
+          <a:xfrm>
+            <a:off x="4603135" y="1448011"/>
+            <a:ext cx="4540865" cy="3371639"/>
+          </a:xfrm>
+          <a:prstGeom prst="rect">
+            <a:avLst/>
+          </a:prstGeom>
+          <a:noFill/>
+          <a:ln w="9525" cap="flat" cmpd="sng">
+            <a:solidFill>
+              <a:srgbClr val="0A51FB"/>
+            </a:solidFill>
+            <a:prstDash val="solid"/>
+            <a:round/>
+            <a:headEnd type="none" w="sm" len="sm"/>
+            <a:tailEnd type="none" w="sm" len="sm"/>
+          </a:ln>
+        </p:spPr>
+      </p:pic>
+    </p:spTree>
+    <p:extLst>
+      <p:ext uri="{BB962C8B-B14F-4D97-AF65-F5344CB8AC3E}">
+        <p14:creationId xmlns:p14="http://schemas.microsoft.com/office/powerpoint/2010/main" val="1506146154"/>
+      </p:ext>
+    </p:extLst>
+  </p:cSld>
+  <p:clrMapOvr>
+    <a:masterClrMapping/>
+  </p:clrMapOvr>
+</p:sld>
+</file>
+
+<file path=ppt/slides/slide27.xml><?xml version="1.0" encoding="utf-8"?>
+<p:sld xmlns:a="http://schemas.openxmlformats.org/drawingml/2006/main" xmlns:r="http://schemas.openxmlformats.org/officeDocument/2006/relationships" xmlns:p="http://schemas.openxmlformats.org/presentationml/2006/main">
+  <p:cSld>
+    <p:spTree>
+      <p:nvGrpSpPr>
+        <p:cNvPr id="1" name=""/>
+        <p:cNvGrpSpPr/>
+        <p:nvPr/>
+      </p:nvGrpSpPr>
+      <p:grpSpPr>
+        <a:xfrm>
+          <a:off x="0" y="0"/>
+          <a:ext cx="0" cy="0"/>
+          <a:chOff x="0" y="0"/>
+          <a:chExt cx="0" cy="0"/>
+        </a:xfrm>
+      </p:grpSpPr>
+      <p:sp>
+        <p:nvSpPr>
+          <p:cNvPr id="2" name="Title 1">
+            <a:extLst>
+              <a:ext uri="{FF2B5EF4-FFF2-40B4-BE49-F238E27FC236}">
+                <a16:creationId xmlns:a16="http://schemas.microsoft.com/office/drawing/2014/main" id="{BC8F04D6-F312-9E6C-7619-0E439ECB6F42}"/>
+              </a:ext>
+            </a:extLst>
+          </p:cNvPr>
+          <p:cNvSpPr>
+            <a:spLocks noGrp="1"/>
+          </p:cNvSpPr>
+          <p:nvPr>
+            <p:ph type="title"/>
+          </p:nvPr>
+        </p:nvSpPr>
+        <p:spPr/>
+        <p:txBody>
+          <a:bodyPr/>
+          <a:lstStyle/>
+          <a:p>
+            <a:r>
+              <a:rPr lang="en-US" dirty="0"/>
+              <a:t>Summary</a:t>
+            </a:r>
+          </a:p>
+        </p:txBody>
+      </p:sp>
+      <p:sp>
+        <p:nvSpPr>
+          <p:cNvPr id="3" name="Content Placeholder 2">
+            <a:extLst>
+              <a:ext uri="{FF2B5EF4-FFF2-40B4-BE49-F238E27FC236}">
+                <a16:creationId xmlns:a16="http://schemas.microsoft.com/office/drawing/2014/main" id="{DE036FB0-FB4F-615B-FFCC-25C5AF8C7416}"/>
+              </a:ext>
+            </a:extLst>
+          </p:cNvPr>
+          <p:cNvSpPr>
+            <a:spLocks noGrp="1"/>
+          </p:cNvSpPr>
+          <p:nvPr>
+            <p:ph idx="1"/>
+          </p:nvPr>
+        </p:nvSpPr>
+        <p:spPr/>
+        <p:txBody>
+          <a:bodyPr/>
+          <a:lstStyle/>
+          <a:p>
+            <a:r>
+              <a:rPr lang="en-US" dirty="0"/>
+              <a:t> Paradigms are styles, guidelines for how to approach a program</a:t>
+            </a:r>
+          </a:p>
+          <a:p>
+            <a:r>
+              <a:rPr lang="en-US" dirty="0"/>
+              <a:t> Each is equally capable, but some are suited best to particular tasks.</a:t>
+            </a:r>
+          </a:p>
+          <a:p>
+            <a:r>
+              <a:rPr lang="en-US" dirty="0"/>
+              <a:t> Declarative programming gets us to think about the </a:t>
+            </a:r>
+            <a:r>
+              <a:rPr lang="en-US" i="1" dirty="0"/>
+              <a:t>what</a:t>
+            </a:r>
+            <a:r>
+              <a:rPr lang="en-US" dirty="0"/>
+              <a:t> rather than the </a:t>
+            </a:r>
+            <a:r>
+              <a:rPr lang="en-US" i="1" dirty="0"/>
+              <a:t>how.</a:t>
+            </a:r>
+            <a:endParaRPr lang="en-US" dirty="0"/>
+          </a:p>
+        </p:txBody>
+      </p:sp>
+    </p:spTree>
+    <p:extLst>
+      <p:ext uri="{BB962C8B-B14F-4D97-AF65-F5344CB8AC3E}">
+        <p14:creationId xmlns:p14="http://schemas.microsoft.com/office/powerpoint/2010/main" val="2273196154"/>
+      </p:ext>
+    </p:extLst>
+  </p:cSld>
+  <p:clrMapOvr>
+    <a:masterClrMapping/>
+  </p:clrMapOvr>
+</p:sld>
+</file>
+
+<file path=ppt/slides/slide3.xml><?xml version="1.0" encoding="utf-8"?>
+<p:sld xmlns:a="http://schemas.openxmlformats.org/drawingml/2006/main" xmlns:r="http://schemas.openxmlformats.org/officeDocument/2006/relationships" xmlns:p="http://schemas.openxmlformats.org/presentationml/2006/main">
+  <p:cSld>
+    <p:spTree>
+      <p:nvGrpSpPr>
+        <p:cNvPr id="1" name="Shape 52"/>
+        <p:cNvGrpSpPr/>
+        <p:nvPr/>
+      </p:nvGrpSpPr>
+      <p:grpSpPr>
+        <a:xfrm>
+          <a:off x="0" y="0"/>
+          <a:ext cx="0" cy="0"/>
+          <a:chOff x="0" y="0"/>
+          <a:chExt cx="0" cy="0"/>
+        </a:xfrm>
+      </p:grpSpPr>
+      <p:sp>
+        <p:nvSpPr>
+          <p:cNvPr id="53" name="Google Shape;53;p12"/>
+          <p:cNvSpPr txBox="1">
+            <a:spLocks noGrp="1"/>
+          </p:cNvSpPr>
+          <p:nvPr>
+            <p:ph type="title"/>
+          </p:nvPr>
+        </p:nvSpPr>
+        <p:spPr/>
+        <p:txBody>
+          <a:bodyPr/>
+          <a:lstStyle/>
+          <a:p>
+            <a:pPr lvl="0"/>
+            <a:r>
+              <a:rPr lang="en-US"/>
+              <a:t>Programming Paradigms</a:t>
+            </a:r>
+          </a:p>
+        </p:txBody>
+      </p:sp>
+      <p:sp>
+        <p:nvSpPr>
+          <p:cNvPr id="54" name="Google Shape;54;p12"/>
+          <p:cNvSpPr txBox="1">
+            <a:spLocks noGrp="1"/>
+          </p:cNvSpPr>
+          <p:nvPr>
+            <p:ph idx="1"/>
+          </p:nvPr>
+        </p:nvSpPr>
+        <p:spPr/>
+        <p:txBody>
+          <a:bodyPr/>
+          <a:lstStyle/>
+          <a:p>
+            <a:pPr lvl="0"/>
+            <a:r>
+              <a:rPr lang="en-US" sz="2200" b="1" dirty="0"/>
+              <a:t> Paradigm</a:t>
+            </a:r>
+            <a:r>
+              <a:rPr lang="en-US" sz="2200" dirty="0"/>
+              <a:t> (Merriam Webster): a typical example or pattern of something; a model. Example: "there is a new paradigm for public art in this country"</a:t>
+            </a:r>
+          </a:p>
+          <a:p>
+            <a:pPr lvl="0"/>
+            <a:r>
+              <a:rPr lang="en-US" sz="2200" dirty="0"/>
+              <a:t> Programming Paradigm (</a:t>
+            </a:r>
+            <a:r>
+              <a:rPr lang="en-US" sz="2200" dirty="0">
+                <a:hlinkClick r:id="rId3"/>
+              </a:rPr>
+              <a:t>Joe Turner, Clemson University</a:t>
+            </a:r>
+            <a:r>
+              <a:rPr lang="en-US" sz="2200" dirty="0"/>
+              <a:t>): “A programming paradigm is a general approach, orientation, or philosophy of programming that can be used when implementing a program.” </a:t>
+            </a:r>
+            <a:r>
+              <a:rPr lang="en-US" sz="2200" i="1" dirty="0"/>
+              <a:t>You might call this a "style"</a:t>
+            </a:r>
+            <a:endParaRPr lang="en-US" sz="2200" dirty="0"/>
+          </a:p>
+          <a:p>
+            <a:pPr lvl="0"/>
+            <a:r>
+              <a:rPr lang="en-US" sz="2200" dirty="0"/>
+              <a:t>Example, three very different approaches to squaring list:</a:t>
+            </a:r>
+          </a:p>
+          <a:p>
+            <a:pPr marL="0" lvl="0" indent="0">
+              <a:buNone/>
+            </a:pPr>
+            <a:r>
+              <a:rPr lang="en-US" sz="2200" dirty="0">
+                <a:latin typeface="Source Code Pro" panose="020B0509030403020204" pitchFamily="49" charset="77"/>
+              </a:rPr>
+              <a:t>	map(lambda x: x*x, range(5))</a:t>
+            </a:r>
+          </a:p>
+          <a:p>
+            <a:pPr marL="0" lvl="0" indent="0">
+              <a:buNone/>
+            </a:pPr>
+            <a:r>
+              <a:rPr lang="en-US" sz="2200" dirty="0">
+                <a:latin typeface="Source Code Pro" panose="020B0509030403020204" pitchFamily="49" charset="77"/>
+              </a:rPr>
+              <a:t>	[ x * x for x in range(5) ]</a:t>
+            </a:r>
+          </a:p>
+          <a:p>
+            <a:pPr marL="0" lvl="0" indent="0">
+              <a:buNone/>
+            </a:pPr>
+            <a:r>
+              <a:rPr lang="en-US" sz="2200" dirty="0">
+                <a:latin typeface="Source Code Pro" panose="020B0509030403020204" pitchFamily="49" charset="77"/>
+              </a:rPr>
+              <a:t>	range(5).</a:t>
+            </a:r>
+            <a:r>
+              <a:rPr lang="en-US" sz="2200" dirty="0" err="1">
+                <a:latin typeface="Source Code Pro" panose="020B0509030403020204" pitchFamily="49" charset="77"/>
+              </a:rPr>
+              <a:t>square_nums</a:t>
+            </a:r>
+            <a:r>
+              <a:rPr lang="en-US" sz="2200" dirty="0">
+                <a:latin typeface="Source Code Pro" panose="020B0509030403020204" pitchFamily="49" charset="77"/>
+              </a:rPr>
+              <a:t>() # Only theoretically</a:t>
+            </a:r>
+          </a:p>
+        </p:txBody>
+      </p:sp>
+    </p:spTree>
+  </p:cSld>
+  <p:clrMapOvr>
+    <a:masterClrMapping/>
+  </p:clrMapOvr>
+</p:sld>
+</file>
+
+<file path=ppt/slides/slide4.xml><?xml version="1.0" encoding="utf-8"?>
+<p:sld xmlns:a="http://schemas.openxmlformats.org/drawingml/2006/main" xmlns:r="http://schemas.openxmlformats.org/officeDocument/2006/relationships" xmlns:p="http://schemas.openxmlformats.org/presentationml/2006/main">
+  <p:cSld>
+    <p:spTree>
+      <p:nvGrpSpPr>
+        <p:cNvPr id="1" name="Shape 61"/>
+        <p:cNvGrpSpPr/>
+        <p:nvPr/>
+      </p:nvGrpSpPr>
+      <p:grpSpPr>
+        <a:xfrm>
+          <a:off x="0" y="0"/>
+          <a:ext cx="0" cy="0"/>
+          <a:chOff x="0" y="0"/>
+          <a:chExt cx="0" cy="0"/>
+        </a:xfrm>
+      </p:grpSpPr>
+      <p:sp>
+        <p:nvSpPr>
+          <p:cNvPr id="62" name="Google Shape;62;p13"/>
+          <p:cNvSpPr txBox="1">
+            <a:spLocks noGrp="1"/>
+          </p:cNvSpPr>
+          <p:nvPr>
+            <p:ph type="title"/>
+          </p:nvPr>
+        </p:nvSpPr>
+        <p:spPr/>
+        <p:txBody>
+          <a:bodyPr/>
+          <a:lstStyle/>
+          <a:p>
+            <a:pPr lvl="0"/>
+            <a:r>
+              <a:rPr lang="en-US"/>
+              <a:t>Why?</a:t>
+            </a:r>
+          </a:p>
+        </p:txBody>
+      </p:sp>
+      <p:sp>
+        <p:nvSpPr>
+          <p:cNvPr id="63" name="Google Shape;63;p13"/>
+          <p:cNvSpPr txBox="1">
+            <a:spLocks noGrp="1"/>
+          </p:cNvSpPr>
+          <p:nvPr>
+            <p:ph idx="1"/>
+          </p:nvPr>
+        </p:nvSpPr>
+        <p:spPr/>
+        <p:txBody>
+          <a:bodyPr/>
+          <a:lstStyle/>
+          <a:p>
+            <a:pPr lvl="0"/>
+            <a:r>
+              <a:rPr lang="en-US" dirty="0"/>
+              <a:t> Understanding the paradigm helps you understand the intent  of the programmer</a:t>
+            </a:r>
+          </a:p>
+          <a:p>
+            <a:pPr lvl="0"/>
+            <a:r>
+              <a:rPr lang="en-US" dirty="0"/>
+              <a:t> Pick the right tool for the job!</a:t>
+            </a:r>
+          </a:p>
+          <a:p>
+            <a:pPr lvl="0"/>
+            <a:r>
+              <a:rPr lang="en-US" dirty="0"/>
+              <a:t> Most programs written today are multi-paradigm</a:t>
+            </a:r>
+          </a:p>
+          <a:p>
+            <a:pPr lvl="1"/>
+            <a:r>
+              <a:rPr lang="en-US" dirty="0"/>
+              <a:t>They mix and match the style</a:t>
+            </a:r>
+          </a:p>
+        </p:txBody>
+      </p:sp>
+    </p:spTree>
+  </p:cSld>
+  <p:clrMapOvr>
+    <a:masterClrMapping/>
+  </p:clrMapOvr>
+</p:sld>
+</file>
+
+<file path=ppt/slides/slide5.xml><?xml version="1.0" encoding="utf-8"?>
+<p:sld xmlns:a="http://schemas.openxmlformats.org/drawingml/2006/main" xmlns:r="http://schemas.openxmlformats.org/officeDocument/2006/relationships" xmlns:p="http://schemas.openxmlformats.org/presentationml/2006/main">
+  <p:cSld>
+    <p:spTree>
+      <p:nvGrpSpPr>
+        <p:cNvPr id="1" name="Shape 67"/>
+        <p:cNvGrpSpPr/>
+        <p:nvPr/>
+      </p:nvGrpSpPr>
+      <p:grpSpPr>
+        <a:xfrm>
+          <a:off x="0" y="0"/>
+          <a:ext cx="0" cy="0"/>
+          <a:chOff x="0" y="0"/>
+          <a:chExt cx="0" cy="0"/>
+        </a:xfrm>
+      </p:grpSpPr>
+      <p:sp>
+        <p:nvSpPr>
+          <p:cNvPr id="68" name="Google Shape;68;p14"/>
+          <p:cNvSpPr txBox="1">
+            <a:spLocks noGrp="1"/>
+          </p:cNvSpPr>
+          <p:nvPr>
+            <p:ph type="title"/>
+          </p:nvPr>
+        </p:nvSpPr>
+        <p:spPr/>
+        <p:txBody>
+          <a:bodyPr/>
+          <a:lstStyle/>
+          <a:p>
+            <a:pPr lvl="0"/>
+            <a:r>
+              <a:rPr lang="en-US"/>
+              <a:t>Word of Warning</a:t>
+            </a:r>
+          </a:p>
+        </p:txBody>
+      </p:sp>
+      <p:sp>
+        <p:nvSpPr>
+          <p:cNvPr id="69" name="Google Shape;69;p14"/>
+          <p:cNvSpPr txBox="1">
+            <a:spLocks noGrp="1"/>
+          </p:cNvSpPr>
+          <p:nvPr>
+            <p:ph idx="1"/>
+          </p:nvPr>
+        </p:nvSpPr>
+        <p:spPr/>
+        <p:txBody>
+          <a:bodyPr/>
+          <a:lstStyle/>
+          <a:p>
+            <a:pPr lvl="0"/>
+            <a:r>
+              <a:rPr lang="en-US" sz="2000" dirty="0"/>
+              <a:t>There is no universally agreed upon taxonomy of human programming styles.</a:t>
+            </a:r>
+          </a:p>
+          <a:p>
+            <a:pPr lvl="0"/>
+            <a:endParaRPr lang="en-US" sz="2000" dirty="0"/>
+          </a:p>
+          <a:p>
+            <a:pPr marL="0" lvl="0" indent="0">
+              <a:buNone/>
+            </a:pPr>
+            <a:r>
+              <a:rPr lang="en-US" sz="2000" dirty="0"/>
+              <a:t>One possible list:</a:t>
+            </a:r>
+          </a:p>
+          <a:p>
+            <a:pPr lvl="0"/>
+            <a:r>
+              <a:rPr lang="en-US" sz="2000" dirty="0"/>
+              <a:t> Imperative</a:t>
+            </a:r>
+          </a:p>
+          <a:p>
+            <a:pPr lvl="0"/>
+            <a:r>
+              <a:rPr lang="en-US" sz="2000" dirty="0"/>
+              <a:t> Functional</a:t>
+            </a:r>
+          </a:p>
+          <a:p>
+            <a:pPr lvl="0"/>
+            <a:r>
+              <a:rPr lang="en-US" sz="2000" dirty="0"/>
+              <a:t> Array-based</a:t>
+            </a:r>
+          </a:p>
+          <a:p>
+            <a:pPr lvl="0"/>
+            <a:r>
+              <a:rPr lang="en-US" sz="2000" dirty="0"/>
+              <a:t> Object oriented</a:t>
+            </a:r>
+          </a:p>
+          <a:p>
+            <a:pPr lvl="0"/>
+            <a:r>
+              <a:rPr lang="en-US" sz="2000" dirty="0"/>
+              <a:t> Declarative</a:t>
+            </a:r>
+          </a:p>
+          <a:p>
+            <a:pPr marL="0" lvl="0" indent="0">
+              <a:buNone/>
+            </a:pPr>
+            <a:r>
+              <a:rPr lang="en-US" sz="2000" dirty="0"/>
+              <a:t>These terms are a bit fluid, and as you’ll see if you </a:t>
+            </a:r>
+            <a:r>
+              <a:rPr lang="en-US" sz="2000" dirty="0">
+                <a:hlinkClick r:id="rId3"/>
+              </a:rPr>
+              <a:t>read more on wikipedia</a:t>
+            </a:r>
+            <a:r>
+              <a:rPr lang="en-US" sz="2000" dirty="0"/>
+              <a:t>, there is substantial disagreement about these terms.</a:t>
+            </a:r>
+            <a:br>
+              <a:rPr lang="en-US" sz="2000" dirty="0"/>
+            </a:br>
+            <a:endParaRPr lang="en-US" sz="2000" dirty="0"/>
+          </a:p>
+        </p:txBody>
+      </p:sp>
+    </p:spTree>
+  </p:cSld>
+  <p:clrMapOvr>
+    <a:masterClrMapping/>
+  </p:clrMapOvr>
+</p:sld>
+</file>
+
+<file path=ppt/slides/slide6.xml><?xml version="1.0" encoding="utf-8"?>
+<p:sld xmlns:a="http://schemas.openxmlformats.org/drawingml/2006/main" xmlns:r="http://schemas.openxmlformats.org/officeDocument/2006/relationships" xmlns:p="http://schemas.openxmlformats.org/presentationml/2006/main">
+  <p:cSld>
+    <p:spTree>
+      <p:nvGrpSpPr>
+        <p:cNvPr id="1" name="Shape 73"/>
+        <p:cNvGrpSpPr/>
+        <p:nvPr/>
+      </p:nvGrpSpPr>
+      <p:grpSpPr>
+        <a:xfrm>
+          <a:off x="0" y="0"/>
+          <a:ext cx="0" cy="0"/>
+          <a:chOff x="0" y="0"/>
+          <a:chExt cx="0" cy="0"/>
+        </a:xfrm>
+      </p:grpSpPr>
+      <p:sp>
+        <p:nvSpPr>
+          <p:cNvPr id="74" name="Google Shape;74;p15"/>
+          <p:cNvSpPr txBox="1">
+            <a:spLocks noGrp="1"/>
+          </p:cNvSpPr>
+          <p:nvPr>
+            <p:ph type="title"/>
+          </p:nvPr>
+        </p:nvSpPr>
+        <p:spPr/>
+        <p:txBody>
+          <a:bodyPr/>
+          <a:lstStyle/>
+          <a:p>
+            <a:pPr lvl="0"/>
+            <a:r>
+              <a:rPr lang="en-US"/>
+              <a:t>Programming Paradigms</a:t>
+            </a:r>
+          </a:p>
+        </p:txBody>
+      </p:sp>
+      <p:sp>
+        <p:nvSpPr>
+          <p:cNvPr id="75" name="Google Shape;75;p15"/>
+          <p:cNvSpPr txBox="1">
+            <a:spLocks noGrp="1"/>
+          </p:cNvSpPr>
+          <p:nvPr>
+            <p:ph idx="1"/>
+          </p:nvPr>
+        </p:nvSpPr>
+        <p:spPr/>
+        <p:txBody>
+          <a:bodyPr/>
+          <a:lstStyle/>
+          <a:p>
+            <a:pPr lvl="0"/>
+            <a:r>
+              <a:rPr lang="en-US" sz="2000" dirty="0"/>
+              <a:t>Example, three very different approaches to squaring list:</a:t>
+            </a:r>
+          </a:p>
+          <a:p>
+            <a:pPr lvl="0"/>
+            <a:r>
+              <a:rPr lang="en-US" sz="2000" dirty="0"/>
+              <a:t>Functional: map(lambda x: x*x, [1, 2, 3])</a:t>
+            </a:r>
+          </a:p>
+          <a:p>
+            <a:pPr lvl="0"/>
+            <a:endParaRPr lang="en-US" sz="2000" dirty="0"/>
+          </a:p>
+          <a:p>
+            <a:pPr lvl="0"/>
+            <a:r>
+              <a:rPr lang="en-US" sz="2000" dirty="0"/>
+              <a:t>Array-based:  [1, 2, 3] * [1, 2, 3] → [1, 4, 9] # Not Python!</a:t>
+            </a:r>
+          </a:p>
+          <a:p>
+            <a:pPr lvl="0"/>
+            <a:endParaRPr lang="en-US" sz="2000" dirty="0"/>
+          </a:p>
+          <a:p>
+            <a:pPr lvl="0"/>
+            <a:r>
+              <a:rPr lang="en-US" sz="2000" dirty="0"/>
+              <a:t>Imperative:</a:t>
+            </a:r>
+          </a:p>
+          <a:p>
+            <a:pPr marL="0" lvl="0" indent="0">
+              <a:buNone/>
+            </a:pPr>
+            <a:r>
+              <a:rPr lang="en-US" sz="2000" dirty="0">
+                <a:latin typeface="Source Code Pro" panose="020B0509030403020204" pitchFamily="49" charset="77"/>
+              </a:rPr>
+              <a:t> def square(</a:t>
+            </a:r>
+            <a:r>
+              <a:rPr lang="en-US" sz="2000" dirty="0" err="1">
+                <a:latin typeface="Source Code Pro" panose="020B0509030403020204" pitchFamily="49" charset="77"/>
+              </a:rPr>
+              <a:t>nums</a:t>
+            </a:r>
+            <a:r>
+              <a:rPr lang="en-US" sz="2000" dirty="0">
+                <a:latin typeface="Source Code Pro" panose="020B0509030403020204" pitchFamily="49" charset="77"/>
+              </a:rPr>
+              <a:t>):</a:t>
+            </a:r>
+          </a:p>
+          <a:p>
+            <a:pPr marL="0" lvl="0" indent="0">
+              <a:buNone/>
+            </a:pPr>
+            <a:r>
+              <a:rPr lang="en-US" sz="2000" dirty="0">
+                <a:latin typeface="Source Code Pro" panose="020B0509030403020204" pitchFamily="49" charset="77"/>
+              </a:rPr>
+              <a:t>     result = []</a:t>
+            </a:r>
+          </a:p>
+          <a:p>
+            <a:pPr marL="0" lvl="0" indent="0">
+              <a:buNone/>
+            </a:pPr>
+            <a:r>
+              <a:rPr lang="en-US" sz="2000" dirty="0">
+                <a:latin typeface="Source Code Pro" panose="020B0509030403020204" pitchFamily="49" charset="77"/>
+              </a:rPr>
+              <a:t>     for num in </a:t>
+            </a:r>
+            <a:r>
+              <a:rPr lang="en-US" sz="2000" dirty="0" err="1">
+                <a:latin typeface="Source Code Pro" panose="020B0509030403020204" pitchFamily="49" charset="77"/>
+              </a:rPr>
+              <a:t>nums</a:t>
+            </a:r>
+            <a:r>
+              <a:rPr lang="en-US" sz="2000" dirty="0">
+                <a:latin typeface="Source Code Pro" panose="020B0509030403020204" pitchFamily="49" charset="77"/>
+              </a:rPr>
+              <a:t>:</a:t>
+            </a:r>
+          </a:p>
+          <a:p>
+            <a:pPr marL="0" lvl="0" indent="0">
+              <a:buNone/>
+            </a:pPr>
+            <a:r>
+              <a:rPr lang="en-US" sz="2000" dirty="0">
+                <a:latin typeface="Source Code Pro" panose="020B0509030403020204" pitchFamily="49" charset="77"/>
+              </a:rPr>
+              <a:t>          </a:t>
+            </a:r>
+            <a:r>
+              <a:rPr lang="en-US" sz="2000" dirty="0" err="1">
+                <a:latin typeface="Source Code Pro" panose="020B0509030403020204" pitchFamily="49" charset="77"/>
+              </a:rPr>
+              <a:t>result.append</a:t>
+            </a:r>
+            <a:r>
+              <a:rPr lang="en-US" sz="2000" dirty="0">
+                <a:latin typeface="Source Code Pro" panose="020B0509030403020204" pitchFamily="49" charset="77"/>
+              </a:rPr>
+              <a:t>(num * num)</a:t>
+            </a:r>
+          </a:p>
+          <a:p>
+            <a:pPr marL="0" lvl="0" indent="0">
+              <a:buNone/>
+            </a:pPr>
+            <a:r>
+              <a:rPr lang="en-US" sz="2000" dirty="0">
+                <a:latin typeface="Source Code Pro" panose="020B0509030403020204" pitchFamily="49" charset="77"/>
+              </a:rPr>
+              <a:t>    return result</a:t>
+            </a:r>
+          </a:p>
+        </p:txBody>
+      </p:sp>
+    </p:spTree>
+  </p:cSld>
+  <p:clrMapOvr>
+    <a:masterClrMapping/>
+  </p:clrMapOvr>
+</p:sld>
+</file>
+
+<file path=ppt/slides/slide7.xml><?xml version="1.0" encoding="utf-8"?>
+<p:sld xmlns:a="http://schemas.openxmlformats.org/drawingml/2006/main" xmlns:r="http://schemas.openxmlformats.org/officeDocument/2006/relationships" xmlns:p="http://schemas.openxmlformats.org/presentationml/2006/main">
+  <p:cSld>
+    <p:spTree>
+      <p:nvGrpSpPr>
+        <p:cNvPr id="1" name="Shape 82"/>
+        <p:cNvGrpSpPr/>
+        <p:nvPr/>
+      </p:nvGrpSpPr>
+      <p:grpSpPr>
+        <a:xfrm>
+          <a:off x="0" y="0"/>
+          <a:ext cx="0" cy="0"/>
+          <a:chOff x="0" y="0"/>
+          <a:chExt cx="0" cy="0"/>
+        </a:xfrm>
+      </p:grpSpPr>
+      <p:sp>
+        <p:nvSpPr>
+          <p:cNvPr id="83" name="Google Shape;83;p16"/>
+          <p:cNvSpPr txBox="1">
+            <a:spLocks noGrp="1"/>
+          </p:cNvSpPr>
+          <p:nvPr>
+            <p:ph type="title"/>
+          </p:nvPr>
+        </p:nvSpPr>
+        <p:spPr/>
+        <p:txBody>
+          <a:bodyPr/>
+          <a:lstStyle/>
+          <a:p>
+            <a:pPr lvl="0"/>
+            <a:r>
+              <a:rPr lang="en-US"/>
+              <a:t>The Imperative Programming Paradigm</a:t>
+            </a:r>
+          </a:p>
+        </p:txBody>
+      </p:sp>
+      <p:sp>
+        <p:nvSpPr>
+          <p:cNvPr id="84" name="Google Shape;84;p16"/>
+          <p:cNvSpPr txBox="1">
+            <a:spLocks noGrp="1"/>
+          </p:cNvSpPr>
+          <p:nvPr>
+            <p:ph idx="1"/>
+          </p:nvPr>
+        </p:nvSpPr>
+        <p:spPr/>
+        <p:txBody>
+          <a:bodyPr/>
+          <a:lstStyle/>
+          <a:p>
+            <a:pPr lvl="0"/>
+            <a:r>
+              <a:rPr lang="en-US" dirty="0"/>
+              <a:t> An imperative program provides a sequence of steps.</a:t>
+            </a:r>
+          </a:p>
+          <a:p>
+            <a:pPr lvl="0"/>
+            <a:r>
+              <a:rPr lang="en-US" dirty="0"/>
+              <a:t> Like following a recipe.</a:t>
+            </a:r>
+          </a:p>
+          <a:p>
+            <a:pPr lvl="0"/>
+            <a:r>
+              <a:rPr lang="en-US" dirty="0"/>
+              <a:t> Assignment is allowed (can set variables).</a:t>
+            </a:r>
+          </a:p>
+          <a:p>
+            <a:pPr lvl="0"/>
+            <a:r>
+              <a:rPr lang="en-US" dirty="0"/>
+              <a:t> Mutation is allowed (can change variables).</a:t>
+            </a:r>
+          </a:p>
+          <a:p>
+            <a:pPr lvl="0"/>
+            <a:r>
+              <a:rPr lang="en-US" dirty="0"/>
+              <a:t> Example (acronym): </a:t>
+            </a:r>
+          </a:p>
+          <a:p>
+            <a:pPr lvl="0"/>
+            <a:endParaRPr lang="en-US" dirty="0"/>
+          </a:p>
+          <a:p>
+            <a:pPr lvl="0"/>
+            <a:endParaRPr lang="en-US" dirty="0"/>
+          </a:p>
+        </p:txBody>
+      </p:sp>
+      <p:sp>
+        <p:nvSpPr>
+          <p:cNvPr id="7" name="TextBox 6">
+            <a:extLst>
+              <a:ext uri="{FF2B5EF4-FFF2-40B4-BE49-F238E27FC236}">
+                <a16:creationId xmlns:a16="http://schemas.microsoft.com/office/drawing/2014/main" id="{0FB308FD-1046-928A-9885-DCE27BE96C9F}"/>
+              </a:ext>
+            </a:extLst>
+          </p:cNvPr>
+          <p:cNvSpPr txBox="1"/>
+          <p:nvPr/>
+        </p:nvSpPr>
+        <p:spPr>
+          <a:xfrm>
+            <a:off x="3171832" y="2657477"/>
+            <a:ext cx="5857875" cy="2031325"/>
+          </a:xfrm>
+          <a:prstGeom prst="rect">
+            <a:avLst/>
+          </a:prstGeom>
+          <a:noFill/>
+        </p:spPr>
+        <p:txBody>
+          <a:bodyPr wrap="square">
+            <a:spAutoFit/>
+          </a:bodyPr>
+          <a:lstStyle/>
+          <a:p>
+            <a:r>
+              <a:rPr lang="en-US" sz="1800" b="0" dirty="0">
+                <a:solidFill>
+                  <a:schemeClr val="tx1"/>
+                </a:solidFill>
+                <a:effectLst/>
+                <a:latin typeface="SourceCodePro-Light" panose="020B0509030403020204" pitchFamily="49" charset="77"/>
+              </a:rPr>
+              <a:t>def </a:t>
+            </a:r>
+            <a:r>
+              <a:rPr lang="en-US" sz="1800" b="0" dirty="0" err="1">
+                <a:solidFill>
+                  <a:schemeClr val="tx1"/>
+                </a:solidFill>
+                <a:effectLst/>
+                <a:latin typeface="SourceCodePro-Light" panose="020B0509030403020204" pitchFamily="49" charset="77"/>
+              </a:rPr>
+              <a:t>acronym_i</a:t>
+            </a:r>
+            <a:r>
+              <a:rPr lang="en-US" sz="1800" b="0" dirty="0">
+                <a:solidFill>
+                  <a:schemeClr val="tx1"/>
+                </a:solidFill>
+                <a:effectLst/>
+                <a:latin typeface="SourceCodePro-Light" panose="020B0509030403020204" pitchFamily="49" charset="77"/>
+              </a:rPr>
+              <a:t>(words):</a:t>
+            </a:r>
+          </a:p>
+          <a:p>
+            <a:r>
+              <a:rPr lang="en-US" sz="1800" b="0" dirty="0">
+                <a:solidFill>
+                  <a:schemeClr val="tx1"/>
+                </a:solidFill>
+                <a:effectLst/>
+                <a:latin typeface="SourceCodePro-Light" panose="020B0509030403020204" pitchFamily="49" charset="77"/>
+              </a:rPr>
+              <a:t>    result = ''</a:t>
+            </a:r>
+          </a:p>
+          <a:p>
+            <a:r>
+              <a:rPr lang="en-US" sz="1800" b="0" dirty="0">
+                <a:solidFill>
+                  <a:schemeClr val="tx1"/>
+                </a:solidFill>
+                <a:effectLst/>
+                <a:latin typeface="SourceCodePro-Light" panose="020B0509030403020204" pitchFamily="49" charset="77"/>
+              </a:rPr>
+              <a:t>    words = </a:t>
+            </a:r>
+            <a:r>
+              <a:rPr lang="en-US" sz="1800" b="0" dirty="0" err="1">
+                <a:solidFill>
+                  <a:schemeClr val="tx1"/>
+                </a:solidFill>
+                <a:effectLst/>
+                <a:latin typeface="SourceCodePro-Light" panose="020B0509030403020204" pitchFamily="49" charset="77"/>
+              </a:rPr>
+              <a:t>words.split</a:t>
+            </a:r>
+            <a:r>
+              <a:rPr lang="en-US" sz="1800" b="0" dirty="0">
+                <a:solidFill>
+                  <a:schemeClr val="tx1"/>
+                </a:solidFill>
+                <a:effectLst/>
+                <a:latin typeface="SourceCodePro-Light" panose="020B0509030403020204" pitchFamily="49" charset="77"/>
+              </a:rPr>
+              <a:t>(' ')</a:t>
+            </a:r>
+          </a:p>
+          <a:p>
+            <a:r>
+              <a:rPr lang="en-US" sz="1800" b="0" dirty="0">
+                <a:solidFill>
+                  <a:schemeClr val="tx1"/>
+                </a:solidFill>
+                <a:effectLst/>
+                <a:latin typeface="SourceCodePro-Light" panose="020B0509030403020204" pitchFamily="49" charset="77"/>
+              </a:rPr>
+              <a:t>    for word in words:</a:t>
+            </a:r>
+          </a:p>
+          <a:p>
+            <a:r>
+              <a:rPr lang="en-US" sz="1800" b="0" dirty="0">
+                <a:solidFill>
+                  <a:schemeClr val="tx1"/>
+                </a:solidFill>
+                <a:effectLst/>
+                <a:latin typeface="SourceCodePro-Light" panose="020B0509030403020204" pitchFamily="49" charset="77"/>
+              </a:rPr>
+              <a:t>        if </a:t>
+            </a:r>
+            <a:r>
+              <a:rPr lang="en-US" sz="1800" b="0" dirty="0" err="1">
+                <a:solidFill>
+                  <a:schemeClr val="tx1"/>
+                </a:solidFill>
+                <a:effectLst/>
+                <a:latin typeface="SourceCodePro-Light" panose="020B0509030403020204" pitchFamily="49" charset="77"/>
+              </a:rPr>
+              <a:t>len</a:t>
+            </a:r>
+            <a:r>
+              <a:rPr lang="en-US" sz="1800" b="0" dirty="0">
+                <a:solidFill>
+                  <a:schemeClr val="tx1"/>
+                </a:solidFill>
+                <a:effectLst/>
+                <a:latin typeface="SourceCodePro-Light" panose="020B0509030403020204" pitchFamily="49" charset="77"/>
+              </a:rPr>
+              <a:t>(word) &gt; 4:</a:t>
+            </a:r>
+          </a:p>
+          <a:p>
+            <a:r>
+              <a:rPr lang="en-US" sz="1800" b="0" dirty="0">
+                <a:solidFill>
+                  <a:schemeClr val="tx1"/>
+                </a:solidFill>
+                <a:effectLst/>
+                <a:latin typeface="SourceCodePro-Light" panose="020B0509030403020204" pitchFamily="49" charset="77"/>
+              </a:rPr>
+              <a:t>             result += word[0]</a:t>
+            </a:r>
+          </a:p>
+          <a:p>
+            <a:r>
+              <a:rPr lang="en-US" sz="1800" b="0" dirty="0">
+                <a:solidFill>
+                  <a:schemeClr val="tx1"/>
+                </a:solidFill>
+                <a:effectLst/>
+                <a:latin typeface="SourceCodePro-Light" panose="020B0509030403020204" pitchFamily="49" charset="77"/>
+              </a:rPr>
+              <a:t>    return result</a:t>
+            </a:r>
+          </a:p>
+        </p:txBody>
+      </p:sp>
+    </p:spTree>
+  </p:cSld>
+  <p:clrMapOvr>
+    <a:masterClrMapping/>
+  </p:clrMapOvr>
+</p:sld>
+</file>
+
+<file path=ppt/slides/slide8.xml><?xml version="1.0" encoding="utf-8"?>
+<p:sld xmlns:a="http://schemas.openxmlformats.org/drawingml/2006/main" xmlns:r="http://schemas.openxmlformats.org/officeDocument/2006/relationships" xmlns:p="http://schemas.openxmlformats.org/presentationml/2006/main" show="0">
+  <p:cSld>
+    <p:spTree>
+      <p:nvGrpSpPr>
+        <p:cNvPr id="1" name="Shape 82"/>
+        <p:cNvGrpSpPr/>
+        <p:nvPr/>
+      </p:nvGrpSpPr>
+      <p:grpSpPr>
+        <a:xfrm>
+          <a:off x="0" y="0"/>
+          <a:ext cx="0" cy="0"/>
+          <a:chOff x="0" y="0"/>
+          <a:chExt cx="0" cy="0"/>
+        </a:xfrm>
+      </p:grpSpPr>
+      <p:sp>
+        <p:nvSpPr>
+          <p:cNvPr id="83" name="Google Shape;83;p16"/>
+          <p:cNvSpPr txBox="1">
+            <a:spLocks noGrp="1"/>
+          </p:cNvSpPr>
+          <p:nvPr>
+            <p:ph type="title"/>
+          </p:nvPr>
+        </p:nvSpPr>
+        <p:spPr/>
+        <p:txBody>
+          <a:bodyPr/>
+          <a:lstStyle/>
+          <a:p>
+            <a:pPr lvl="0"/>
+            <a:r>
+              <a:rPr lang="en-US"/>
+              <a:t>The Imperative Programming Paradigm</a:t>
+            </a:r>
+          </a:p>
+        </p:txBody>
+      </p:sp>
+      <p:sp>
+        <p:nvSpPr>
+          <p:cNvPr id="84" name="Google Shape;84;p16"/>
+          <p:cNvSpPr txBox="1">
+            <a:spLocks noGrp="1"/>
+          </p:cNvSpPr>
+          <p:nvPr>
+            <p:ph idx="1"/>
+          </p:nvPr>
+        </p:nvSpPr>
+        <p:spPr/>
+        <p:txBody>
+          <a:bodyPr/>
+          <a:lstStyle/>
+          <a:p>
+            <a:pPr lvl="0"/>
+            <a:r>
+              <a:rPr lang="en-US" dirty="0"/>
+              <a:t> An imperative program provides a sequence of steps.</a:t>
+            </a:r>
+          </a:p>
+          <a:p>
+            <a:pPr lvl="0"/>
+            <a:r>
+              <a:rPr lang="en-US" dirty="0"/>
+              <a:t> Like following a recipe.</a:t>
+            </a:r>
+          </a:p>
+          <a:p>
+            <a:pPr lvl="0"/>
+            <a:r>
+              <a:rPr lang="en-US" dirty="0"/>
+              <a:t> Assignment is allowed (can set variables).</a:t>
+            </a:r>
+          </a:p>
+          <a:p>
+            <a:pPr lvl="0"/>
+            <a:r>
+              <a:rPr lang="en-US" dirty="0"/>
+              <a:t> Mutation is allowed (can change variables).</a:t>
+            </a:r>
+          </a:p>
+          <a:p>
+            <a:pPr lvl="0"/>
+            <a:r>
+              <a:rPr lang="en-US" dirty="0"/>
+              <a:t>Example (acronym): </a:t>
+            </a:r>
+          </a:p>
+          <a:p>
+            <a:pPr lvl="0"/>
+            <a:endParaRPr lang="en-US" dirty="0"/>
+          </a:p>
+          <a:p>
+            <a:pPr lvl="0"/>
+            <a:endParaRPr lang="en-US" dirty="0"/>
+          </a:p>
+        </p:txBody>
+      </p:sp>
+    </p:spTree>
+    <p:extLst>
+      <p:ext uri="{BB962C8B-B14F-4D97-AF65-F5344CB8AC3E}">
+        <p14:creationId xmlns:p14="http://schemas.microsoft.com/office/powerpoint/2010/main" val="223904209"/>
+      </p:ext>
+    </p:extLst>
+  </p:cSld>
+  <p:clrMapOvr>
+    <a:masterClrMapping/>
+  </p:clrMapOvr>
+</p:sld>
+</file>
+
+<file path=ppt/slides/slide9.xml><?xml version="1.0" encoding="utf-8"?>
+<p:sld xmlns:a="http://schemas.openxmlformats.org/drawingml/2006/main" xmlns:r="http://schemas.openxmlformats.org/officeDocument/2006/relationships" xmlns:p="http://schemas.openxmlformats.org/presentationml/2006/main">
+  <p:cSld>
+    <p:spTree>
+      <p:nvGrpSpPr>
+        <p:cNvPr id="1" name="Shape 89"/>
+        <p:cNvGrpSpPr/>
+        <p:nvPr/>
+      </p:nvGrpSpPr>
+      <p:grpSpPr>
+        <a:xfrm>
+          <a:off x="0" y="0"/>
+          <a:ext cx="0" cy="0"/>
+          <a:chOff x="0" y="0"/>
+          <a:chExt cx="0" cy="0"/>
+        </a:xfrm>
+      </p:grpSpPr>
+      <p:sp>
+        <p:nvSpPr>
+          <p:cNvPr id="90" name="Google Shape;90;p17"/>
+          <p:cNvSpPr txBox="1">
+            <a:spLocks noGrp="1"/>
+          </p:cNvSpPr>
+          <p:nvPr>
+            <p:ph type="title"/>
+          </p:nvPr>
+        </p:nvSpPr>
+        <p:spPr/>
+        <p:txBody>
+          <a:bodyPr/>
+          <a:lstStyle/>
+          <a:p>
+            <a:pPr lvl="0"/>
+            <a:r>
+              <a:rPr lang="en-US"/>
+              <a:t>The Functional Programming Paradigm</a:t>
+            </a:r>
+          </a:p>
+        </p:txBody>
+      </p:sp>
+      <p:sp>
+        <p:nvSpPr>
+          <p:cNvPr id="91" name="Google Shape;91;p17"/>
+          <p:cNvSpPr txBox="1">
+            <a:spLocks noGrp="1"/>
+          </p:cNvSpPr>
+          <p:nvPr>
+            <p:ph idx="1"/>
+          </p:nvPr>
+        </p:nvSpPr>
+        <p:spPr/>
+        <p:txBody>
+          <a:bodyPr/>
+          <a:lstStyle/>
+          <a:p>
+            <a:pPr lvl="0"/>
+            <a:r>
+              <a:rPr lang="en-US" sz="2200" dirty="0"/>
+              <a:t>In functional programming, computation is thought of in terms of the evaluation of functions.</a:t>
+            </a:r>
+          </a:p>
+          <a:p>
+            <a:pPr lvl="0"/>
+            <a:r>
+              <a:rPr lang="en-US" sz="2200" dirty="0"/>
+              <a:t>No state (e.g. variable assignments).</a:t>
+            </a:r>
+          </a:p>
+          <a:p>
+            <a:pPr lvl="0"/>
+            <a:r>
+              <a:rPr lang="en-US" sz="2200" dirty="0"/>
+              <a:t>No mutation (e.g. changing variable values).</a:t>
+            </a:r>
+          </a:p>
+          <a:p>
+            <a:pPr lvl="0"/>
+            <a:r>
+              <a:rPr lang="en-US" sz="2200" dirty="0"/>
+              <a:t>No side effects when functions execute.</a:t>
+            </a:r>
+          </a:p>
+        </p:txBody>
+      </p:sp>
+      <p:sp>
+        <p:nvSpPr>
+          <p:cNvPr id="2" name="TextBox 1">
+            <a:extLst>
+              <a:ext uri="{FF2B5EF4-FFF2-40B4-BE49-F238E27FC236}">
+                <a16:creationId xmlns:a16="http://schemas.microsoft.com/office/drawing/2014/main" id="{6B2C2918-CC84-B529-9498-EBEC185D134F}"/>
+              </a:ext>
+            </a:extLst>
+          </p:cNvPr>
+          <p:cNvSpPr txBox="1"/>
+          <p:nvPr/>
+        </p:nvSpPr>
+        <p:spPr>
+          <a:xfrm>
+            <a:off x="628650" y="2857500"/>
+            <a:ext cx="5957888" cy="1169551"/>
+          </a:xfrm>
+          <a:prstGeom prst="rect">
+            <a:avLst/>
+          </a:prstGeom>
+          <a:noFill/>
+        </p:spPr>
+        <p:txBody>
+          <a:bodyPr wrap="square" rtlCol="0">
+            <a:spAutoFit/>
+          </a:bodyPr>
+          <a:lstStyle/>
+          <a:p>
+            <a:r>
+              <a:rPr lang="en-US" b="0" dirty="0">
+                <a:solidFill>
+                  <a:schemeClr val="tx1"/>
+                </a:solidFill>
+                <a:effectLst/>
+                <a:latin typeface="SourceCodePro-Light" panose="020B0509030403020204" pitchFamily="49" charset="77"/>
+              </a:rPr>
+              <a:t>def </a:t>
+            </a:r>
+            <a:r>
+              <a:rPr lang="en-US" b="0" dirty="0" err="1">
+                <a:solidFill>
+                  <a:schemeClr val="tx1"/>
+                </a:solidFill>
+                <a:effectLst/>
+                <a:latin typeface="SourceCodePro-Light" panose="020B0509030403020204" pitchFamily="49" charset="77"/>
+              </a:rPr>
+              <a:t>acronym_f</a:t>
+            </a:r>
+            <a:r>
+              <a:rPr lang="en-US" b="0" dirty="0">
+                <a:solidFill>
+                  <a:schemeClr val="tx1"/>
+                </a:solidFill>
+                <a:effectLst/>
+                <a:latin typeface="SourceCodePro-Light" panose="020B0509030403020204" pitchFamily="49" charset="77"/>
+              </a:rPr>
+              <a:t>(words):</a:t>
+            </a:r>
+          </a:p>
+          <a:p>
+            <a:r>
+              <a:rPr lang="en-US" b="0" dirty="0">
+                <a:solidFill>
+                  <a:schemeClr val="tx1"/>
+                </a:solidFill>
+                <a:effectLst/>
+                <a:latin typeface="SourceCodePro-Light" panose="020B0509030403020204" pitchFamily="49" charset="77"/>
+              </a:rPr>
+              <a:t>   return reduce(add,</a:t>
+            </a:r>
+          </a:p>
+          <a:p>
+            <a:r>
+              <a:rPr lang="en-US" b="0" dirty="0">
+                <a:solidFill>
+                  <a:schemeClr val="tx1"/>
+                </a:solidFill>
+                <a:effectLst/>
+                <a:latin typeface="SourceCodePro-Light" panose="020B0509030403020204" pitchFamily="49" charset="77"/>
+              </a:rPr>
+              <a:t>              map(lambda w: w[0],</a:t>
+            </a:r>
+          </a:p>
+          <a:p>
+            <a:r>
+              <a:rPr lang="en-US" b="0" dirty="0">
+                <a:solidFill>
+                  <a:schemeClr val="tx1"/>
+                </a:solidFill>
+                <a:effectLst/>
+                <a:latin typeface="SourceCodePro-Light" panose="020B0509030403020204" pitchFamily="49" charset="77"/>
+              </a:rPr>
+              <a:t>                  filter(lambda w: </a:t>
+            </a:r>
+            <a:r>
+              <a:rPr lang="en-US" b="0" dirty="0" err="1">
+                <a:solidFill>
+                  <a:schemeClr val="tx1"/>
+                </a:solidFill>
+                <a:effectLst/>
+                <a:latin typeface="SourceCodePro-Light" panose="020B0509030403020204" pitchFamily="49" charset="77"/>
+              </a:rPr>
+              <a:t>len</a:t>
+            </a:r>
+            <a:r>
+              <a:rPr lang="en-US" b="0" dirty="0">
+                <a:solidFill>
+                  <a:schemeClr val="tx1"/>
+                </a:solidFill>
+                <a:effectLst/>
+                <a:latin typeface="SourceCodePro-Light" panose="020B0509030403020204" pitchFamily="49" charset="77"/>
+              </a:rPr>
+              <a:t>(w) &gt; 3,</a:t>
+            </a:r>
+          </a:p>
+          <a:p>
+            <a:r>
+              <a:rPr lang="en-US" b="0" dirty="0">
+                <a:solidFill>
+                  <a:schemeClr val="tx1"/>
+                </a:solidFill>
+                <a:effectLst/>
+                <a:latin typeface="SourceCodePro-Light" panose="020B0509030403020204" pitchFamily="49" charset="77"/>
+              </a:rPr>
+              <a:t>                       </a:t>
+            </a:r>
+            <a:r>
+              <a:rPr lang="en-US" b="0" dirty="0" err="1">
+                <a:solidFill>
+                  <a:schemeClr val="tx1"/>
+                </a:solidFill>
+                <a:effectLst/>
+                <a:latin typeface="SourceCodePro-Light" panose="020B0509030403020204" pitchFamily="49" charset="77"/>
+              </a:rPr>
+              <a:t>words.split</a:t>
+            </a:r>
+            <a:r>
+              <a:rPr lang="en-US" b="0" dirty="0">
+                <a:solidFill>
+                  <a:schemeClr val="tx1"/>
+                </a:solidFill>
+                <a:effectLst/>
+                <a:latin typeface="SourceCodePro-Light" panose="020B0509030403020204" pitchFamily="49" charset="77"/>
+              </a:rPr>
+              <a:t>(' '))))</a:t>
+            </a:r>
+          </a:p>
+        </p:txBody>
+      </p:sp>
+    </p:spTree>
+    <p:extLst>
+      <p:ext uri="{BB962C8B-B14F-4D97-AF65-F5344CB8AC3E}">
+        <p14:creationId xmlns:p14="http://schemas.microsoft.com/office/powerpoint/2010/main" val="860131092"/>
+      </p:ext>
+    </p:extLst>
+  </p:cSld>
+  <p:clrMapOvr>
+    <a:masterClrMapping/>
+  </p:clrMapOvr>
 </p:sld>
 </file>
 

--- a/assets/slides/fa22/24-Paradigms.pptx
+++ b/assets/slides/fa22/24-Paradigms.pptx
@@ -10098,13 +10098,7 @@
               <a:rPr lang="en-US" sz="1600" dirty="0">
                 <a:latin typeface="Open Sans" panose="020B0606030504020204" pitchFamily="34" charset="0"/>
               </a:rPr>
-              <a:t> partial section of the </a:t>
-            </a:r>
-            <a:r>
-              <a:rPr lang="en-US" sz="1600">
-                <a:latin typeface="Open Sans" panose="020B0606030504020204" pitchFamily="34" charset="0"/>
-              </a:rPr>
-              <a:t>CS88 Website:</a:t>
+              <a:t> partial section of the CS88 Website:</a:t>
             </a:r>
             <a:endParaRPr lang="en-US" sz="1600" b="0" dirty="0">
               <a:effectLst/>
@@ -10457,32 +10451,32 @@
           <a:p>
             <a:pPr lvl="0"/>
             <a:r>
-              <a:rPr lang="en-US"/>
+              <a:rPr lang="en-US" dirty="0"/>
               <a:t>Tell Prolog that colors exist:         Tell Prolog that same colors can’t touch:</a:t>
             </a:r>
           </a:p>
           <a:p>
             <a:pPr lvl="0"/>
-            <a:endParaRPr lang="en-US"/>
+            <a:endParaRPr lang="en-US" dirty="0"/>
           </a:p>
           <a:p>
             <a:pPr lvl="0"/>
-            <a:endParaRPr lang="en-US"/>
+            <a:endParaRPr lang="en-US" dirty="0"/>
           </a:p>
           <a:p>
             <a:pPr lvl="0"/>
-            <a:endParaRPr lang="en-US"/>
+            <a:endParaRPr lang="en-US" dirty="0"/>
           </a:p>
           <a:p>
             <a:pPr lvl="0"/>
             <a:r>
-              <a:rPr lang="en-US"/>
+              <a:rPr lang="en-US" dirty="0"/>
               <a:t>                                                                                </a:t>
             </a:r>
           </a:p>
           <a:p>
             <a:pPr lvl="0"/>
-            <a:endParaRPr lang="en-US"/>
+            <a:endParaRPr lang="en-US" dirty="0"/>
           </a:p>
         </p:txBody>
       </p:sp>
@@ -10530,7 +10524,7 @@
         </p:blipFill>
         <p:spPr>
           <a:xfrm>
-            <a:off x="3657638" y="1104213"/>
+            <a:off x="3809627" y="1234402"/>
             <a:ext cx="4829175" cy="657225"/>
           </a:xfrm>
           <a:prstGeom prst="rect">
